--- a/images/cave.pptx
+++ b/images/cave.pptx
@@ -112,6 +112,763 @@
 </p:presentation>
 </file>
 
+<file path=ppt/revisionInfo.xml><?xml version="1.0" encoding="utf-8"?>
+<p1510:revInfo xmlns:a="http://schemas.openxmlformats.org/drawingml/2006/main" xmlns:r="http://schemas.openxmlformats.org/officeDocument/2006/relationships" xmlns:p1510="http://schemas.microsoft.com/office/powerpoint/2015/10/main">
+  <p1510:revLst>
+    <p1510:client id="{43B9D06B-BAC4-47D9-AC6D-1EDE78BA2D20}" v="1" dt="2023-12-18T03:16:48.880"/>
+  </p1510:revLst>
+</p1510:revInfo>
+</file>
+
+<file path=ppt/changesInfos/changesInfo1.xml><?xml version="1.0" encoding="utf-8"?>
+<pc:chgInfo xmlns:a="http://schemas.openxmlformats.org/drawingml/2006/main" xmlns:r="http://schemas.openxmlformats.org/officeDocument/2006/relationships" xmlns:ac="http://schemas.microsoft.com/office/drawing/2013/main/command" xmlns:pc="http://schemas.microsoft.com/office/powerpoint/2013/main/command">
+  <pc:docChgLst>
+    <pc:chgData name="Bo Tang" userId="332dbdf67b1791cd" providerId="LiveId" clId="{43B9D06B-BAC4-47D9-AC6D-1EDE78BA2D20}"/>
+    <pc:docChg chg="custSel modSld">
+      <pc:chgData name="Bo Tang" userId="332dbdf67b1791cd" providerId="LiveId" clId="{43B9D06B-BAC4-47D9-AC6D-1EDE78BA2D20}" dt="2023-12-18T03:16:59.700" v="2" actId="1076"/>
+      <pc:docMkLst>
+        <pc:docMk/>
+      </pc:docMkLst>
+      <pc:sldChg chg="addSp delSp modSp mod">
+        <pc:chgData name="Bo Tang" userId="332dbdf67b1791cd" providerId="LiveId" clId="{43B9D06B-BAC4-47D9-AC6D-1EDE78BA2D20}" dt="2023-12-18T03:16:59.700" v="2" actId="1076"/>
+        <pc:sldMkLst>
+          <pc:docMk/>
+          <pc:sldMk cId="705045716" sldId="256"/>
+        </pc:sldMkLst>
+        <pc:spChg chg="mod">
+          <ac:chgData name="Bo Tang" userId="332dbdf67b1791cd" providerId="LiveId" clId="{43B9D06B-BAC4-47D9-AC6D-1EDE78BA2D20}" dt="2023-12-18T03:16:48.880" v="1"/>
+          <ac:spMkLst>
+            <pc:docMk/>
+            <pc:sldMk cId="705045716" sldId="256"/>
+            <ac:spMk id="9" creationId="{610D8C54-77E2-B7B0-B6CF-83D30B9644FE}"/>
+          </ac:spMkLst>
+        </pc:spChg>
+        <pc:spChg chg="mod">
+          <ac:chgData name="Bo Tang" userId="332dbdf67b1791cd" providerId="LiveId" clId="{43B9D06B-BAC4-47D9-AC6D-1EDE78BA2D20}" dt="2023-12-18T03:16:48.880" v="1"/>
+          <ac:spMkLst>
+            <pc:docMk/>
+            <pc:sldMk cId="705045716" sldId="256"/>
+            <ac:spMk id="11" creationId="{AE2AB4DE-43DC-E4D9-F561-98A698DBBFCC}"/>
+          </ac:spMkLst>
+        </pc:spChg>
+        <pc:spChg chg="mod">
+          <ac:chgData name="Bo Tang" userId="332dbdf67b1791cd" providerId="LiveId" clId="{43B9D06B-BAC4-47D9-AC6D-1EDE78BA2D20}" dt="2023-12-18T03:16:48.880" v="1"/>
+          <ac:spMkLst>
+            <pc:docMk/>
+            <pc:sldMk cId="705045716" sldId="256"/>
+            <ac:spMk id="13" creationId="{743152CA-DBAD-3AF6-2197-69E7DFD43D6F}"/>
+          </ac:spMkLst>
+        </pc:spChg>
+        <pc:spChg chg="mod">
+          <ac:chgData name="Bo Tang" userId="332dbdf67b1791cd" providerId="LiveId" clId="{43B9D06B-BAC4-47D9-AC6D-1EDE78BA2D20}" dt="2023-12-18T03:16:48.880" v="1"/>
+          <ac:spMkLst>
+            <pc:docMk/>
+            <pc:sldMk cId="705045716" sldId="256"/>
+            <ac:spMk id="14" creationId="{11BE399F-AB41-B803-13F7-940535759584}"/>
+          </ac:spMkLst>
+        </pc:spChg>
+        <pc:spChg chg="mod">
+          <ac:chgData name="Bo Tang" userId="332dbdf67b1791cd" providerId="LiveId" clId="{43B9D06B-BAC4-47D9-AC6D-1EDE78BA2D20}" dt="2023-12-18T03:16:48.880" v="1"/>
+          <ac:spMkLst>
+            <pc:docMk/>
+            <pc:sldMk cId="705045716" sldId="256"/>
+            <ac:spMk id="17" creationId="{1C56DD50-1688-CADC-8863-6022309EF802}"/>
+          </ac:spMkLst>
+        </pc:spChg>
+        <pc:spChg chg="mod">
+          <ac:chgData name="Bo Tang" userId="332dbdf67b1791cd" providerId="LiveId" clId="{43B9D06B-BAC4-47D9-AC6D-1EDE78BA2D20}" dt="2023-12-18T03:16:48.880" v="1"/>
+          <ac:spMkLst>
+            <pc:docMk/>
+            <pc:sldMk cId="705045716" sldId="256"/>
+            <ac:spMk id="18" creationId="{68BC67AC-47C2-BEF5-2A97-F7BA3B2058B4}"/>
+          </ac:spMkLst>
+        </pc:spChg>
+        <pc:spChg chg="mod">
+          <ac:chgData name="Bo Tang" userId="332dbdf67b1791cd" providerId="LiveId" clId="{43B9D06B-BAC4-47D9-AC6D-1EDE78BA2D20}" dt="2023-12-18T03:16:48.880" v="1"/>
+          <ac:spMkLst>
+            <pc:docMk/>
+            <pc:sldMk cId="705045716" sldId="256"/>
+            <ac:spMk id="19" creationId="{5EA6A6F6-F683-D053-6F53-A14480D26B95}"/>
+          </ac:spMkLst>
+        </pc:spChg>
+        <pc:spChg chg="mod">
+          <ac:chgData name="Bo Tang" userId="332dbdf67b1791cd" providerId="LiveId" clId="{43B9D06B-BAC4-47D9-AC6D-1EDE78BA2D20}" dt="2023-12-18T03:16:48.880" v="1"/>
+          <ac:spMkLst>
+            <pc:docMk/>
+            <pc:sldMk cId="705045716" sldId="256"/>
+            <ac:spMk id="20" creationId="{6744B06F-5840-19E1-791D-AC2A0D9F9E48}"/>
+          </ac:spMkLst>
+        </pc:spChg>
+        <pc:spChg chg="mod">
+          <ac:chgData name="Bo Tang" userId="332dbdf67b1791cd" providerId="LiveId" clId="{43B9D06B-BAC4-47D9-AC6D-1EDE78BA2D20}" dt="2023-12-18T03:16:48.880" v="1"/>
+          <ac:spMkLst>
+            <pc:docMk/>
+            <pc:sldMk cId="705045716" sldId="256"/>
+            <ac:spMk id="21" creationId="{3D628A90-69C2-7815-E8CB-4316867DD17B}"/>
+          </ac:spMkLst>
+        </pc:spChg>
+        <pc:spChg chg="mod">
+          <ac:chgData name="Bo Tang" userId="332dbdf67b1791cd" providerId="LiveId" clId="{43B9D06B-BAC4-47D9-AC6D-1EDE78BA2D20}" dt="2023-12-18T03:16:48.880" v="1"/>
+          <ac:spMkLst>
+            <pc:docMk/>
+            <pc:sldMk cId="705045716" sldId="256"/>
+            <ac:spMk id="22" creationId="{3CBFDA5C-B423-1334-FF32-3566D226E79D}"/>
+          </ac:spMkLst>
+        </pc:spChg>
+        <pc:spChg chg="mod">
+          <ac:chgData name="Bo Tang" userId="332dbdf67b1791cd" providerId="LiveId" clId="{43B9D06B-BAC4-47D9-AC6D-1EDE78BA2D20}" dt="2023-12-18T03:16:48.880" v="1"/>
+          <ac:spMkLst>
+            <pc:docMk/>
+            <pc:sldMk cId="705045716" sldId="256"/>
+            <ac:spMk id="25" creationId="{B6B2BBF9-214A-3EFD-9F86-272558A7446A}"/>
+          </ac:spMkLst>
+        </pc:spChg>
+        <pc:spChg chg="mod">
+          <ac:chgData name="Bo Tang" userId="332dbdf67b1791cd" providerId="LiveId" clId="{43B9D06B-BAC4-47D9-AC6D-1EDE78BA2D20}" dt="2023-12-18T03:16:48.880" v="1"/>
+          <ac:spMkLst>
+            <pc:docMk/>
+            <pc:sldMk cId="705045716" sldId="256"/>
+            <ac:spMk id="27" creationId="{63BB518E-C709-FF1C-1873-97C123D673FD}"/>
+          </ac:spMkLst>
+        </pc:spChg>
+        <pc:spChg chg="mod">
+          <ac:chgData name="Bo Tang" userId="332dbdf67b1791cd" providerId="LiveId" clId="{43B9D06B-BAC4-47D9-AC6D-1EDE78BA2D20}" dt="2023-12-18T03:16:48.880" v="1"/>
+          <ac:spMkLst>
+            <pc:docMk/>
+            <pc:sldMk cId="705045716" sldId="256"/>
+            <ac:spMk id="32" creationId="{B90074A9-9CD0-2076-44AC-DB58860FFCE3}"/>
+          </ac:spMkLst>
+        </pc:spChg>
+        <pc:spChg chg="mod">
+          <ac:chgData name="Bo Tang" userId="332dbdf67b1791cd" providerId="LiveId" clId="{43B9D06B-BAC4-47D9-AC6D-1EDE78BA2D20}" dt="2023-12-18T03:16:48.880" v="1"/>
+          <ac:spMkLst>
+            <pc:docMk/>
+            <pc:sldMk cId="705045716" sldId="256"/>
+            <ac:spMk id="34" creationId="{C97961F6-D58D-475B-DE42-82A98C5312CA}"/>
+          </ac:spMkLst>
+        </pc:spChg>
+        <pc:spChg chg="mod">
+          <ac:chgData name="Bo Tang" userId="332dbdf67b1791cd" providerId="LiveId" clId="{43B9D06B-BAC4-47D9-AC6D-1EDE78BA2D20}" dt="2023-12-18T03:16:48.880" v="1"/>
+          <ac:spMkLst>
+            <pc:docMk/>
+            <pc:sldMk cId="705045716" sldId="256"/>
+            <ac:spMk id="36" creationId="{2824B869-8F81-BADD-D21C-41EEEBAAE6A7}"/>
+          </ac:spMkLst>
+        </pc:spChg>
+        <pc:spChg chg="mod">
+          <ac:chgData name="Bo Tang" userId="332dbdf67b1791cd" providerId="LiveId" clId="{43B9D06B-BAC4-47D9-AC6D-1EDE78BA2D20}" dt="2023-12-18T03:16:48.880" v="1"/>
+          <ac:spMkLst>
+            <pc:docMk/>
+            <pc:sldMk cId="705045716" sldId="256"/>
+            <ac:spMk id="37" creationId="{C7C90D50-7CAA-A35E-FDC4-F1995FA86A1D}"/>
+          </ac:spMkLst>
+        </pc:spChg>
+        <pc:spChg chg="mod">
+          <ac:chgData name="Bo Tang" userId="332dbdf67b1791cd" providerId="LiveId" clId="{43B9D06B-BAC4-47D9-AC6D-1EDE78BA2D20}" dt="2023-12-18T03:16:48.880" v="1"/>
+          <ac:spMkLst>
+            <pc:docMk/>
+            <pc:sldMk cId="705045716" sldId="256"/>
+            <ac:spMk id="40" creationId="{E72106C5-66A2-19EC-55D2-C63589E611F2}"/>
+          </ac:spMkLst>
+        </pc:spChg>
+        <pc:spChg chg="mod">
+          <ac:chgData name="Bo Tang" userId="332dbdf67b1791cd" providerId="LiveId" clId="{43B9D06B-BAC4-47D9-AC6D-1EDE78BA2D20}" dt="2023-12-18T03:16:48.880" v="1"/>
+          <ac:spMkLst>
+            <pc:docMk/>
+            <pc:sldMk cId="705045716" sldId="256"/>
+            <ac:spMk id="41" creationId="{2A7C226C-9F49-9782-658B-181B3F9CE357}"/>
+          </ac:spMkLst>
+        </pc:spChg>
+        <pc:spChg chg="mod">
+          <ac:chgData name="Bo Tang" userId="332dbdf67b1791cd" providerId="LiveId" clId="{43B9D06B-BAC4-47D9-AC6D-1EDE78BA2D20}" dt="2023-12-18T03:16:48.880" v="1"/>
+          <ac:spMkLst>
+            <pc:docMk/>
+            <pc:sldMk cId="705045716" sldId="256"/>
+            <ac:spMk id="42" creationId="{8D4B40E5-B432-8334-586B-A4A9F678E1CC}"/>
+          </ac:spMkLst>
+        </pc:spChg>
+        <pc:spChg chg="mod">
+          <ac:chgData name="Bo Tang" userId="332dbdf67b1791cd" providerId="LiveId" clId="{43B9D06B-BAC4-47D9-AC6D-1EDE78BA2D20}" dt="2023-12-18T03:16:48.880" v="1"/>
+          <ac:spMkLst>
+            <pc:docMk/>
+            <pc:sldMk cId="705045716" sldId="256"/>
+            <ac:spMk id="43" creationId="{CBB41A7C-E9E2-48EC-8C76-6A212AD3F04E}"/>
+          </ac:spMkLst>
+        </pc:spChg>
+        <pc:spChg chg="mod">
+          <ac:chgData name="Bo Tang" userId="332dbdf67b1791cd" providerId="LiveId" clId="{43B9D06B-BAC4-47D9-AC6D-1EDE78BA2D20}" dt="2023-12-18T03:16:48.880" v="1"/>
+          <ac:spMkLst>
+            <pc:docMk/>
+            <pc:sldMk cId="705045716" sldId="256"/>
+            <ac:spMk id="44" creationId="{8DCF4CFE-131E-4261-9473-E16E1D4444F3}"/>
+          </ac:spMkLst>
+        </pc:spChg>
+        <pc:spChg chg="mod">
+          <ac:chgData name="Bo Tang" userId="332dbdf67b1791cd" providerId="LiveId" clId="{43B9D06B-BAC4-47D9-AC6D-1EDE78BA2D20}" dt="2023-12-18T03:16:48.880" v="1"/>
+          <ac:spMkLst>
+            <pc:docMk/>
+            <pc:sldMk cId="705045716" sldId="256"/>
+            <ac:spMk id="47" creationId="{A1D5E03F-8D00-C44E-FD96-084173FD2748}"/>
+          </ac:spMkLst>
+        </pc:spChg>
+        <pc:spChg chg="mod">
+          <ac:chgData name="Bo Tang" userId="332dbdf67b1791cd" providerId="LiveId" clId="{43B9D06B-BAC4-47D9-AC6D-1EDE78BA2D20}" dt="2023-12-18T03:16:48.880" v="1"/>
+          <ac:spMkLst>
+            <pc:docMk/>
+            <pc:sldMk cId="705045716" sldId="256"/>
+            <ac:spMk id="48" creationId="{8DDBAEEA-2D45-D5C8-2DE6-06F8ABEEBBB3}"/>
+          </ac:spMkLst>
+        </pc:spChg>
+        <pc:spChg chg="mod">
+          <ac:chgData name="Bo Tang" userId="332dbdf67b1791cd" providerId="LiveId" clId="{43B9D06B-BAC4-47D9-AC6D-1EDE78BA2D20}" dt="2023-12-18T03:16:48.880" v="1"/>
+          <ac:spMkLst>
+            <pc:docMk/>
+            <pc:sldMk cId="705045716" sldId="256"/>
+            <ac:spMk id="50" creationId="{FA3CB2CA-86AE-22D0-0E96-612D72E7AC2B}"/>
+          </ac:spMkLst>
+        </pc:spChg>
+        <pc:spChg chg="mod">
+          <ac:chgData name="Bo Tang" userId="332dbdf67b1791cd" providerId="LiveId" clId="{43B9D06B-BAC4-47D9-AC6D-1EDE78BA2D20}" dt="2023-12-18T03:16:48.880" v="1"/>
+          <ac:spMkLst>
+            <pc:docMk/>
+            <pc:sldMk cId="705045716" sldId="256"/>
+            <ac:spMk id="51" creationId="{DA8091EB-647C-0340-4A18-AE41B1EE14AC}"/>
+          </ac:spMkLst>
+        </pc:spChg>
+        <pc:spChg chg="mod">
+          <ac:chgData name="Bo Tang" userId="332dbdf67b1791cd" providerId="LiveId" clId="{43B9D06B-BAC4-47D9-AC6D-1EDE78BA2D20}" dt="2023-12-18T03:16:48.880" v="1"/>
+          <ac:spMkLst>
+            <pc:docMk/>
+            <pc:sldMk cId="705045716" sldId="256"/>
+            <ac:spMk id="56" creationId="{3D5D58E4-A237-1203-90C4-D5F05AB3A352}"/>
+          </ac:spMkLst>
+        </pc:spChg>
+        <pc:spChg chg="mod">
+          <ac:chgData name="Bo Tang" userId="332dbdf67b1791cd" providerId="LiveId" clId="{43B9D06B-BAC4-47D9-AC6D-1EDE78BA2D20}" dt="2023-12-18T03:16:48.880" v="1"/>
+          <ac:spMkLst>
+            <pc:docMk/>
+            <pc:sldMk cId="705045716" sldId="256"/>
+            <ac:spMk id="58" creationId="{DFC3AB61-9423-17E6-F8B0-61CCA5115CB2}"/>
+          </ac:spMkLst>
+        </pc:spChg>
+        <pc:spChg chg="mod">
+          <ac:chgData name="Bo Tang" userId="332dbdf67b1791cd" providerId="LiveId" clId="{43B9D06B-BAC4-47D9-AC6D-1EDE78BA2D20}" dt="2023-12-18T03:16:48.880" v="1"/>
+          <ac:spMkLst>
+            <pc:docMk/>
+            <pc:sldMk cId="705045716" sldId="256"/>
+            <ac:spMk id="60" creationId="{B6047F01-C3D4-D276-D0F1-CE086F4CA4CA}"/>
+          </ac:spMkLst>
+        </pc:spChg>
+        <pc:spChg chg="mod">
+          <ac:chgData name="Bo Tang" userId="332dbdf67b1791cd" providerId="LiveId" clId="{43B9D06B-BAC4-47D9-AC6D-1EDE78BA2D20}" dt="2023-12-18T03:16:48.880" v="1"/>
+          <ac:spMkLst>
+            <pc:docMk/>
+            <pc:sldMk cId="705045716" sldId="256"/>
+            <ac:spMk id="61" creationId="{1D59B948-45E8-87BF-E1E4-0DAC44060CE7}"/>
+          </ac:spMkLst>
+        </pc:spChg>
+        <pc:spChg chg="mod">
+          <ac:chgData name="Bo Tang" userId="332dbdf67b1791cd" providerId="LiveId" clId="{43B9D06B-BAC4-47D9-AC6D-1EDE78BA2D20}" dt="2023-12-18T03:16:48.880" v="1"/>
+          <ac:spMkLst>
+            <pc:docMk/>
+            <pc:sldMk cId="705045716" sldId="256"/>
+            <ac:spMk id="128" creationId="{561382E0-8FBE-E4B7-215A-34034086A25B}"/>
+          </ac:spMkLst>
+        </pc:spChg>
+        <pc:spChg chg="mod">
+          <ac:chgData name="Bo Tang" userId="332dbdf67b1791cd" providerId="LiveId" clId="{43B9D06B-BAC4-47D9-AC6D-1EDE78BA2D20}" dt="2023-12-18T03:16:48.880" v="1"/>
+          <ac:spMkLst>
+            <pc:docMk/>
+            <pc:sldMk cId="705045716" sldId="256"/>
+            <ac:spMk id="129" creationId="{1940C7E6-948C-27F9-111F-09E0360864C2}"/>
+          </ac:spMkLst>
+        </pc:spChg>
+        <pc:spChg chg="mod">
+          <ac:chgData name="Bo Tang" userId="332dbdf67b1791cd" providerId="LiveId" clId="{43B9D06B-BAC4-47D9-AC6D-1EDE78BA2D20}" dt="2023-12-18T03:16:48.880" v="1"/>
+          <ac:spMkLst>
+            <pc:docMk/>
+            <pc:sldMk cId="705045716" sldId="256"/>
+            <ac:spMk id="130" creationId="{097E8164-5B29-2D08-00E5-ACA263C30830}"/>
+          </ac:spMkLst>
+        </pc:spChg>
+        <pc:spChg chg="mod">
+          <ac:chgData name="Bo Tang" userId="332dbdf67b1791cd" providerId="LiveId" clId="{43B9D06B-BAC4-47D9-AC6D-1EDE78BA2D20}" dt="2023-12-18T03:16:48.880" v="1"/>
+          <ac:spMkLst>
+            <pc:docMk/>
+            <pc:sldMk cId="705045716" sldId="256"/>
+            <ac:spMk id="131" creationId="{509E7198-8CAE-BCCA-95F9-CAC29C7405B9}"/>
+          </ac:spMkLst>
+        </pc:spChg>
+        <pc:spChg chg="mod">
+          <ac:chgData name="Bo Tang" userId="332dbdf67b1791cd" providerId="LiveId" clId="{43B9D06B-BAC4-47D9-AC6D-1EDE78BA2D20}" dt="2023-12-18T03:16:48.880" v="1"/>
+          <ac:spMkLst>
+            <pc:docMk/>
+            <pc:sldMk cId="705045716" sldId="256"/>
+            <ac:spMk id="132" creationId="{D30C79EE-213E-4B47-B442-238BCCCD3DC7}"/>
+          </ac:spMkLst>
+        </pc:spChg>
+        <pc:spChg chg="mod">
+          <ac:chgData name="Bo Tang" userId="332dbdf67b1791cd" providerId="LiveId" clId="{43B9D06B-BAC4-47D9-AC6D-1EDE78BA2D20}" dt="2023-12-18T03:16:48.880" v="1"/>
+          <ac:spMkLst>
+            <pc:docMk/>
+            <pc:sldMk cId="705045716" sldId="256"/>
+            <ac:spMk id="135" creationId="{293A448D-87F5-1D27-DCA6-78513353A266}"/>
+          </ac:spMkLst>
+        </pc:spChg>
+        <pc:spChg chg="mod">
+          <ac:chgData name="Bo Tang" userId="332dbdf67b1791cd" providerId="LiveId" clId="{43B9D06B-BAC4-47D9-AC6D-1EDE78BA2D20}" dt="2023-12-18T03:16:48.880" v="1"/>
+          <ac:spMkLst>
+            <pc:docMk/>
+            <pc:sldMk cId="705045716" sldId="256"/>
+            <ac:spMk id="137" creationId="{8DDFFEF9-02F7-51F5-F744-D5C3E3BBE486}"/>
+          </ac:spMkLst>
+        </pc:spChg>
+        <pc:grpChg chg="add mod">
+          <ac:chgData name="Bo Tang" userId="332dbdf67b1791cd" providerId="LiveId" clId="{43B9D06B-BAC4-47D9-AC6D-1EDE78BA2D20}" dt="2023-12-18T03:16:59.700" v="2" actId="1076"/>
+          <ac:grpSpMkLst>
+            <pc:docMk/>
+            <pc:sldMk cId="705045716" sldId="256"/>
+            <ac:grpSpMk id="2" creationId="{EDAD3C9D-BD59-CC04-5752-4A6E13F05959}"/>
+          </ac:grpSpMkLst>
+        </pc:grpChg>
+        <pc:grpChg chg="mod">
+          <ac:chgData name="Bo Tang" userId="332dbdf67b1791cd" providerId="LiveId" clId="{43B9D06B-BAC4-47D9-AC6D-1EDE78BA2D20}" dt="2023-12-18T03:16:48.880" v="1"/>
+          <ac:grpSpMkLst>
+            <pc:docMk/>
+            <pc:sldMk cId="705045716" sldId="256"/>
+            <ac:grpSpMk id="3" creationId="{D6CD25EC-F284-466F-AE61-F3550718350D}"/>
+          </ac:grpSpMkLst>
+        </pc:grpChg>
+        <pc:grpChg chg="mod">
+          <ac:chgData name="Bo Tang" userId="332dbdf67b1791cd" providerId="LiveId" clId="{43B9D06B-BAC4-47D9-AC6D-1EDE78BA2D20}" dt="2023-12-18T03:16:48.880" v="1"/>
+          <ac:grpSpMkLst>
+            <pc:docMk/>
+            <pc:sldMk cId="705045716" sldId="256"/>
+            <ac:grpSpMk id="4" creationId="{EDF37ABC-BB3B-AA23-E092-614F773B25ED}"/>
+          </ac:grpSpMkLst>
+        </pc:grpChg>
+        <pc:grpChg chg="mod">
+          <ac:chgData name="Bo Tang" userId="332dbdf67b1791cd" providerId="LiveId" clId="{43B9D06B-BAC4-47D9-AC6D-1EDE78BA2D20}" dt="2023-12-18T03:16:48.880" v="1"/>
+          <ac:grpSpMkLst>
+            <pc:docMk/>
+            <pc:sldMk cId="705045716" sldId="256"/>
+            <ac:grpSpMk id="5" creationId="{85F943E6-45C8-3830-BBAC-1CDCCCCBA869}"/>
+          </ac:grpSpMkLst>
+        </pc:grpChg>
+        <pc:grpChg chg="mod">
+          <ac:chgData name="Bo Tang" userId="332dbdf67b1791cd" providerId="LiveId" clId="{43B9D06B-BAC4-47D9-AC6D-1EDE78BA2D20}" dt="2023-12-18T03:16:48.880" v="1"/>
+          <ac:grpSpMkLst>
+            <pc:docMk/>
+            <pc:sldMk cId="705045716" sldId="256"/>
+            <ac:grpSpMk id="6" creationId="{50B3D593-3FFC-9E7D-8B8D-F609A07DBEA0}"/>
+          </ac:grpSpMkLst>
+        </pc:grpChg>
+        <pc:grpChg chg="mod">
+          <ac:chgData name="Bo Tang" userId="332dbdf67b1791cd" providerId="LiveId" clId="{43B9D06B-BAC4-47D9-AC6D-1EDE78BA2D20}" dt="2023-12-18T03:16:48.880" v="1"/>
+          <ac:grpSpMkLst>
+            <pc:docMk/>
+            <pc:sldMk cId="705045716" sldId="256"/>
+            <ac:grpSpMk id="7" creationId="{8B37E18C-0BCD-6E26-D29F-292CE78F4DA5}"/>
+          </ac:grpSpMkLst>
+        </pc:grpChg>
+        <pc:grpChg chg="mod">
+          <ac:chgData name="Bo Tang" userId="332dbdf67b1791cd" providerId="LiveId" clId="{43B9D06B-BAC4-47D9-AC6D-1EDE78BA2D20}" dt="2023-12-18T03:16:48.880" v="1"/>
+          <ac:grpSpMkLst>
+            <pc:docMk/>
+            <pc:sldMk cId="705045716" sldId="256"/>
+            <ac:grpSpMk id="8" creationId="{31EFB860-07B8-D26B-9682-814E73610A76}"/>
+          </ac:grpSpMkLst>
+        </pc:grpChg>
+        <pc:grpChg chg="mod">
+          <ac:chgData name="Bo Tang" userId="332dbdf67b1791cd" providerId="LiveId" clId="{43B9D06B-BAC4-47D9-AC6D-1EDE78BA2D20}" dt="2023-12-18T03:16:48.880" v="1"/>
+          <ac:grpSpMkLst>
+            <pc:docMk/>
+            <pc:sldMk cId="705045716" sldId="256"/>
+            <ac:grpSpMk id="29" creationId="{E415ECC9-F7F6-0BB2-7267-92FE79FCC05F}"/>
+          </ac:grpSpMkLst>
+        </pc:grpChg>
+        <pc:grpChg chg="mod">
+          <ac:chgData name="Bo Tang" userId="332dbdf67b1791cd" providerId="LiveId" clId="{43B9D06B-BAC4-47D9-AC6D-1EDE78BA2D20}" dt="2023-12-18T03:16:48.880" v="1"/>
+          <ac:grpSpMkLst>
+            <pc:docMk/>
+            <pc:sldMk cId="705045716" sldId="256"/>
+            <ac:grpSpMk id="30" creationId="{A103BFF0-A149-C865-361A-413E43683036}"/>
+          </ac:grpSpMkLst>
+        </pc:grpChg>
+        <pc:grpChg chg="mod">
+          <ac:chgData name="Bo Tang" userId="332dbdf67b1791cd" providerId="LiveId" clId="{43B9D06B-BAC4-47D9-AC6D-1EDE78BA2D20}" dt="2023-12-18T03:16:48.880" v="1"/>
+          <ac:grpSpMkLst>
+            <pc:docMk/>
+            <pc:sldMk cId="705045716" sldId="256"/>
+            <ac:grpSpMk id="31" creationId="{F16B49CD-9216-0C1C-7100-A77407208C30}"/>
+          </ac:grpSpMkLst>
+        </pc:grpChg>
+        <pc:grpChg chg="mod">
+          <ac:chgData name="Bo Tang" userId="332dbdf67b1791cd" providerId="LiveId" clId="{43B9D06B-BAC4-47D9-AC6D-1EDE78BA2D20}" dt="2023-12-18T03:16:48.880" v="1"/>
+          <ac:grpSpMkLst>
+            <pc:docMk/>
+            <pc:sldMk cId="705045716" sldId="256"/>
+            <ac:grpSpMk id="33" creationId="{ECB7F3A5-C3D0-373A-91C0-6B3E48774AC1}"/>
+          </ac:grpSpMkLst>
+        </pc:grpChg>
+        <pc:grpChg chg="mod">
+          <ac:chgData name="Bo Tang" userId="332dbdf67b1791cd" providerId="LiveId" clId="{43B9D06B-BAC4-47D9-AC6D-1EDE78BA2D20}" dt="2023-12-18T03:16:48.880" v="1"/>
+          <ac:grpSpMkLst>
+            <pc:docMk/>
+            <pc:sldMk cId="705045716" sldId="256"/>
+            <ac:grpSpMk id="53" creationId="{C3071335-231F-0772-AA50-368BE7038F2B}"/>
+          </ac:grpSpMkLst>
+        </pc:grpChg>
+        <pc:grpChg chg="mod">
+          <ac:chgData name="Bo Tang" userId="332dbdf67b1791cd" providerId="LiveId" clId="{43B9D06B-BAC4-47D9-AC6D-1EDE78BA2D20}" dt="2023-12-18T03:16:48.880" v="1"/>
+          <ac:grpSpMkLst>
+            <pc:docMk/>
+            <pc:sldMk cId="705045716" sldId="256"/>
+            <ac:grpSpMk id="54" creationId="{33586044-F86C-0EDD-1E74-B7F7DC644901}"/>
+          </ac:grpSpMkLst>
+        </pc:grpChg>
+        <pc:grpChg chg="mod">
+          <ac:chgData name="Bo Tang" userId="332dbdf67b1791cd" providerId="LiveId" clId="{43B9D06B-BAC4-47D9-AC6D-1EDE78BA2D20}" dt="2023-12-18T03:16:48.880" v="1"/>
+          <ac:grpSpMkLst>
+            <pc:docMk/>
+            <pc:sldMk cId="705045716" sldId="256"/>
+            <ac:grpSpMk id="55" creationId="{223C82F0-F762-D8AD-4E9C-00D3022ADAE5}"/>
+          </ac:grpSpMkLst>
+        </pc:grpChg>
+        <pc:grpChg chg="mod">
+          <ac:chgData name="Bo Tang" userId="332dbdf67b1791cd" providerId="LiveId" clId="{43B9D06B-BAC4-47D9-AC6D-1EDE78BA2D20}" dt="2023-12-18T03:16:48.880" v="1"/>
+          <ac:grpSpMkLst>
+            <pc:docMk/>
+            <pc:sldMk cId="705045716" sldId="256"/>
+            <ac:grpSpMk id="57" creationId="{64C3DFA0-5B16-193E-988C-A3AFBD4317D3}"/>
+          </ac:grpSpMkLst>
+        </pc:grpChg>
+        <pc:grpChg chg="del">
+          <ac:chgData name="Bo Tang" userId="332dbdf67b1791cd" providerId="LiveId" clId="{43B9D06B-BAC4-47D9-AC6D-1EDE78BA2D20}" dt="2023-12-18T03:16:47.776" v="0" actId="478"/>
+          <ac:grpSpMkLst>
+            <pc:docMk/>
+            <pc:sldMk cId="705045716" sldId="256"/>
+            <ac:grpSpMk id="152" creationId="{FBD97AD3-9D34-BFCB-B64A-1579DC943178}"/>
+          </ac:grpSpMkLst>
+        </pc:grpChg>
+        <pc:cxnChg chg="mod">
+          <ac:chgData name="Bo Tang" userId="332dbdf67b1791cd" providerId="LiveId" clId="{43B9D06B-BAC4-47D9-AC6D-1EDE78BA2D20}" dt="2023-12-18T03:16:48.880" v="1"/>
+          <ac:cxnSpMkLst>
+            <pc:docMk/>
+            <pc:sldMk cId="705045716" sldId="256"/>
+            <ac:cxnSpMk id="10" creationId="{C743BBC7-46FB-03FC-474B-2321C201F496}"/>
+          </ac:cxnSpMkLst>
+        </pc:cxnChg>
+        <pc:cxnChg chg="mod">
+          <ac:chgData name="Bo Tang" userId="332dbdf67b1791cd" providerId="LiveId" clId="{43B9D06B-BAC4-47D9-AC6D-1EDE78BA2D20}" dt="2023-12-18T03:16:48.880" v="1"/>
+          <ac:cxnSpMkLst>
+            <pc:docMk/>
+            <pc:sldMk cId="705045716" sldId="256"/>
+            <ac:cxnSpMk id="12" creationId="{DE755CD3-99E5-8BF3-ABAB-1D5EA9FE28B6}"/>
+          </ac:cxnSpMkLst>
+        </pc:cxnChg>
+        <pc:cxnChg chg="mod">
+          <ac:chgData name="Bo Tang" userId="332dbdf67b1791cd" providerId="LiveId" clId="{43B9D06B-BAC4-47D9-AC6D-1EDE78BA2D20}" dt="2023-12-18T03:16:48.880" v="1"/>
+          <ac:cxnSpMkLst>
+            <pc:docMk/>
+            <pc:sldMk cId="705045716" sldId="256"/>
+            <ac:cxnSpMk id="15" creationId="{50A635C0-6092-6BCD-4663-E02999092442}"/>
+          </ac:cxnSpMkLst>
+        </pc:cxnChg>
+        <pc:cxnChg chg="mod">
+          <ac:chgData name="Bo Tang" userId="332dbdf67b1791cd" providerId="LiveId" clId="{43B9D06B-BAC4-47D9-AC6D-1EDE78BA2D20}" dt="2023-12-18T03:16:48.880" v="1"/>
+          <ac:cxnSpMkLst>
+            <pc:docMk/>
+            <pc:sldMk cId="705045716" sldId="256"/>
+            <ac:cxnSpMk id="16" creationId="{639D844D-CE5D-33BF-4012-90BAEA697D1F}"/>
+          </ac:cxnSpMkLst>
+        </pc:cxnChg>
+        <pc:cxnChg chg="mod">
+          <ac:chgData name="Bo Tang" userId="332dbdf67b1791cd" providerId="LiveId" clId="{43B9D06B-BAC4-47D9-AC6D-1EDE78BA2D20}" dt="2023-12-18T03:16:48.880" v="1"/>
+          <ac:cxnSpMkLst>
+            <pc:docMk/>
+            <pc:sldMk cId="705045716" sldId="256"/>
+            <ac:cxnSpMk id="23" creationId="{EE221429-7411-B5EB-4F32-740A7D846912}"/>
+          </ac:cxnSpMkLst>
+        </pc:cxnChg>
+        <pc:cxnChg chg="mod">
+          <ac:chgData name="Bo Tang" userId="332dbdf67b1791cd" providerId="LiveId" clId="{43B9D06B-BAC4-47D9-AC6D-1EDE78BA2D20}" dt="2023-12-18T03:16:48.880" v="1"/>
+          <ac:cxnSpMkLst>
+            <pc:docMk/>
+            <pc:sldMk cId="705045716" sldId="256"/>
+            <ac:cxnSpMk id="24" creationId="{86EBDAF1-363D-66FC-47E6-7B842DC7A78F}"/>
+          </ac:cxnSpMkLst>
+        </pc:cxnChg>
+        <pc:cxnChg chg="mod">
+          <ac:chgData name="Bo Tang" userId="332dbdf67b1791cd" providerId="LiveId" clId="{43B9D06B-BAC4-47D9-AC6D-1EDE78BA2D20}" dt="2023-12-18T03:16:48.880" v="1"/>
+          <ac:cxnSpMkLst>
+            <pc:docMk/>
+            <pc:sldMk cId="705045716" sldId="256"/>
+            <ac:cxnSpMk id="26" creationId="{30BD5EF0-08C6-A862-2146-B098F3AEA4C4}"/>
+          </ac:cxnSpMkLst>
+        </pc:cxnChg>
+        <pc:cxnChg chg="mod">
+          <ac:chgData name="Bo Tang" userId="332dbdf67b1791cd" providerId="LiveId" clId="{43B9D06B-BAC4-47D9-AC6D-1EDE78BA2D20}" dt="2023-12-18T03:16:48.880" v="1"/>
+          <ac:cxnSpMkLst>
+            <pc:docMk/>
+            <pc:sldMk cId="705045716" sldId="256"/>
+            <ac:cxnSpMk id="28" creationId="{857638C2-A885-A37E-3001-40ED44188536}"/>
+          </ac:cxnSpMkLst>
+        </pc:cxnChg>
+        <pc:cxnChg chg="mod">
+          <ac:chgData name="Bo Tang" userId="332dbdf67b1791cd" providerId="LiveId" clId="{43B9D06B-BAC4-47D9-AC6D-1EDE78BA2D20}" dt="2023-12-18T03:16:48.880" v="1"/>
+          <ac:cxnSpMkLst>
+            <pc:docMk/>
+            <pc:sldMk cId="705045716" sldId="256"/>
+            <ac:cxnSpMk id="35" creationId="{858D5991-06B3-633A-99D9-2A267B29474F}"/>
+          </ac:cxnSpMkLst>
+        </pc:cxnChg>
+        <pc:cxnChg chg="mod">
+          <ac:chgData name="Bo Tang" userId="332dbdf67b1791cd" providerId="LiveId" clId="{43B9D06B-BAC4-47D9-AC6D-1EDE78BA2D20}" dt="2023-12-18T03:16:48.880" v="1"/>
+          <ac:cxnSpMkLst>
+            <pc:docMk/>
+            <pc:sldMk cId="705045716" sldId="256"/>
+            <ac:cxnSpMk id="38" creationId="{C3C0E0A6-A748-5FE0-E374-0F797C561731}"/>
+          </ac:cxnSpMkLst>
+        </pc:cxnChg>
+        <pc:cxnChg chg="mod">
+          <ac:chgData name="Bo Tang" userId="332dbdf67b1791cd" providerId="LiveId" clId="{43B9D06B-BAC4-47D9-AC6D-1EDE78BA2D20}" dt="2023-12-18T03:16:48.880" v="1"/>
+          <ac:cxnSpMkLst>
+            <pc:docMk/>
+            <pc:sldMk cId="705045716" sldId="256"/>
+            <ac:cxnSpMk id="39" creationId="{D6335D9A-1507-8CD8-B322-2A766BDA369D}"/>
+          </ac:cxnSpMkLst>
+        </pc:cxnChg>
+        <pc:cxnChg chg="mod">
+          <ac:chgData name="Bo Tang" userId="332dbdf67b1791cd" providerId="LiveId" clId="{43B9D06B-BAC4-47D9-AC6D-1EDE78BA2D20}" dt="2023-12-18T03:16:48.880" v="1"/>
+          <ac:cxnSpMkLst>
+            <pc:docMk/>
+            <pc:sldMk cId="705045716" sldId="256"/>
+            <ac:cxnSpMk id="45" creationId="{E24EF42D-EFD6-F724-328E-48566CC6CA88}"/>
+          </ac:cxnSpMkLst>
+        </pc:cxnChg>
+        <pc:cxnChg chg="mod">
+          <ac:chgData name="Bo Tang" userId="332dbdf67b1791cd" providerId="LiveId" clId="{43B9D06B-BAC4-47D9-AC6D-1EDE78BA2D20}" dt="2023-12-18T03:16:48.880" v="1"/>
+          <ac:cxnSpMkLst>
+            <pc:docMk/>
+            <pc:sldMk cId="705045716" sldId="256"/>
+            <ac:cxnSpMk id="46" creationId="{941A49EF-587A-EA4A-C5CA-0B3E4289B01E}"/>
+          </ac:cxnSpMkLst>
+        </pc:cxnChg>
+        <pc:cxnChg chg="mod">
+          <ac:chgData name="Bo Tang" userId="332dbdf67b1791cd" providerId="LiveId" clId="{43B9D06B-BAC4-47D9-AC6D-1EDE78BA2D20}" dt="2023-12-18T03:16:48.880" v="1"/>
+          <ac:cxnSpMkLst>
+            <pc:docMk/>
+            <pc:sldMk cId="705045716" sldId="256"/>
+            <ac:cxnSpMk id="49" creationId="{A0CF99B9-2517-3BE2-9F7F-35F25454EA7B}"/>
+          </ac:cxnSpMkLst>
+        </pc:cxnChg>
+        <pc:cxnChg chg="mod">
+          <ac:chgData name="Bo Tang" userId="332dbdf67b1791cd" providerId="LiveId" clId="{43B9D06B-BAC4-47D9-AC6D-1EDE78BA2D20}" dt="2023-12-18T03:16:48.880" v="1"/>
+          <ac:cxnSpMkLst>
+            <pc:docMk/>
+            <pc:sldMk cId="705045716" sldId="256"/>
+            <ac:cxnSpMk id="52" creationId="{F7A25D6E-9585-1E3F-67FE-D7AE9C80FE51}"/>
+          </ac:cxnSpMkLst>
+        </pc:cxnChg>
+        <pc:cxnChg chg="mod">
+          <ac:chgData name="Bo Tang" userId="332dbdf67b1791cd" providerId="LiveId" clId="{43B9D06B-BAC4-47D9-AC6D-1EDE78BA2D20}" dt="2023-12-18T03:16:48.880" v="1"/>
+          <ac:cxnSpMkLst>
+            <pc:docMk/>
+            <pc:sldMk cId="705045716" sldId="256"/>
+            <ac:cxnSpMk id="59" creationId="{52987DA7-29F5-5C16-E2D6-C228F363ECB2}"/>
+          </ac:cxnSpMkLst>
+        </pc:cxnChg>
+        <pc:cxnChg chg="mod">
+          <ac:chgData name="Bo Tang" userId="332dbdf67b1791cd" providerId="LiveId" clId="{43B9D06B-BAC4-47D9-AC6D-1EDE78BA2D20}" dt="2023-12-18T03:16:48.880" v="1"/>
+          <ac:cxnSpMkLst>
+            <pc:docMk/>
+            <pc:sldMk cId="705045716" sldId="256"/>
+            <ac:cxnSpMk id="62" creationId="{D38F90A1-A123-53E1-6F09-5775C7D5E022}"/>
+          </ac:cxnSpMkLst>
+        </pc:cxnChg>
+        <pc:cxnChg chg="mod">
+          <ac:chgData name="Bo Tang" userId="332dbdf67b1791cd" providerId="LiveId" clId="{43B9D06B-BAC4-47D9-AC6D-1EDE78BA2D20}" dt="2023-12-18T03:16:48.880" v="1"/>
+          <ac:cxnSpMkLst>
+            <pc:docMk/>
+            <pc:sldMk cId="705045716" sldId="256"/>
+            <ac:cxnSpMk id="63" creationId="{4DCED4F5-D262-B086-C371-C226BEE2F4A7}"/>
+          </ac:cxnSpMkLst>
+        </pc:cxnChg>
+        <pc:cxnChg chg="mod">
+          <ac:chgData name="Bo Tang" userId="332dbdf67b1791cd" providerId="LiveId" clId="{43B9D06B-BAC4-47D9-AC6D-1EDE78BA2D20}" dt="2023-12-18T03:16:48.880" v="1"/>
+          <ac:cxnSpMkLst>
+            <pc:docMk/>
+            <pc:sldMk cId="705045716" sldId="256"/>
+            <ac:cxnSpMk id="133" creationId="{04619840-23AF-52D9-F876-406584E64FA6}"/>
+          </ac:cxnSpMkLst>
+        </pc:cxnChg>
+        <pc:cxnChg chg="mod">
+          <ac:chgData name="Bo Tang" userId="332dbdf67b1791cd" providerId="LiveId" clId="{43B9D06B-BAC4-47D9-AC6D-1EDE78BA2D20}" dt="2023-12-18T03:16:48.880" v="1"/>
+          <ac:cxnSpMkLst>
+            <pc:docMk/>
+            <pc:sldMk cId="705045716" sldId="256"/>
+            <ac:cxnSpMk id="134" creationId="{3157D09A-F29D-BB4A-57FE-1A560DCD42D3}"/>
+          </ac:cxnSpMkLst>
+        </pc:cxnChg>
+        <pc:cxnChg chg="mod">
+          <ac:chgData name="Bo Tang" userId="332dbdf67b1791cd" providerId="LiveId" clId="{43B9D06B-BAC4-47D9-AC6D-1EDE78BA2D20}" dt="2023-12-18T03:16:48.880" v="1"/>
+          <ac:cxnSpMkLst>
+            <pc:docMk/>
+            <pc:sldMk cId="705045716" sldId="256"/>
+            <ac:cxnSpMk id="136" creationId="{F60849A9-66C3-F743-8B39-4B557EF4B45C}"/>
+          </ac:cxnSpMkLst>
+        </pc:cxnChg>
+        <pc:cxnChg chg="mod">
+          <ac:chgData name="Bo Tang" userId="332dbdf67b1791cd" providerId="LiveId" clId="{43B9D06B-BAC4-47D9-AC6D-1EDE78BA2D20}" dt="2023-12-18T03:16:48.880" v="1"/>
+          <ac:cxnSpMkLst>
+            <pc:docMk/>
+            <pc:sldMk cId="705045716" sldId="256"/>
+            <ac:cxnSpMk id="138" creationId="{682EA2F7-ADED-3714-7981-500CB7535562}"/>
+          </ac:cxnSpMkLst>
+        </pc:cxnChg>
+        <pc:cxnChg chg="mod">
+          <ac:chgData name="Bo Tang" userId="332dbdf67b1791cd" providerId="LiveId" clId="{43B9D06B-BAC4-47D9-AC6D-1EDE78BA2D20}" dt="2023-12-18T03:16:47.776" v="0" actId="478"/>
+          <ac:cxnSpMkLst>
+            <pc:docMk/>
+            <pc:sldMk cId="705045716" sldId="256"/>
+            <ac:cxnSpMk id="162" creationId="{771F0AED-19E5-B64A-E331-67C08F82A192}"/>
+          </ac:cxnSpMkLst>
+        </pc:cxnChg>
+        <pc:cxnChg chg="mod">
+          <ac:chgData name="Bo Tang" userId="332dbdf67b1791cd" providerId="LiveId" clId="{43B9D06B-BAC4-47D9-AC6D-1EDE78BA2D20}" dt="2023-12-18T03:16:47.776" v="0" actId="478"/>
+          <ac:cxnSpMkLst>
+            <pc:docMk/>
+            <pc:sldMk cId="705045716" sldId="256"/>
+            <ac:cxnSpMk id="165" creationId="{62856C23-C35E-B067-9D2E-A94A71C09A7F}"/>
+          </ac:cxnSpMkLst>
+        </pc:cxnChg>
+        <pc:cxnChg chg="mod">
+          <ac:chgData name="Bo Tang" userId="332dbdf67b1791cd" providerId="LiveId" clId="{43B9D06B-BAC4-47D9-AC6D-1EDE78BA2D20}" dt="2023-12-18T03:16:47.776" v="0" actId="478"/>
+          <ac:cxnSpMkLst>
+            <pc:docMk/>
+            <pc:sldMk cId="705045716" sldId="256"/>
+            <ac:cxnSpMk id="166" creationId="{B8EACFAA-35AB-A44B-2A04-5FC27D142CC0}"/>
+          </ac:cxnSpMkLst>
+        </pc:cxnChg>
+        <pc:cxnChg chg="mod">
+          <ac:chgData name="Bo Tang" userId="332dbdf67b1791cd" providerId="LiveId" clId="{43B9D06B-BAC4-47D9-AC6D-1EDE78BA2D20}" dt="2023-12-18T03:16:47.776" v="0" actId="478"/>
+          <ac:cxnSpMkLst>
+            <pc:docMk/>
+            <pc:sldMk cId="705045716" sldId="256"/>
+            <ac:cxnSpMk id="173" creationId="{7CC3B972-BED1-2922-A30F-D6CBC409D1E3}"/>
+          </ac:cxnSpMkLst>
+        </pc:cxnChg>
+        <pc:cxnChg chg="mod">
+          <ac:chgData name="Bo Tang" userId="332dbdf67b1791cd" providerId="LiveId" clId="{43B9D06B-BAC4-47D9-AC6D-1EDE78BA2D20}" dt="2023-12-18T03:16:47.776" v="0" actId="478"/>
+          <ac:cxnSpMkLst>
+            <pc:docMk/>
+            <pc:sldMk cId="705045716" sldId="256"/>
+            <ac:cxnSpMk id="174" creationId="{5C9D1B73-F9F6-1173-A08A-78840CD688B0}"/>
+          </ac:cxnSpMkLst>
+        </pc:cxnChg>
+        <pc:cxnChg chg="mod">
+          <ac:chgData name="Bo Tang" userId="332dbdf67b1791cd" providerId="LiveId" clId="{43B9D06B-BAC4-47D9-AC6D-1EDE78BA2D20}" dt="2023-12-18T03:16:47.776" v="0" actId="478"/>
+          <ac:cxnSpMkLst>
+            <pc:docMk/>
+            <pc:sldMk cId="705045716" sldId="256"/>
+            <ac:cxnSpMk id="178" creationId="{F4B823AA-988C-4409-88C6-85C50827C994}"/>
+          </ac:cxnSpMkLst>
+        </pc:cxnChg>
+        <pc:cxnChg chg="mod">
+          <ac:chgData name="Bo Tang" userId="332dbdf67b1791cd" providerId="LiveId" clId="{43B9D06B-BAC4-47D9-AC6D-1EDE78BA2D20}" dt="2023-12-18T03:16:47.776" v="0" actId="478"/>
+          <ac:cxnSpMkLst>
+            <pc:docMk/>
+            <pc:sldMk cId="705045716" sldId="256"/>
+            <ac:cxnSpMk id="185" creationId="{0BAC5561-937A-BAFB-52B8-A065EB8609FF}"/>
+          </ac:cxnSpMkLst>
+        </pc:cxnChg>
+        <pc:cxnChg chg="mod">
+          <ac:chgData name="Bo Tang" userId="332dbdf67b1791cd" providerId="LiveId" clId="{43B9D06B-BAC4-47D9-AC6D-1EDE78BA2D20}" dt="2023-12-18T03:16:47.776" v="0" actId="478"/>
+          <ac:cxnSpMkLst>
+            <pc:docMk/>
+            <pc:sldMk cId="705045716" sldId="256"/>
+            <ac:cxnSpMk id="188" creationId="{9D8E2952-6539-58D5-0A3E-E48E7EA884EC}"/>
+          </ac:cxnSpMkLst>
+        </pc:cxnChg>
+        <pc:cxnChg chg="mod">
+          <ac:chgData name="Bo Tang" userId="332dbdf67b1791cd" providerId="LiveId" clId="{43B9D06B-BAC4-47D9-AC6D-1EDE78BA2D20}" dt="2023-12-18T03:16:47.776" v="0" actId="478"/>
+          <ac:cxnSpMkLst>
+            <pc:docMk/>
+            <pc:sldMk cId="705045716" sldId="256"/>
+            <ac:cxnSpMk id="189" creationId="{6AA6F5F5-1680-E5FB-7E5E-9EA72FB13C3B}"/>
+          </ac:cxnSpMkLst>
+        </pc:cxnChg>
+        <pc:cxnChg chg="mod">
+          <ac:chgData name="Bo Tang" userId="332dbdf67b1791cd" providerId="LiveId" clId="{43B9D06B-BAC4-47D9-AC6D-1EDE78BA2D20}" dt="2023-12-18T03:16:47.776" v="0" actId="478"/>
+          <ac:cxnSpMkLst>
+            <pc:docMk/>
+            <pc:sldMk cId="705045716" sldId="256"/>
+            <ac:cxnSpMk id="195" creationId="{F11E1B55-AF57-4FC9-770E-3316E0B9BE61}"/>
+          </ac:cxnSpMkLst>
+        </pc:cxnChg>
+        <pc:cxnChg chg="mod">
+          <ac:chgData name="Bo Tang" userId="332dbdf67b1791cd" providerId="LiveId" clId="{43B9D06B-BAC4-47D9-AC6D-1EDE78BA2D20}" dt="2023-12-18T03:16:47.776" v="0" actId="478"/>
+          <ac:cxnSpMkLst>
+            <pc:docMk/>
+            <pc:sldMk cId="705045716" sldId="256"/>
+            <ac:cxnSpMk id="196" creationId="{9ED81EA2-9FAD-3124-9A7F-65B7B46818B9}"/>
+          </ac:cxnSpMkLst>
+        </pc:cxnChg>
+        <pc:cxnChg chg="mod">
+          <ac:chgData name="Bo Tang" userId="332dbdf67b1791cd" providerId="LiveId" clId="{43B9D06B-BAC4-47D9-AC6D-1EDE78BA2D20}" dt="2023-12-18T03:16:47.776" v="0" actId="478"/>
+          <ac:cxnSpMkLst>
+            <pc:docMk/>
+            <pc:sldMk cId="705045716" sldId="256"/>
+            <ac:cxnSpMk id="202" creationId="{160D5617-312C-0213-7FD0-897708AE429B}"/>
+          </ac:cxnSpMkLst>
+        </pc:cxnChg>
+        <pc:cxnChg chg="mod">
+          <ac:chgData name="Bo Tang" userId="332dbdf67b1791cd" providerId="LiveId" clId="{43B9D06B-BAC4-47D9-AC6D-1EDE78BA2D20}" dt="2023-12-18T03:16:47.776" v="0" actId="478"/>
+          <ac:cxnSpMkLst>
+            <pc:docMk/>
+            <pc:sldMk cId="705045716" sldId="256"/>
+            <ac:cxnSpMk id="212" creationId="{52FB6C71-8F52-B76B-4236-5A32AAF79786}"/>
+          </ac:cxnSpMkLst>
+        </pc:cxnChg>
+        <pc:cxnChg chg="mod">
+          <ac:chgData name="Bo Tang" userId="332dbdf67b1791cd" providerId="LiveId" clId="{43B9D06B-BAC4-47D9-AC6D-1EDE78BA2D20}" dt="2023-12-18T03:16:47.776" v="0" actId="478"/>
+          <ac:cxnSpMkLst>
+            <pc:docMk/>
+            <pc:sldMk cId="705045716" sldId="256"/>
+            <ac:cxnSpMk id="213" creationId="{03FA7DC6-BB61-65CB-6610-FD6D896CFD10}"/>
+          </ac:cxnSpMkLst>
+        </pc:cxnChg>
+        <pc:cxnChg chg="mod">
+          <ac:chgData name="Bo Tang" userId="332dbdf67b1791cd" providerId="LiveId" clId="{43B9D06B-BAC4-47D9-AC6D-1EDE78BA2D20}" dt="2023-12-18T03:16:47.776" v="0" actId="478"/>
+          <ac:cxnSpMkLst>
+            <pc:docMk/>
+            <pc:sldMk cId="705045716" sldId="256"/>
+            <ac:cxnSpMk id="219" creationId="{CF742914-F545-AB90-BC0E-1A505E842B57}"/>
+          </ac:cxnSpMkLst>
+        </pc:cxnChg>
+        <pc:cxnChg chg="mod">
+          <ac:chgData name="Bo Tang" userId="332dbdf67b1791cd" providerId="LiveId" clId="{43B9D06B-BAC4-47D9-AC6D-1EDE78BA2D20}" dt="2023-12-18T03:16:47.776" v="0" actId="478"/>
+          <ac:cxnSpMkLst>
+            <pc:docMk/>
+            <pc:sldMk cId="705045716" sldId="256"/>
+            <ac:cxnSpMk id="220" creationId="{E3A492F2-B560-3D61-6C93-5413C4EBA926}"/>
+          </ac:cxnSpMkLst>
+        </pc:cxnChg>
+        <pc:cxnChg chg="mod">
+          <ac:chgData name="Bo Tang" userId="332dbdf67b1791cd" providerId="LiveId" clId="{43B9D06B-BAC4-47D9-AC6D-1EDE78BA2D20}" dt="2023-12-18T03:16:47.776" v="0" actId="478"/>
+          <ac:cxnSpMkLst>
+            <pc:docMk/>
+            <pc:sldMk cId="705045716" sldId="256"/>
+            <ac:cxnSpMk id="224" creationId="{A2EF4754-3E7B-26B6-8678-90EC4E6948E5}"/>
+          </ac:cxnSpMkLst>
+        </pc:cxnChg>
+      </pc:sldChg>
+    </pc:docChg>
+  </pc:docChgLst>
+</pc:chgInfo>
+</file>
+
 <file path=ppt/slideLayouts/slideLayout1.xml><?xml version="1.0" encoding="utf-8"?>
 <p:sldLayout xmlns:a="http://schemas.openxmlformats.org/drawingml/2006/main" xmlns:r="http://schemas.openxmlformats.org/officeDocument/2006/relationships" xmlns:p="http://schemas.openxmlformats.org/presentationml/2006/main" type="title" preserve="1">
   <p:cSld name="Title Slide">
@@ -243,7 +1000,7 @@
           <a:p>
             <a:fld id="{0B04F3FB-EDA5-4822-9BA5-D8877646BC90}" type="datetimeFigureOut">
               <a:rPr lang="en-US" smtClean="0"/>
-              <a:t>12/14/2023</a:t>
+              <a:t>12/17/2023</a:t>
             </a:fld>
             <a:endParaRPr lang="en-US"/>
           </a:p>
@@ -413,7 +1170,7 @@
           <a:p>
             <a:fld id="{0B04F3FB-EDA5-4822-9BA5-D8877646BC90}" type="datetimeFigureOut">
               <a:rPr lang="en-US" smtClean="0"/>
-              <a:t>12/14/2023</a:t>
+              <a:t>12/17/2023</a:t>
             </a:fld>
             <a:endParaRPr lang="en-US"/>
           </a:p>
@@ -593,7 +1350,7 @@
           <a:p>
             <a:fld id="{0B04F3FB-EDA5-4822-9BA5-D8877646BC90}" type="datetimeFigureOut">
               <a:rPr lang="en-US" smtClean="0"/>
-              <a:t>12/14/2023</a:t>
+              <a:t>12/17/2023</a:t>
             </a:fld>
             <a:endParaRPr lang="en-US"/>
           </a:p>
@@ -763,7 +1520,7 @@
           <a:p>
             <a:fld id="{0B04F3FB-EDA5-4822-9BA5-D8877646BC90}" type="datetimeFigureOut">
               <a:rPr lang="en-US" smtClean="0"/>
-              <a:t>12/14/2023</a:t>
+              <a:t>12/17/2023</a:t>
             </a:fld>
             <a:endParaRPr lang="en-US"/>
           </a:p>
@@ -1009,7 +1766,7 @@
           <a:p>
             <a:fld id="{0B04F3FB-EDA5-4822-9BA5-D8877646BC90}" type="datetimeFigureOut">
               <a:rPr lang="en-US" smtClean="0"/>
-              <a:t>12/14/2023</a:t>
+              <a:t>12/17/2023</a:t>
             </a:fld>
             <a:endParaRPr lang="en-US"/>
           </a:p>
@@ -1241,7 +1998,7 @@
           <a:p>
             <a:fld id="{0B04F3FB-EDA5-4822-9BA5-D8877646BC90}" type="datetimeFigureOut">
               <a:rPr lang="en-US" smtClean="0"/>
-              <a:t>12/14/2023</a:t>
+              <a:t>12/17/2023</a:t>
             </a:fld>
             <a:endParaRPr lang="en-US"/>
           </a:p>
@@ -1608,7 +2365,7 @@
           <a:p>
             <a:fld id="{0B04F3FB-EDA5-4822-9BA5-D8877646BC90}" type="datetimeFigureOut">
               <a:rPr lang="en-US" smtClean="0"/>
-              <a:t>12/14/2023</a:t>
+              <a:t>12/17/2023</a:t>
             </a:fld>
             <a:endParaRPr lang="en-US"/>
           </a:p>
@@ -1726,7 +2483,7 @@
           <a:p>
             <a:fld id="{0B04F3FB-EDA5-4822-9BA5-D8877646BC90}" type="datetimeFigureOut">
               <a:rPr lang="en-US" smtClean="0"/>
-              <a:t>12/14/2023</a:t>
+              <a:t>12/17/2023</a:t>
             </a:fld>
             <a:endParaRPr lang="en-US"/>
           </a:p>
@@ -1821,7 +2578,7 @@
           <a:p>
             <a:fld id="{0B04F3FB-EDA5-4822-9BA5-D8877646BC90}" type="datetimeFigureOut">
               <a:rPr lang="en-US" smtClean="0"/>
-              <a:t>12/14/2023</a:t>
+              <a:t>12/17/2023</a:t>
             </a:fld>
             <a:endParaRPr lang="en-US"/>
           </a:p>
@@ -2098,7 +2855,7 @@
           <a:p>
             <a:fld id="{0B04F3FB-EDA5-4822-9BA5-D8877646BC90}" type="datetimeFigureOut">
               <a:rPr lang="en-US" smtClean="0"/>
-              <a:t>12/14/2023</a:t>
+              <a:t>12/17/2023</a:t>
             </a:fld>
             <a:endParaRPr lang="en-US"/>
           </a:p>
@@ -2355,7 +3112,7 @@
           <a:p>
             <a:fld id="{0B04F3FB-EDA5-4822-9BA5-D8877646BC90}" type="datetimeFigureOut">
               <a:rPr lang="en-US" smtClean="0"/>
-              <a:t>12/14/2023</a:t>
+              <a:t>12/17/2023</a:t>
             </a:fld>
             <a:endParaRPr lang="en-US"/>
           </a:p>
@@ -2568,7 +3325,7 @@
           <a:p>
             <a:fld id="{0B04F3FB-EDA5-4822-9BA5-D8877646BC90}" type="datetimeFigureOut">
               <a:rPr lang="en-US" smtClean="0"/>
-              <a:t>12/14/2023</a:t>
+              <a:t>12/17/2023</a:t>
             </a:fld>
             <a:endParaRPr lang="en-US"/>
           </a:p>
@@ -2975,10 +3732,10 @@
       </p:grpSpPr>
       <p:grpSp>
         <p:nvGrpSpPr>
-          <p:cNvPr id="152" name="Group 151">
+          <p:cNvPr id="2" name="Group 1">
             <a:extLst>
               <a:ext uri="{FF2B5EF4-FFF2-40B4-BE49-F238E27FC236}">
-                <a16:creationId xmlns:a16="http://schemas.microsoft.com/office/drawing/2014/main" id="{FBD97AD3-9D34-BFCB-B64A-1579DC943178}"/>
+                <a16:creationId xmlns:a16="http://schemas.microsoft.com/office/drawing/2014/main" id="{EDAD3C9D-BD59-CC04-5752-4A6E13F05959}"/>
               </a:ext>
             </a:extLst>
           </p:cNvPr>
@@ -2987,7 +3744,7 @@
         </p:nvGrpSpPr>
         <p:grpSpPr>
           <a:xfrm>
-            <a:off x="97291" y="1"/>
+            <a:off x="97290" y="0"/>
             <a:ext cx="7669893" cy="2373937"/>
             <a:chOff x="369760" y="190376"/>
             <a:chExt cx="7669893" cy="2373937"/>
@@ -2995,10 +3752,10 @@
         </p:grpSpPr>
         <p:grpSp>
           <p:nvGrpSpPr>
-            <p:cNvPr id="153" name="Group 152">
+            <p:cNvPr id="3" name="Group 2">
               <a:extLst>
                 <a:ext uri="{FF2B5EF4-FFF2-40B4-BE49-F238E27FC236}">
-                  <a16:creationId xmlns:a16="http://schemas.microsoft.com/office/drawing/2014/main" id="{9278532D-4ABA-95F3-6E43-5BF70CEDB6BD}"/>
+                  <a16:creationId xmlns:a16="http://schemas.microsoft.com/office/drawing/2014/main" id="{D6CD25EC-F284-466F-AE61-F3550718350D}"/>
                 </a:ext>
               </a:extLst>
             </p:cNvPr>
@@ -3008,17 +3765,17 @@
           <p:grpSpPr>
             <a:xfrm>
               <a:off x="369760" y="190377"/>
-              <a:ext cx="2091256" cy="2364937"/>
+              <a:ext cx="2109001" cy="2364937"/>
               <a:chOff x="3040351" y="3103168"/>
-              <a:chExt cx="2091256" cy="2364937"/>
+              <a:chExt cx="2109001" cy="2364937"/>
             </a:xfrm>
           </p:grpSpPr>
           <p:grpSp>
             <p:nvGrpSpPr>
-              <p:cNvPr id="203" name="Group 202">
+              <p:cNvPr id="53" name="Group 52">
                 <a:extLst>
                   <a:ext uri="{FF2B5EF4-FFF2-40B4-BE49-F238E27FC236}">
-                    <a16:creationId xmlns:a16="http://schemas.microsoft.com/office/drawing/2014/main" id="{296A0EBC-740A-622C-ACBB-1C97B9FD8138}"/>
+                    <a16:creationId xmlns:a16="http://schemas.microsoft.com/office/drawing/2014/main" id="{C3071335-231F-0772-AA50-368BE7038F2B}"/>
                   </a:ext>
                 </a:extLst>
               </p:cNvPr>
@@ -3035,10 +3792,10 @@
             </p:grpSpPr>
             <p:sp>
               <p:nvSpPr>
-                <p:cNvPr id="216" name="Right Triangle 215">
+                <p:cNvPr id="130" name="Right Triangle 129">
                   <a:extLst>
                     <a:ext uri="{FF2B5EF4-FFF2-40B4-BE49-F238E27FC236}">
-                      <a16:creationId xmlns:a16="http://schemas.microsoft.com/office/drawing/2014/main" id="{81A600B3-68B2-ABA9-A25A-BFD656D64216}"/>
+                      <a16:creationId xmlns:a16="http://schemas.microsoft.com/office/drawing/2014/main" id="{097E8164-5B29-2D08-00E5-ACA263C30830}"/>
                     </a:ext>
                   </a:extLst>
                 </p:cNvPr>
@@ -3095,10 +3852,10 @@
             </p:sp>
             <p:sp>
               <p:nvSpPr>
-                <p:cNvPr id="217" name="Right Triangle 216">
+                <p:cNvPr id="131" name="Right Triangle 130">
                   <a:extLst>
                     <a:ext uri="{FF2B5EF4-FFF2-40B4-BE49-F238E27FC236}">
-                      <a16:creationId xmlns:a16="http://schemas.microsoft.com/office/drawing/2014/main" id="{1C4EE392-F093-8471-27BF-85E735D3C952}"/>
+                      <a16:creationId xmlns:a16="http://schemas.microsoft.com/office/drawing/2014/main" id="{509E7198-8CAE-BCCA-95F9-CAC29C7405B9}"/>
                     </a:ext>
                   </a:extLst>
                 </p:cNvPr>
@@ -3150,10 +3907,10 @@
             </p:sp>
             <p:sp>
               <p:nvSpPr>
-                <p:cNvPr id="218" name="Rectangle 217">
+                <p:cNvPr id="132" name="Rectangle 131">
                   <a:extLst>
                     <a:ext uri="{FF2B5EF4-FFF2-40B4-BE49-F238E27FC236}">
-                      <a16:creationId xmlns:a16="http://schemas.microsoft.com/office/drawing/2014/main" id="{3222699C-24FD-0656-ADD3-B120175ADCC5}"/>
+                      <a16:creationId xmlns:a16="http://schemas.microsoft.com/office/drawing/2014/main" id="{D30C79EE-213E-4B47-B442-238BCCCD3DC7}"/>
                     </a:ext>
                   </a:extLst>
                 </p:cNvPr>
@@ -3205,16 +3962,16 @@
             </p:sp>
             <p:cxnSp>
               <p:nvCxnSpPr>
-                <p:cNvPr id="219" name="Straight Connector 218">
+                <p:cNvPr id="133" name="Straight Connector 132">
                   <a:extLst>
                     <a:ext uri="{FF2B5EF4-FFF2-40B4-BE49-F238E27FC236}">
-                      <a16:creationId xmlns:a16="http://schemas.microsoft.com/office/drawing/2014/main" id="{CF742914-F545-AB90-BC0E-1A505E842B57}"/>
+                      <a16:creationId xmlns:a16="http://schemas.microsoft.com/office/drawing/2014/main" id="{04619840-23AF-52D9-F876-406584E64FA6}"/>
                     </a:ext>
                   </a:extLst>
                 </p:cNvPr>
                 <p:cNvCxnSpPr>
                   <a:cxnSpLocks/>
-                  <a:endCxn id="216" idx="4"/>
+                  <a:endCxn id="130" idx="4"/>
                 </p:cNvCxnSpPr>
                 <p:nvPr/>
               </p:nvCxnSpPr>
@@ -3251,17 +4008,17 @@
             </p:cxnSp>
             <p:cxnSp>
               <p:nvCxnSpPr>
-                <p:cNvPr id="220" name="Straight Connector 219">
+                <p:cNvPr id="134" name="Straight Connector 133">
                   <a:extLst>
                     <a:ext uri="{FF2B5EF4-FFF2-40B4-BE49-F238E27FC236}">
-                      <a16:creationId xmlns:a16="http://schemas.microsoft.com/office/drawing/2014/main" id="{E3A492F2-B560-3D61-6C93-5413C4EBA926}"/>
+                      <a16:creationId xmlns:a16="http://schemas.microsoft.com/office/drawing/2014/main" id="{3157D09A-F29D-BB4A-57FE-1A560DCD42D3}"/>
                     </a:ext>
                   </a:extLst>
                 </p:cNvPr>
                 <p:cNvCxnSpPr>
                   <a:cxnSpLocks/>
-                  <a:stCxn id="216" idx="0"/>
-                  <a:endCxn id="216" idx="2"/>
+                  <a:stCxn id="130" idx="0"/>
+                  <a:endCxn id="130" idx="2"/>
                 </p:cNvCxnSpPr>
                 <p:nvPr/>
               </p:nvCxnSpPr>
@@ -3298,10 +4055,10 @@
             </p:cxnSp>
             <p:sp>
               <p:nvSpPr>
-                <p:cNvPr id="221" name="L-Shape 220">
+                <p:cNvPr id="135" name="L-Shape 134">
                   <a:extLst>
                     <a:ext uri="{FF2B5EF4-FFF2-40B4-BE49-F238E27FC236}">
-                      <a16:creationId xmlns:a16="http://schemas.microsoft.com/office/drawing/2014/main" id="{DA2DDD4C-28CE-E903-5B5D-917F179B0EC9}"/>
+                      <a16:creationId xmlns:a16="http://schemas.microsoft.com/office/drawing/2014/main" id="{293A448D-87F5-1D27-DCA6-78513353A266}"/>
                     </a:ext>
                   </a:extLst>
                 </p:cNvPr>
@@ -3357,10 +4114,10 @@
             </p:sp>
             <p:cxnSp>
               <p:nvCxnSpPr>
-                <p:cNvPr id="222" name="Straight Arrow Connector 221">
+                <p:cNvPr id="136" name="Straight Arrow Connector 135">
                   <a:extLst>
                     <a:ext uri="{FF2B5EF4-FFF2-40B4-BE49-F238E27FC236}">
-                      <a16:creationId xmlns:a16="http://schemas.microsoft.com/office/drawing/2014/main" id="{ADB7C946-C75E-A845-3EDB-349F052A790E}"/>
+                      <a16:creationId xmlns:a16="http://schemas.microsoft.com/office/drawing/2014/main" id="{F60849A9-66C3-F743-8B39-4B557EF4B45C}"/>
                     </a:ext>
                   </a:extLst>
                 </p:cNvPr>
@@ -3402,10 +4159,10 @@
             </p:cxnSp>
             <p:sp>
               <p:nvSpPr>
-                <p:cNvPr id="223" name="L-Shape 222">
+                <p:cNvPr id="137" name="L-Shape 136">
                   <a:extLst>
                     <a:ext uri="{FF2B5EF4-FFF2-40B4-BE49-F238E27FC236}">
-                      <a16:creationId xmlns:a16="http://schemas.microsoft.com/office/drawing/2014/main" id="{0564EE18-49A1-D566-6650-946E209A7290}"/>
+                      <a16:creationId xmlns:a16="http://schemas.microsoft.com/office/drawing/2014/main" id="{8DDFFEF9-02F7-51F5-F744-D5C3E3BBE486}"/>
                     </a:ext>
                   </a:extLst>
                 </p:cNvPr>
@@ -3461,16 +4218,16 @@
             </p:sp>
             <p:cxnSp>
               <p:nvCxnSpPr>
-                <p:cNvPr id="224" name="Straight Arrow Connector 223">
+                <p:cNvPr id="138" name="Straight Arrow Connector 137">
                   <a:extLst>
                     <a:ext uri="{FF2B5EF4-FFF2-40B4-BE49-F238E27FC236}">
-                      <a16:creationId xmlns:a16="http://schemas.microsoft.com/office/drawing/2014/main" id="{A2EF4754-3E7B-26B6-8678-90EC4E6948E5}"/>
+                      <a16:creationId xmlns:a16="http://schemas.microsoft.com/office/drawing/2014/main" id="{682EA2F7-ADED-3714-7981-500CB7535562}"/>
                     </a:ext>
                   </a:extLst>
                 </p:cNvPr>
                 <p:cNvCxnSpPr>
                   <a:cxnSpLocks/>
-                  <a:endCxn id="217" idx="0"/>
+                  <a:endCxn id="131" idx="0"/>
                 </p:cNvCxnSpPr>
                 <p:nvPr/>
               </p:nvCxnSpPr>
@@ -3508,10 +4265,10 @@
           </p:grpSp>
           <p:grpSp>
             <p:nvGrpSpPr>
-              <p:cNvPr id="204" name="Group 203">
+              <p:cNvPr id="54" name="Group 53">
                 <a:extLst>
                   <a:ext uri="{FF2B5EF4-FFF2-40B4-BE49-F238E27FC236}">
-                    <a16:creationId xmlns:a16="http://schemas.microsoft.com/office/drawing/2014/main" id="{FE94D59F-909E-55C5-A2EC-E5D29DB2FA8B}"/>
+                    <a16:creationId xmlns:a16="http://schemas.microsoft.com/office/drawing/2014/main" id="{33586044-F86C-0EDD-1E74-B7F7DC644901}"/>
                   </a:ext>
                 </a:extLst>
               </p:cNvPr>
@@ -3520,18 +4277,18 @@
             </p:nvGrpSpPr>
             <p:grpSpPr>
               <a:xfrm>
-                <a:off x="3203041" y="3103168"/>
-                <a:ext cx="1912122" cy="1268498"/>
-                <a:chOff x="3203041" y="3103168"/>
-                <a:chExt cx="1912122" cy="1268498"/>
+                <a:off x="3222021" y="3103168"/>
+                <a:ext cx="1927331" cy="1268498"/>
+                <a:chOff x="3222021" y="3103168"/>
+                <a:chExt cx="1927331" cy="1268498"/>
               </a:xfrm>
             </p:grpSpPr>
             <p:grpSp>
               <p:nvGrpSpPr>
-                <p:cNvPr id="205" name="Group 204">
+                <p:cNvPr id="55" name="Group 54">
                   <a:extLst>
                     <a:ext uri="{FF2B5EF4-FFF2-40B4-BE49-F238E27FC236}">
-                      <a16:creationId xmlns:a16="http://schemas.microsoft.com/office/drawing/2014/main" id="{F5CC8995-B4D2-642E-EB3E-EE0A8D133C7F}"/>
+                      <a16:creationId xmlns:a16="http://schemas.microsoft.com/office/drawing/2014/main" id="{223C82F0-F762-D8AD-4E9C-00D3022ADAE5}"/>
                     </a:ext>
                   </a:extLst>
                 </p:cNvPr>
@@ -3548,10 +4305,10 @@
               </p:grpSpPr>
               <p:grpSp>
                 <p:nvGrpSpPr>
-                  <p:cNvPr id="207" name="Group 206">
+                  <p:cNvPr id="57" name="Group 56">
                     <a:extLst>
                       <a:ext uri="{FF2B5EF4-FFF2-40B4-BE49-F238E27FC236}">
-                        <a16:creationId xmlns:a16="http://schemas.microsoft.com/office/drawing/2014/main" id="{FC7AC2F5-04B3-26B1-041B-22603C00EB28}"/>
+                        <a16:creationId xmlns:a16="http://schemas.microsoft.com/office/drawing/2014/main" id="{64C3DFA0-5B16-193E-988C-A3AFBD4317D3}"/>
                       </a:ext>
                     </a:extLst>
                   </p:cNvPr>
@@ -3568,10 +4325,10 @@
                 </p:grpSpPr>
                 <p:sp>
                   <p:nvSpPr>
-                    <p:cNvPr id="211" name="Oval 210">
+                    <p:cNvPr id="61" name="Oval 60">
                       <a:extLst>
                         <a:ext uri="{FF2B5EF4-FFF2-40B4-BE49-F238E27FC236}">
-                          <a16:creationId xmlns:a16="http://schemas.microsoft.com/office/drawing/2014/main" id="{3462688A-B68F-21CF-DEEC-178A4D9A2452}"/>
+                          <a16:creationId xmlns:a16="http://schemas.microsoft.com/office/drawing/2014/main" id="{1D59B948-45E8-87BF-E1E4-0DAC44060CE7}"/>
                         </a:ext>
                       </a:extLst>
                     </p:cNvPr>
@@ -3622,16 +4379,16 @@
                 </p:sp>
                 <p:cxnSp>
                   <p:nvCxnSpPr>
-                    <p:cNvPr id="212" name="Straight Arrow Connector 211">
+                    <p:cNvPr id="62" name="Straight Arrow Connector 61">
                       <a:extLst>
                         <a:ext uri="{FF2B5EF4-FFF2-40B4-BE49-F238E27FC236}">
-                          <a16:creationId xmlns:a16="http://schemas.microsoft.com/office/drawing/2014/main" id="{52FB6C71-8F52-B76B-4236-5A32AAF79786}"/>
+                          <a16:creationId xmlns:a16="http://schemas.microsoft.com/office/drawing/2014/main" id="{D38F90A1-A123-53E1-6F09-5775C7D5E022}"/>
                         </a:ext>
                       </a:extLst>
                     </p:cNvPr>
                     <p:cNvCxnSpPr>
                       <a:cxnSpLocks/>
-                      <a:stCxn id="211" idx="1"/>
+                      <a:stCxn id="61" idx="1"/>
                     </p:cNvCxnSpPr>
                     <p:nvPr/>
                   </p:nvCxnSpPr>
@@ -3667,16 +4424,16 @@
                 </p:cxnSp>
                 <p:cxnSp>
                   <p:nvCxnSpPr>
-                    <p:cNvPr id="213" name="Straight Arrow Connector 212">
+                    <p:cNvPr id="63" name="Straight Arrow Connector 62">
                       <a:extLst>
                         <a:ext uri="{FF2B5EF4-FFF2-40B4-BE49-F238E27FC236}">
-                          <a16:creationId xmlns:a16="http://schemas.microsoft.com/office/drawing/2014/main" id="{03FA7DC6-BB61-65CB-6610-FD6D896CFD10}"/>
+                          <a16:creationId xmlns:a16="http://schemas.microsoft.com/office/drawing/2014/main" id="{4DCED4F5-D262-B086-C371-C226BEE2F4A7}"/>
                         </a:ext>
                       </a:extLst>
                     </p:cNvPr>
                     <p:cNvCxnSpPr>
                       <a:cxnSpLocks/>
-                      <a:stCxn id="211" idx="7"/>
+                      <a:stCxn id="61" idx="7"/>
                     </p:cNvCxnSpPr>
                     <p:nvPr/>
                   </p:nvCxnSpPr>
@@ -3714,10 +4471,10 @@
                   <mc:Choice Requires="a14">
                     <p:sp>
                       <p:nvSpPr>
-                        <p:cNvPr id="214" name="TextBox 213">
+                        <p:cNvPr id="128" name="TextBox 127">
                           <a:extLst>
                             <a:ext uri="{FF2B5EF4-FFF2-40B4-BE49-F238E27FC236}">
-                              <a16:creationId xmlns:a16="http://schemas.microsoft.com/office/drawing/2014/main" id="{65DA491F-22C6-ECDA-AE9B-0200109ADD7A}"/>
+                              <a16:creationId xmlns:a16="http://schemas.microsoft.com/office/drawing/2014/main" id="{561382E0-8FBE-E4B7-215A-34034086A25B}"/>
                             </a:ext>
                           </a:extLst>
                         </p:cNvPr>
@@ -3832,10 +4589,10 @@
                   <mc:Choice Requires="a14">
                     <p:sp>
                       <p:nvSpPr>
-                        <p:cNvPr id="215" name="TextBox 214">
+                        <p:cNvPr id="129" name="TextBox 128">
                           <a:extLst>
                             <a:ext uri="{FF2B5EF4-FFF2-40B4-BE49-F238E27FC236}">
-                              <a16:creationId xmlns:a16="http://schemas.microsoft.com/office/drawing/2014/main" id="{360644AE-4A81-ABA7-A300-891C9CAB0FFC}"/>
+                              <a16:creationId xmlns:a16="http://schemas.microsoft.com/office/drawing/2014/main" id="{1940C7E6-948C-27F9-111F-09E0360864C2}"/>
                             </a:ext>
                           </a:extLst>
                         </p:cNvPr>
@@ -3934,10 +4691,10 @@
               </p:grpSp>
               <p:sp>
                 <p:nvSpPr>
-                  <p:cNvPr id="208" name="Arc 207">
+                  <p:cNvPr id="58" name="Arc 57">
                     <a:extLst>
                       <a:ext uri="{FF2B5EF4-FFF2-40B4-BE49-F238E27FC236}">
-                        <a16:creationId xmlns:a16="http://schemas.microsoft.com/office/drawing/2014/main" id="{0F7526D2-7B91-8440-20CF-53087BAF57D2}"/>
+                        <a16:creationId xmlns:a16="http://schemas.microsoft.com/office/drawing/2014/main" id="{DFC3AB61-9423-17E6-F8B0-61CCA5115CB2}"/>
                       </a:ext>
                     </a:extLst>
                   </p:cNvPr>
@@ -3988,10 +4745,10 @@
               </p:sp>
               <p:cxnSp>
                 <p:nvCxnSpPr>
-                  <p:cNvPr id="209" name="Straight Connector 208">
+                  <p:cNvPr id="59" name="Straight Connector 58">
                     <a:extLst>
                       <a:ext uri="{FF2B5EF4-FFF2-40B4-BE49-F238E27FC236}">
-                        <a16:creationId xmlns:a16="http://schemas.microsoft.com/office/drawing/2014/main" id="{D12CBDE0-2A6F-A50B-423F-241BCBA9BF32}"/>
+                        <a16:creationId xmlns:a16="http://schemas.microsoft.com/office/drawing/2014/main" id="{52987DA7-29F5-5C16-E2D6-C228F363ECB2}"/>
                       </a:ext>
                     </a:extLst>
                   </p:cNvPr>
@@ -4037,10 +4794,10 @@
                 <mc:Choice Requires="a14">
                   <p:sp>
                     <p:nvSpPr>
-                      <p:cNvPr id="210" name="TextBox 209">
+                      <p:cNvPr id="60" name="TextBox 59">
                         <a:extLst>
                           <a:ext uri="{FF2B5EF4-FFF2-40B4-BE49-F238E27FC236}">
-                            <a16:creationId xmlns:a16="http://schemas.microsoft.com/office/drawing/2014/main" id="{9F28A49B-0429-7524-36B7-B9E144C78BFC}"/>
+                            <a16:creationId xmlns:a16="http://schemas.microsoft.com/office/drawing/2014/main" id="{B6047F01-C3D4-D276-D0F1-CE086F4CA4CA}"/>
                           </a:ext>
                         </a:extLst>
                       </p:cNvPr>
@@ -4142,14 +4899,14 @@
                 </mc:Fallback>
               </mc:AlternateContent>
             </p:grpSp>
-            <mc:AlternateContent xmlns:mc="http://schemas.openxmlformats.org/markup-compatibility/2006" xmlns:a14="http://schemas.microsoft.com/office/drawing/2010/main">
-              <mc:Choice Requires="a14">
+            <mc:AlternateContent xmlns:mc="http://schemas.openxmlformats.org/markup-compatibility/2006">
+              <mc:Choice xmlns:a14="http://schemas.microsoft.com/office/drawing/2010/main" Requires="a14">
                 <p:sp>
                   <p:nvSpPr>
-                    <p:cNvPr id="206" name="TextBox 205">
+                    <p:cNvPr id="56" name="TextBox 55">
                       <a:extLst>
                         <a:ext uri="{FF2B5EF4-FFF2-40B4-BE49-F238E27FC236}">
-                          <a16:creationId xmlns:a16="http://schemas.microsoft.com/office/drawing/2014/main" id="{EC742368-B727-687E-DD26-09C781833DBD}"/>
+                          <a16:creationId xmlns:a16="http://schemas.microsoft.com/office/drawing/2014/main" id="{3D5D58E4-A237-1203-90C4-D5F05AB3A352}"/>
                         </a:ext>
                       </a:extLst>
                     </p:cNvPr>
@@ -4158,8 +4915,8 @@
                   </p:nvSpPr>
                   <p:spPr>
                     <a:xfrm>
-                      <a:off x="3203041" y="3103168"/>
-                      <a:ext cx="1912122" cy="641651"/>
+                      <a:off x="3222021" y="3103168"/>
+                      <a:ext cx="1927331" cy="641651"/>
                     </a:xfrm>
                     <a:prstGeom prst="rect">
                       <a:avLst/>
@@ -4250,6 +5007,65 @@
                             <m:sSup>
                               <m:sSupPr>
                                 <m:ctrlPr>
+                                  <a:rPr lang="en-US" sz="1500" i="1" smtClean="0">
+                                    <a:solidFill>
+                                      <a:schemeClr val="tx2">
+                                        <a:lumMod val="50000"/>
+                                      </a:schemeClr>
+                                    </a:solidFill>
+                                    <a:latin typeface="Cambria Math" panose="02040503050406030204" pitchFamily="18" charset="0"/>
+                                  </a:rPr>
+                                </m:ctrlPr>
+                              </m:sSupPr>
+                              <m:e>
+                                <m:acc>
+                                  <m:accPr>
+                                    <m:chr m:val="̃"/>
+                                    <m:ctrlPr>
+                                      <a:rPr lang="en-US" sz="1500" b="1" i="1">
+                                        <a:solidFill>
+                                          <a:schemeClr val="tx2">
+                                            <a:lumMod val="50000"/>
+                                          </a:schemeClr>
+                                        </a:solidFill>
+                                        <a:latin typeface="Cambria Math" panose="02040503050406030204" pitchFamily="18" charset="0"/>
+                                        <a:ea typeface="Cambria Math" panose="02040503050406030204" pitchFamily="18" charset="0"/>
+                                      </a:rPr>
+                                    </m:ctrlPr>
+                                  </m:accPr>
+                                  <m:e>
+                                    <m:r>
+                                      <a:rPr lang="en-US" sz="1500" b="1" i="1">
+                                        <a:solidFill>
+                                          <a:schemeClr val="tx2">
+                                            <a:lumMod val="50000"/>
+                                          </a:schemeClr>
+                                        </a:solidFill>
+                                        <a:latin typeface="Cambria Math" panose="02040503050406030204" pitchFamily="18" charset="0"/>
+                                        <a:ea typeface="Cambria Math" panose="02040503050406030204" pitchFamily="18" charset="0"/>
+                                      </a:rPr>
+                                      <m:t>𝑨</m:t>
+                                    </m:r>
+                                  </m:e>
+                                </m:acc>
+                              </m:e>
+                              <m:sup>
+                                <m:r>
+                                  <a:rPr lang="en-US" sz="1500" i="1">
+                                    <a:solidFill>
+                                      <a:schemeClr val="tx2">
+                                        <a:lumMod val="50000"/>
+                                      </a:schemeClr>
+                                    </a:solidFill>
+                                    <a:latin typeface="Cambria Math" panose="02040503050406030204" pitchFamily="18" charset="0"/>
+                                  </a:rPr>
+                                  <m:t>⊺</m:t>
+                                </m:r>
+                              </m:sup>
+                            </m:sSup>
+                            <m:sSup>
+                              <m:sSupPr>
+                                <m:ctrlPr>
                                   <a:rPr lang="en-US" sz="1500" i="1">
                                     <a:solidFill>
                                       <a:schemeClr val="tx2">
@@ -4288,36 +5104,6 @@
                                 </m:r>
                               </m:sup>
                             </m:sSup>
-                            <m:acc>
-                              <m:accPr>
-                                <m:chr m:val="̃"/>
-                                <m:ctrlPr>
-                                  <a:rPr lang="en-US" sz="1500" b="1" i="1">
-                                    <a:solidFill>
-                                      <a:schemeClr val="tx2">
-                                        <a:lumMod val="50000"/>
-                                      </a:schemeClr>
-                                    </a:solidFill>
-                                    <a:latin typeface="Cambria Math" panose="02040503050406030204" pitchFamily="18" charset="0"/>
-                                    <a:ea typeface="Cambria Math" panose="02040503050406030204" pitchFamily="18" charset="0"/>
-                                  </a:rPr>
-                                </m:ctrlPr>
-                              </m:accPr>
-                              <m:e>
-                                <m:r>
-                                  <a:rPr lang="en-US" sz="1500" b="1" i="1">
-                                    <a:solidFill>
-                                      <a:schemeClr val="tx2">
-                                        <a:lumMod val="50000"/>
-                                      </a:schemeClr>
-                                    </a:solidFill>
-                                    <a:latin typeface="Cambria Math" panose="02040503050406030204" pitchFamily="18" charset="0"/>
-                                    <a:ea typeface="Cambria Math" panose="02040503050406030204" pitchFamily="18" charset="0"/>
-                                  </a:rPr>
-                                  <m:t>𝑨</m:t>
-                                </m:r>
-                              </m:e>
-                            </m:acc>
                           </m:oMath>
                         </m:oMathPara>
                       </a14:m>
@@ -4504,6 +5290,65 @@
                                         </m:ctrlPr>
                                       </m:dPr>
                                       <m:e>
+                                        <m:sSup>
+                                          <m:sSupPr>
+                                            <m:ctrlPr>
+                                              <a:rPr lang="en-US" sz="1500" i="1">
+                                                <a:solidFill>
+                                                  <a:schemeClr val="tx2">
+                                                    <a:lumMod val="50000"/>
+                                                  </a:schemeClr>
+                                                </a:solidFill>
+                                                <a:latin typeface="Cambria Math" panose="02040503050406030204" pitchFamily="18" charset="0"/>
+                                              </a:rPr>
+                                            </m:ctrlPr>
+                                          </m:sSupPr>
+                                          <m:e>
+                                            <m:acc>
+                                              <m:accPr>
+                                                <m:chr m:val="̃"/>
+                                                <m:ctrlPr>
+                                                  <a:rPr lang="en-US" sz="1500" b="1" i="1">
+                                                    <a:solidFill>
+                                                      <a:schemeClr val="tx2">
+                                                        <a:lumMod val="50000"/>
+                                                      </a:schemeClr>
+                                                    </a:solidFill>
+                                                    <a:latin typeface="Cambria Math" panose="02040503050406030204" pitchFamily="18" charset="0"/>
+                                                    <a:ea typeface="Cambria Math" panose="02040503050406030204" pitchFamily="18" charset="0"/>
+                                                  </a:rPr>
+                                                </m:ctrlPr>
+                                              </m:accPr>
+                                              <m:e>
+                                                <m:r>
+                                                  <a:rPr lang="en-US" sz="1500" b="1" i="1">
+                                                    <a:solidFill>
+                                                      <a:schemeClr val="tx2">
+                                                        <a:lumMod val="50000"/>
+                                                      </a:schemeClr>
+                                                    </a:solidFill>
+                                                    <a:latin typeface="Cambria Math" panose="02040503050406030204" pitchFamily="18" charset="0"/>
+                                                    <a:ea typeface="Cambria Math" panose="02040503050406030204" pitchFamily="18" charset="0"/>
+                                                  </a:rPr>
+                                                  <m:t>𝑨</m:t>
+                                                </m:r>
+                                              </m:e>
+                                            </m:acc>
+                                          </m:e>
+                                          <m:sup>
+                                            <m:r>
+                                              <a:rPr lang="en-US" sz="1500" i="1">
+                                                <a:solidFill>
+                                                  <a:schemeClr val="tx2">
+                                                    <a:lumMod val="50000"/>
+                                                  </a:schemeClr>
+                                                </a:solidFill>
+                                                <a:latin typeface="Cambria Math" panose="02040503050406030204" pitchFamily="18" charset="0"/>
+                                              </a:rPr>
+                                              <m:t>⊺</m:t>
+                                            </m:r>
+                                          </m:sup>
+                                        </m:sSup>
                                         <m:r>
                                           <a:rPr lang="en-US" sz="1500" b="1" i="1">
                                             <a:solidFill>
@@ -4516,36 +5361,6 @@
                                           </a:rPr>
                                           <m:t>𝝀</m:t>
                                         </m:r>
-                                        <m:acc>
-                                          <m:accPr>
-                                            <m:chr m:val="̃"/>
-                                            <m:ctrlPr>
-                                              <a:rPr lang="en-US" sz="1500" b="1" i="1">
-                                                <a:solidFill>
-                                                  <a:schemeClr val="tx2">
-                                                    <a:lumMod val="50000"/>
-                                                  </a:schemeClr>
-                                                </a:solidFill>
-                                                <a:latin typeface="Cambria Math" panose="02040503050406030204" pitchFamily="18" charset="0"/>
-                                                <a:ea typeface="Cambria Math" panose="02040503050406030204" pitchFamily="18" charset="0"/>
-                                              </a:rPr>
-                                            </m:ctrlPr>
-                                          </m:accPr>
-                                          <m:e>
-                                            <m:r>
-                                              <a:rPr lang="en-US" sz="1500" b="1" i="1">
-                                                <a:solidFill>
-                                                  <a:schemeClr val="tx2">
-                                                    <a:lumMod val="50000"/>
-                                                  </a:schemeClr>
-                                                </a:solidFill>
-                                                <a:latin typeface="Cambria Math" panose="02040503050406030204" pitchFamily="18" charset="0"/>
-                                                <a:ea typeface="Cambria Math" panose="02040503050406030204" pitchFamily="18" charset="0"/>
-                                              </a:rPr>
-                                              <m:t>𝑨</m:t>
-                                            </m:r>
-                                          </m:e>
-                                        </m:acc>
                                         <m:r>
                                           <a:rPr lang="en-US" sz="1500" i="1">
                                             <a:solidFill>
@@ -4618,13 +5433,13 @@
                   </p:txBody>
                 </p:sp>
               </mc:Choice>
-              <mc:Fallback xmlns="">
+              <mc:Fallback>
                 <p:sp>
                   <p:nvSpPr>
-                    <p:cNvPr id="294" name="TextBox 293">
+                    <p:cNvPr id="56" name="TextBox 55">
                       <a:extLst>
                         <a:ext uri="{FF2B5EF4-FFF2-40B4-BE49-F238E27FC236}">
-                          <a16:creationId xmlns:a16="http://schemas.microsoft.com/office/drawing/2014/main" id="{A0C78124-1519-6309-DFFC-6E08CE19D177}"/>
+                          <a16:creationId xmlns:a16="http://schemas.microsoft.com/office/drawing/2014/main" id="{3D5D58E4-A237-1203-90C4-D5F05AB3A352}"/>
                         </a:ext>
                       </a:extLst>
                     </p:cNvPr>
@@ -4635,8 +5450,8 @@
                   </p:nvSpPr>
                   <p:spPr>
                     <a:xfrm>
-                      <a:off x="3203041" y="3103168"/>
-                      <a:ext cx="1912122" cy="641651"/>
+                      <a:off x="3222021" y="3103168"/>
+                      <a:ext cx="1927331" cy="641651"/>
                     </a:xfrm>
                     <a:prstGeom prst="rect">
                       <a:avLst/>
@@ -4644,7 +5459,7 @@
                     <a:blipFill>
                       <a:blip r:embed="rId5"/>
                       <a:stretch>
-                        <a:fillRect l="-2229" t="-6667" r="-5096" b="-6667"/>
+                        <a:fillRect l="-3797" t="-5714" r="-6013" b="-6667"/>
                       </a:stretch>
                     </a:blipFill>
                   </p:spPr>
@@ -4667,10 +5482,10 @@
         </p:grpSp>
         <p:grpSp>
           <p:nvGrpSpPr>
-            <p:cNvPr id="154" name="Group 153">
+            <p:cNvPr id="4" name="Group 3">
               <a:extLst>
                 <a:ext uri="{FF2B5EF4-FFF2-40B4-BE49-F238E27FC236}">
-                  <a16:creationId xmlns:a16="http://schemas.microsoft.com/office/drawing/2014/main" id="{3AD69BC3-7DE5-5C84-2BA4-95B3AB8F6F30}"/>
+                  <a16:creationId xmlns:a16="http://schemas.microsoft.com/office/drawing/2014/main" id="{EDF37ABC-BB3B-AA23-E092-614F773B25ED}"/>
                 </a:ext>
               </a:extLst>
             </p:cNvPr>
@@ -4680,17 +5495,17 @@
           <p:grpSpPr>
             <a:xfrm>
               <a:off x="3153996" y="190376"/>
-              <a:ext cx="2201278" cy="2368140"/>
+              <a:ext cx="2274315" cy="2368140"/>
               <a:chOff x="5599049" y="3103167"/>
-              <a:chExt cx="2201278" cy="2368140"/>
+              <a:chExt cx="2274315" cy="2368140"/>
             </a:xfrm>
           </p:grpSpPr>
           <p:grpSp>
             <p:nvGrpSpPr>
-              <p:cNvPr id="179" name="Group 178">
+              <p:cNvPr id="29" name="Group 28">
                 <a:extLst>
                   <a:ext uri="{FF2B5EF4-FFF2-40B4-BE49-F238E27FC236}">
-                    <a16:creationId xmlns:a16="http://schemas.microsoft.com/office/drawing/2014/main" id="{9475C186-96B9-6579-51B5-5AA89F3CC7BE}"/>
+                    <a16:creationId xmlns:a16="http://schemas.microsoft.com/office/drawing/2014/main" id="{E415ECC9-F7F6-0BB2-7267-92FE79FCC05F}"/>
                   </a:ext>
                 </a:extLst>
               </p:cNvPr>
@@ -4707,10 +5522,10 @@
             </p:grpSpPr>
             <p:sp>
               <p:nvSpPr>
-                <p:cNvPr id="192" name="Right Triangle 191">
+                <p:cNvPr id="42" name="Right Triangle 41">
                   <a:extLst>
                     <a:ext uri="{FF2B5EF4-FFF2-40B4-BE49-F238E27FC236}">
-                      <a16:creationId xmlns:a16="http://schemas.microsoft.com/office/drawing/2014/main" id="{7CAD9591-5E56-9F21-19B1-715D85B4AB21}"/>
+                      <a16:creationId xmlns:a16="http://schemas.microsoft.com/office/drawing/2014/main" id="{8D4B40E5-B432-8334-586B-A4A9F678E1CC}"/>
                     </a:ext>
                   </a:extLst>
                 </p:cNvPr>
@@ -4767,10 +5582,10 @@
             </p:sp>
             <p:sp>
               <p:nvSpPr>
-                <p:cNvPr id="193" name="Right Triangle 192">
+                <p:cNvPr id="43" name="Right Triangle 42">
                   <a:extLst>
                     <a:ext uri="{FF2B5EF4-FFF2-40B4-BE49-F238E27FC236}">
-                      <a16:creationId xmlns:a16="http://schemas.microsoft.com/office/drawing/2014/main" id="{E2C1F8F7-22C0-A09C-3C1A-930BCEBC950D}"/>
+                      <a16:creationId xmlns:a16="http://schemas.microsoft.com/office/drawing/2014/main" id="{CBB41A7C-E9E2-48EC-8C76-6A212AD3F04E}"/>
                     </a:ext>
                   </a:extLst>
                 </p:cNvPr>
@@ -4822,10 +5637,10 @@
             </p:sp>
             <p:sp>
               <p:nvSpPr>
-                <p:cNvPr id="194" name="Rectangle 193">
+                <p:cNvPr id="44" name="Rectangle 43">
                   <a:extLst>
                     <a:ext uri="{FF2B5EF4-FFF2-40B4-BE49-F238E27FC236}">
-                      <a16:creationId xmlns:a16="http://schemas.microsoft.com/office/drawing/2014/main" id="{886B8754-3DB5-5624-5CD4-3A7926292DEC}"/>
+                      <a16:creationId xmlns:a16="http://schemas.microsoft.com/office/drawing/2014/main" id="{8DCF4CFE-131E-4261-9473-E16E1D4444F3}"/>
                     </a:ext>
                   </a:extLst>
                 </p:cNvPr>
@@ -4877,16 +5692,16 @@
             </p:sp>
             <p:cxnSp>
               <p:nvCxnSpPr>
-                <p:cNvPr id="195" name="Straight Connector 194">
+                <p:cNvPr id="45" name="Straight Connector 44">
                   <a:extLst>
                     <a:ext uri="{FF2B5EF4-FFF2-40B4-BE49-F238E27FC236}">
-                      <a16:creationId xmlns:a16="http://schemas.microsoft.com/office/drawing/2014/main" id="{F11E1B55-AF57-4FC9-770E-3316E0B9BE61}"/>
+                      <a16:creationId xmlns:a16="http://schemas.microsoft.com/office/drawing/2014/main" id="{E24EF42D-EFD6-F724-328E-48566CC6CA88}"/>
                     </a:ext>
                   </a:extLst>
                 </p:cNvPr>
                 <p:cNvCxnSpPr>
                   <a:cxnSpLocks/>
-                  <a:endCxn id="192" idx="4"/>
+                  <a:endCxn id="42" idx="4"/>
                 </p:cNvCxnSpPr>
                 <p:nvPr/>
               </p:nvCxnSpPr>
@@ -4923,17 +5738,17 @@
             </p:cxnSp>
             <p:cxnSp>
               <p:nvCxnSpPr>
-                <p:cNvPr id="196" name="Straight Connector 195">
+                <p:cNvPr id="46" name="Straight Connector 45">
                   <a:extLst>
                     <a:ext uri="{FF2B5EF4-FFF2-40B4-BE49-F238E27FC236}">
-                      <a16:creationId xmlns:a16="http://schemas.microsoft.com/office/drawing/2014/main" id="{9ED81EA2-9FAD-3124-9A7F-65B7B46818B9}"/>
+                      <a16:creationId xmlns:a16="http://schemas.microsoft.com/office/drawing/2014/main" id="{941A49EF-587A-EA4A-C5CA-0B3E4289B01E}"/>
                     </a:ext>
                   </a:extLst>
                 </p:cNvPr>
                 <p:cNvCxnSpPr>
                   <a:cxnSpLocks/>
-                  <a:stCxn id="192" idx="0"/>
-                  <a:endCxn id="192" idx="2"/>
+                  <a:stCxn id="42" idx="0"/>
+                  <a:endCxn id="42" idx="2"/>
                 </p:cNvCxnSpPr>
                 <p:nvPr/>
               </p:nvCxnSpPr>
@@ -4970,10 +5785,10 @@
             </p:cxnSp>
             <p:sp>
               <p:nvSpPr>
-                <p:cNvPr id="197" name="TextBox 196">
+                <p:cNvPr id="47" name="TextBox 46">
                   <a:extLst>
                     <a:ext uri="{FF2B5EF4-FFF2-40B4-BE49-F238E27FC236}">
-                      <a16:creationId xmlns:a16="http://schemas.microsoft.com/office/drawing/2014/main" id="{D79B5FE5-81F0-BB3A-368F-03A5526F92FC}"/>
+                      <a16:creationId xmlns:a16="http://schemas.microsoft.com/office/drawing/2014/main" id="{A1D5E03F-8D00-C44E-FD96-084173FD2748}"/>
                     </a:ext>
                   </a:extLst>
                 </p:cNvPr>
@@ -5040,10 +5855,10 @@
             </p:sp>
             <p:sp>
               <p:nvSpPr>
-                <p:cNvPr id="198" name="L-Shape 197">
+                <p:cNvPr id="48" name="L-Shape 47">
                   <a:extLst>
                     <a:ext uri="{FF2B5EF4-FFF2-40B4-BE49-F238E27FC236}">
-                      <a16:creationId xmlns:a16="http://schemas.microsoft.com/office/drawing/2014/main" id="{8C29CA18-8A26-DE41-73CF-9230B15F7AF6}"/>
+                      <a16:creationId xmlns:a16="http://schemas.microsoft.com/office/drawing/2014/main" id="{8DDBAEEA-2D45-D5C8-2DE6-06F8ABEEBBB3}"/>
                     </a:ext>
                   </a:extLst>
                 </p:cNvPr>
@@ -5099,10 +5914,10 @@
             </p:sp>
             <p:cxnSp>
               <p:nvCxnSpPr>
-                <p:cNvPr id="199" name="Straight Arrow Connector 198">
+                <p:cNvPr id="49" name="Straight Arrow Connector 48">
                   <a:extLst>
                     <a:ext uri="{FF2B5EF4-FFF2-40B4-BE49-F238E27FC236}">
-                      <a16:creationId xmlns:a16="http://schemas.microsoft.com/office/drawing/2014/main" id="{FCF7D44F-420A-97B1-C360-1AB330E0EAC5}"/>
+                      <a16:creationId xmlns:a16="http://schemas.microsoft.com/office/drawing/2014/main" id="{A0CF99B9-2517-3BE2-9F7F-35F25454EA7B}"/>
                     </a:ext>
                   </a:extLst>
                 </p:cNvPr>
@@ -5144,10 +5959,10 @@
             </p:cxnSp>
             <p:sp>
               <p:nvSpPr>
-                <p:cNvPr id="200" name="TextBox 199">
+                <p:cNvPr id="50" name="TextBox 49">
                   <a:extLst>
                     <a:ext uri="{FF2B5EF4-FFF2-40B4-BE49-F238E27FC236}">
-                      <a16:creationId xmlns:a16="http://schemas.microsoft.com/office/drawing/2014/main" id="{6744C707-F185-81A3-FE97-4396287C9B01}"/>
+                      <a16:creationId xmlns:a16="http://schemas.microsoft.com/office/drawing/2014/main" id="{FA3CB2CA-86AE-22D0-0E96-612D72E7AC2B}"/>
                     </a:ext>
                   </a:extLst>
                 </p:cNvPr>
@@ -5197,10 +6012,10 @@
             </p:sp>
             <p:sp>
               <p:nvSpPr>
-                <p:cNvPr id="201" name="L-Shape 200">
+                <p:cNvPr id="51" name="L-Shape 50">
                   <a:extLst>
                     <a:ext uri="{FF2B5EF4-FFF2-40B4-BE49-F238E27FC236}">
-                      <a16:creationId xmlns:a16="http://schemas.microsoft.com/office/drawing/2014/main" id="{D4C6CE68-95D0-0122-8FC4-229DF5641045}"/>
+                      <a16:creationId xmlns:a16="http://schemas.microsoft.com/office/drawing/2014/main" id="{DA8091EB-647C-0340-4A18-AE41B1EE14AC}"/>
                     </a:ext>
                   </a:extLst>
                 </p:cNvPr>
@@ -5256,16 +6071,16 @@
             </p:sp>
             <p:cxnSp>
               <p:nvCxnSpPr>
-                <p:cNvPr id="202" name="Straight Arrow Connector 201">
+                <p:cNvPr id="52" name="Straight Arrow Connector 51">
                   <a:extLst>
                     <a:ext uri="{FF2B5EF4-FFF2-40B4-BE49-F238E27FC236}">
-                      <a16:creationId xmlns:a16="http://schemas.microsoft.com/office/drawing/2014/main" id="{160D5617-312C-0213-7FD0-897708AE429B}"/>
+                      <a16:creationId xmlns:a16="http://schemas.microsoft.com/office/drawing/2014/main" id="{F7A25D6E-9585-1E3F-67FE-D7AE9C80FE51}"/>
                     </a:ext>
                   </a:extLst>
                 </p:cNvPr>
                 <p:cNvCxnSpPr>
                   <a:cxnSpLocks/>
-                  <a:endCxn id="193" idx="0"/>
+                  <a:endCxn id="43" idx="0"/>
                 </p:cNvCxnSpPr>
                 <p:nvPr/>
               </p:nvCxnSpPr>
@@ -5303,10 +6118,10 @@
           </p:grpSp>
           <p:grpSp>
             <p:nvGrpSpPr>
-              <p:cNvPr id="180" name="Group 179">
+              <p:cNvPr id="30" name="Group 29">
                 <a:extLst>
                   <a:ext uri="{FF2B5EF4-FFF2-40B4-BE49-F238E27FC236}">
-                    <a16:creationId xmlns:a16="http://schemas.microsoft.com/office/drawing/2014/main" id="{A1E857C2-DB9D-284A-978A-A08D0B72662A}"/>
+                    <a16:creationId xmlns:a16="http://schemas.microsoft.com/office/drawing/2014/main" id="{A103BFF0-A149-C865-361A-413E43683036}"/>
                   </a:ext>
                 </a:extLst>
               </p:cNvPr>
@@ -5315,18 +6130,18 @@
             </p:nvGrpSpPr>
             <p:grpSpPr>
               <a:xfrm>
-                <a:off x="5613217" y="3103167"/>
-                <a:ext cx="2187110" cy="1268493"/>
-                <a:chOff x="5613217" y="3103167"/>
-                <a:chExt cx="2187110" cy="1268493"/>
+                <a:off x="5636291" y="3103167"/>
+                <a:ext cx="2237073" cy="1268493"/>
+                <a:chOff x="5636291" y="3103167"/>
+                <a:chExt cx="2237073" cy="1268493"/>
               </a:xfrm>
             </p:grpSpPr>
             <p:grpSp>
               <p:nvGrpSpPr>
-                <p:cNvPr id="181" name="Group 180">
+                <p:cNvPr id="31" name="Group 30">
                   <a:extLst>
                     <a:ext uri="{FF2B5EF4-FFF2-40B4-BE49-F238E27FC236}">
-                      <a16:creationId xmlns:a16="http://schemas.microsoft.com/office/drawing/2014/main" id="{B795FE9B-45CB-DB98-23EF-57979D70C500}"/>
+                      <a16:creationId xmlns:a16="http://schemas.microsoft.com/office/drawing/2014/main" id="{F16B49CD-9216-0C1C-7100-A77407208C30}"/>
                     </a:ext>
                   </a:extLst>
                 </p:cNvPr>
@@ -5343,10 +6158,10 @@
               </p:grpSpPr>
               <p:grpSp>
                 <p:nvGrpSpPr>
-                  <p:cNvPr id="183" name="Group 182">
+                  <p:cNvPr id="33" name="Group 32">
                     <a:extLst>
                       <a:ext uri="{FF2B5EF4-FFF2-40B4-BE49-F238E27FC236}">
-                        <a16:creationId xmlns:a16="http://schemas.microsoft.com/office/drawing/2014/main" id="{3F2619DF-1BE4-21DF-E1FF-2A21610A5863}"/>
+                        <a16:creationId xmlns:a16="http://schemas.microsoft.com/office/drawing/2014/main" id="{ECB7F3A5-C3D0-373A-91C0-6B3E48774AC1}"/>
                       </a:ext>
                     </a:extLst>
                   </p:cNvPr>
@@ -5363,10 +6178,10 @@
                 </p:grpSpPr>
                 <p:sp>
                   <p:nvSpPr>
-                    <p:cNvPr id="187" name="Oval 186">
+                    <p:cNvPr id="37" name="Oval 36">
                       <a:extLst>
                         <a:ext uri="{FF2B5EF4-FFF2-40B4-BE49-F238E27FC236}">
-                          <a16:creationId xmlns:a16="http://schemas.microsoft.com/office/drawing/2014/main" id="{BC6B9055-9CA0-DFD3-0AEA-C0230CE08CDE}"/>
+                          <a16:creationId xmlns:a16="http://schemas.microsoft.com/office/drawing/2014/main" id="{C7C90D50-7CAA-A35E-FDC4-F1995FA86A1D}"/>
                         </a:ext>
                       </a:extLst>
                     </p:cNvPr>
@@ -5417,16 +6232,16 @@
                 </p:sp>
                 <p:cxnSp>
                   <p:nvCxnSpPr>
-                    <p:cNvPr id="188" name="Straight Arrow Connector 187">
+                    <p:cNvPr id="38" name="Straight Arrow Connector 37">
                       <a:extLst>
                         <a:ext uri="{FF2B5EF4-FFF2-40B4-BE49-F238E27FC236}">
-                          <a16:creationId xmlns:a16="http://schemas.microsoft.com/office/drawing/2014/main" id="{9D8E2952-6539-58D5-0A3E-E48E7EA884EC}"/>
+                          <a16:creationId xmlns:a16="http://schemas.microsoft.com/office/drawing/2014/main" id="{C3C0E0A6-A748-5FE0-E374-0F797C561731}"/>
                         </a:ext>
                       </a:extLst>
                     </p:cNvPr>
                     <p:cNvCxnSpPr>
                       <a:cxnSpLocks/>
-                      <a:stCxn id="187" idx="1"/>
+                      <a:stCxn id="37" idx="1"/>
                     </p:cNvCxnSpPr>
                     <p:nvPr/>
                   </p:nvCxnSpPr>
@@ -5462,16 +6277,16 @@
                 </p:cxnSp>
                 <p:cxnSp>
                   <p:nvCxnSpPr>
-                    <p:cNvPr id="189" name="Straight Arrow Connector 188">
+                    <p:cNvPr id="39" name="Straight Arrow Connector 38">
                       <a:extLst>
                         <a:ext uri="{FF2B5EF4-FFF2-40B4-BE49-F238E27FC236}">
-                          <a16:creationId xmlns:a16="http://schemas.microsoft.com/office/drawing/2014/main" id="{6AA6F5F5-1680-E5FB-7E5E-9EA72FB13C3B}"/>
+                          <a16:creationId xmlns:a16="http://schemas.microsoft.com/office/drawing/2014/main" id="{D6335D9A-1507-8CD8-B322-2A766BDA369D}"/>
                         </a:ext>
                       </a:extLst>
                     </p:cNvPr>
                     <p:cNvCxnSpPr>
                       <a:cxnSpLocks/>
-                      <a:stCxn id="187" idx="7"/>
+                      <a:stCxn id="37" idx="7"/>
                     </p:cNvCxnSpPr>
                     <p:nvPr/>
                   </p:nvCxnSpPr>
@@ -5509,10 +6324,10 @@
                   <mc:Choice Requires="a14">
                     <p:sp>
                       <p:nvSpPr>
-                        <p:cNvPr id="190" name="TextBox 189">
+                        <p:cNvPr id="40" name="TextBox 39">
                           <a:extLst>
                             <a:ext uri="{FF2B5EF4-FFF2-40B4-BE49-F238E27FC236}">
-                              <a16:creationId xmlns:a16="http://schemas.microsoft.com/office/drawing/2014/main" id="{BD642EC0-0D18-4390-F6D7-DB73AA4D4BC0}"/>
+                              <a16:creationId xmlns:a16="http://schemas.microsoft.com/office/drawing/2014/main" id="{E72106C5-66A2-19EC-55D2-C63589E611F2}"/>
                             </a:ext>
                           </a:extLst>
                         </p:cNvPr>
@@ -5627,10 +6442,10 @@
                   <mc:Choice Requires="a14">
                     <p:sp>
                       <p:nvSpPr>
-                        <p:cNvPr id="191" name="TextBox 190">
+                        <p:cNvPr id="41" name="TextBox 40">
                           <a:extLst>
                             <a:ext uri="{FF2B5EF4-FFF2-40B4-BE49-F238E27FC236}">
-                              <a16:creationId xmlns:a16="http://schemas.microsoft.com/office/drawing/2014/main" id="{D0AE41A0-419C-7CA1-F8C5-3289D27D523C}"/>
+                              <a16:creationId xmlns:a16="http://schemas.microsoft.com/office/drawing/2014/main" id="{2A7C226C-9F49-9782-658B-181B3F9CE357}"/>
                             </a:ext>
                           </a:extLst>
                         </p:cNvPr>
@@ -5729,10 +6544,10 @@
               </p:grpSp>
               <p:sp>
                 <p:nvSpPr>
-                  <p:cNvPr id="184" name="Arc 183">
+                  <p:cNvPr id="34" name="Arc 33">
                     <a:extLst>
                       <a:ext uri="{FF2B5EF4-FFF2-40B4-BE49-F238E27FC236}">
-                        <a16:creationId xmlns:a16="http://schemas.microsoft.com/office/drawing/2014/main" id="{E24EF3E6-5D2D-5B96-E893-31596D623784}"/>
+                        <a16:creationId xmlns:a16="http://schemas.microsoft.com/office/drawing/2014/main" id="{C97961F6-D58D-475B-DE42-82A98C5312CA}"/>
                       </a:ext>
                     </a:extLst>
                   </p:cNvPr>
@@ -5783,16 +6598,16 @@
               </p:sp>
               <p:cxnSp>
                 <p:nvCxnSpPr>
-                  <p:cNvPr id="185" name="Straight Connector 184">
+                  <p:cNvPr id="35" name="Straight Connector 34">
                     <a:extLst>
                       <a:ext uri="{FF2B5EF4-FFF2-40B4-BE49-F238E27FC236}">
-                        <a16:creationId xmlns:a16="http://schemas.microsoft.com/office/drawing/2014/main" id="{0BAC5561-937A-BAFB-52B8-A065EB8609FF}"/>
+                        <a16:creationId xmlns:a16="http://schemas.microsoft.com/office/drawing/2014/main" id="{858D5991-06B3-633A-99D9-2A267B29474F}"/>
                       </a:ext>
                     </a:extLst>
                   </p:cNvPr>
                   <p:cNvCxnSpPr>
                     <a:cxnSpLocks/>
-                    <a:endCxn id="187" idx="0"/>
+                    <a:endCxn id="37" idx="0"/>
                   </p:cNvCxnSpPr>
                   <p:nvPr/>
                 </p:nvCxnSpPr>
@@ -5833,10 +6648,10 @@
                 <mc:Choice Requires="a14">
                   <p:sp>
                     <p:nvSpPr>
-                      <p:cNvPr id="186" name="TextBox 185">
+                      <p:cNvPr id="36" name="TextBox 35">
                         <a:extLst>
                           <a:ext uri="{FF2B5EF4-FFF2-40B4-BE49-F238E27FC236}">
-                            <a16:creationId xmlns:a16="http://schemas.microsoft.com/office/drawing/2014/main" id="{83DD1347-6BB4-C65E-FE21-AF7A5DB60773}"/>
+                            <a16:creationId xmlns:a16="http://schemas.microsoft.com/office/drawing/2014/main" id="{2824B869-8F81-BADD-D21C-41EEEBAAE6A7}"/>
                           </a:ext>
                         </a:extLst>
                       </p:cNvPr>
@@ -5938,14 +6753,14 @@
                 </mc:Fallback>
               </mc:AlternateContent>
             </p:grpSp>
-            <mc:AlternateContent xmlns:mc="http://schemas.openxmlformats.org/markup-compatibility/2006" xmlns:a14="http://schemas.microsoft.com/office/drawing/2010/main">
-              <mc:Choice Requires="a14">
+            <mc:AlternateContent xmlns:mc="http://schemas.openxmlformats.org/markup-compatibility/2006">
+              <mc:Choice xmlns:a14="http://schemas.microsoft.com/office/drawing/2010/main" Requires="a14">
                 <p:sp>
                   <p:nvSpPr>
-                    <p:cNvPr id="182" name="TextBox 181">
+                    <p:cNvPr id="32" name="TextBox 31">
                       <a:extLst>
                         <a:ext uri="{FF2B5EF4-FFF2-40B4-BE49-F238E27FC236}">
-                          <a16:creationId xmlns:a16="http://schemas.microsoft.com/office/drawing/2014/main" id="{74BF2E12-D9F9-AE52-4BFA-A482A6B9B7EE}"/>
+                          <a16:creationId xmlns:a16="http://schemas.microsoft.com/office/drawing/2014/main" id="{B90074A9-9CD0-2076-44AC-DB58860FFCE3}"/>
                         </a:ext>
                       </a:extLst>
                     </p:cNvPr>
@@ -5954,8 +6769,8 @@
                   </p:nvSpPr>
                   <p:spPr>
                     <a:xfrm>
-                      <a:off x="5613217" y="3103167"/>
-                      <a:ext cx="2187110" cy="641651"/>
+                      <a:off x="5636291" y="3103167"/>
+                      <a:ext cx="2237073" cy="641651"/>
                     </a:xfrm>
                     <a:prstGeom prst="rect">
                       <a:avLst/>
@@ -6057,6 +6872,65 @@
                                 </m:ctrlPr>
                               </m:sSupPr>
                               <m:e>
+                                <m:acc>
+                                  <m:accPr>
+                                    <m:chr m:val="̃"/>
+                                    <m:ctrlPr>
+                                      <a:rPr lang="en-US" sz="1500" b="1" i="1">
+                                        <a:solidFill>
+                                          <a:schemeClr val="tx2">
+                                            <a:lumMod val="50000"/>
+                                          </a:schemeClr>
+                                        </a:solidFill>
+                                        <a:latin typeface="Cambria Math" panose="02040503050406030204" pitchFamily="18" charset="0"/>
+                                        <a:ea typeface="Cambria Math" panose="02040503050406030204" pitchFamily="18" charset="0"/>
+                                      </a:rPr>
+                                    </m:ctrlPr>
+                                  </m:accPr>
+                                  <m:e>
+                                    <m:r>
+                                      <a:rPr lang="en-US" sz="1500" b="1" i="1">
+                                        <a:solidFill>
+                                          <a:schemeClr val="tx2">
+                                            <a:lumMod val="50000"/>
+                                          </a:schemeClr>
+                                        </a:solidFill>
+                                        <a:latin typeface="Cambria Math" panose="02040503050406030204" pitchFamily="18" charset="0"/>
+                                        <a:ea typeface="Cambria Math" panose="02040503050406030204" pitchFamily="18" charset="0"/>
+                                      </a:rPr>
+                                      <m:t>𝑨</m:t>
+                                    </m:r>
+                                  </m:e>
+                                </m:acc>
+                              </m:e>
+                              <m:sup>
+                                <m:r>
+                                  <a:rPr lang="en-US" sz="1500" i="1">
+                                    <a:solidFill>
+                                      <a:schemeClr val="tx2">
+                                        <a:lumMod val="50000"/>
+                                      </a:schemeClr>
+                                    </a:solidFill>
+                                    <a:latin typeface="Cambria Math" panose="02040503050406030204" pitchFamily="18" charset="0"/>
+                                  </a:rPr>
+                                  <m:t>⊺</m:t>
+                                </m:r>
+                              </m:sup>
+                            </m:sSup>
+                            <m:sSup>
+                              <m:sSupPr>
+                                <m:ctrlPr>
+                                  <a:rPr lang="en-US" sz="1500" i="1">
+                                    <a:solidFill>
+                                      <a:schemeClr val="tx2">
+                                        <a:lumMod val="50000"/>
+                                      </a:schemeClr>
+                                    </a:solidFill>
+                                    <a:latin typeface="Cambria Math" panose="02040503050406030204" pitchFamily="18" charset="0"/>
+                                  </a:rPr>
+                                </m:ctrlPr>
+                              </m:sSupPr>
+                              <m:e>
                                 <m:r>
                                   <a:rPr lang="en-US" sz="1500" b="1" i="1">
                                     <a:solidFill>
@@ -6084,36 +6958,6 @@
                                 </m:r>
                               </m:sup>
                             </m:sSup>
-                            <m:acc>
-                              <m:accPr>
-                                <m:chr m:val="̃"/>
-                                <m:ctrlPr>
-                                  <a:rPr lang="en-US" sz="1500" b="1" i="1">
-                                    <a:solidFill>
-                                      <a:schemeClr val="tx2">
-                                        <a:lumMod val="50000"/>
-                                      </a:schemeClr>
-                                    </a:solidFill>
-                                    <a:latin typeface="Cambria Math" panose="02040503050406030204" pitchFamily="18" charset="0"/>
-                                    <a:ea typeface="Cambria Math" panose="02040503050406030204" pitchFamily="18" charset="0"/>
-                                  </a:rPr>
-                                </m:ctrlPr>
-                              </m:accPr>
-                              <m:e>
-                                <m:r>
-                                  <a:rPr lang="en-US" sz="1500" b="1" i="1">
-                                    <a:solidFill>
-                                      <a:schemeClr val="tx2">
-                                        <a:lumMod val="50000"/>
-                                      </a:schemeClr>
-                                    </a:solidFill>
-                                    <a:latin typeface="Cambria Math" panose="02040503050406030204" pitchFamily="18" charset="0"/>
-                                    <a:ea typeface="Cambria Math" panose="02040503050406030204" pitchFamily="18" charset="0"/>
-                                  </a:rPr>
-                                  <m:t>𝑨</m:t>
-                                </m:r>
-                              </m:e>
-                            </m:acc>
                           </m:oMath>
                         </m:oMathPara>
                       </a14:m>
@@ -6328,6 +7172,65 @@
                                         </m:ctrlPr>
                                       </m:dPr>
                                       <m:e>
+                                        <m:sSup>
+                                          <m:sSupPr>
+                                            <m:ctrlPr>
+                                              <a:rPr lang="en-US" sz="1500" i="1">
+                                                <a:solidFill>
+                                                  <a:schemeClr val="tx2">
+                                                    <a:lumMod val="50000"/>
+                                                  </a:schemeClr>
+                                                </a:solidFill>
+                                                <a:latin typeface="Cambria Math" panose="02040503050406030204" pitchFamily="18" charset="0"/>
+                                              </a:rPr>
+                                            </m:ctrlPr>
+                                          </m:sSupPr>
+                                          <m:e>
+                                            <m:acc>
+                                              <m:accPr>
+                                                <m:chr m:val="̃"/>
+                                                <m:ctrlPr>
+                                                  <a:rPr lang="en-US" sz="1500" b="1" i="1">
+                                                    <a:solidFill>
+                                                      <a:schemeClr val="tx2">
+                                                        <a:lumMod val="50000"/>
+                                                      </a:schemeClr>
+                                                    </a:solidFill>
+                                                    <a:latin typeface="Cambria Math" panose="02040503050406030204" pitchFamily="18" charset="0"/>
+                                                    <a:ea typeface="Cambria Math" panose="02040503050406030204" pitchFamily="18" charset="0"/>
+                                                  </a:rPr>
+                                                </m:ctrlPr>
+                                              </m:accPr>
+                                              <m:e>
+                                                <m:r>
+                                                  <a:rPr lang="en-US" sz="1500" b="1" i="1">
+                                                    <a:solidFill>
+                                                      <a:schemeClr val="tx2">
+                                                        <a:lumMod val="50000"/>
+                                                      </a:schemeClr>
+                                                    </a:solidFill>
+                                                    <a:latin typeface="Cambria Math" panose="02040503050406030204" pitchFamily="18" charset="0"/>
+                                                    <a:ea typeface="Cambria Math" panose="02040503050406030204" pitchFamily="18" charset="0"/>
+                                                  </a:rPr>
+                                                  <m:t>𝑨</m:t>
+                                                </m:r>
+                                              </m:e>
+                                            </m:acc>
+                                          </m:e>
+                                          <m:sup>
+                                            <m:r>
+                                              <a:rPr lang="en-US" sz="1500" i="1">
+                                                <a:solidFill>
+                                                  <a:schemeClr val="tx2">
+                                                    <a:lumMod val="50000"/>
+                                                  </a:schemeClr>
+                                                </a:solidFill>
+                                                <a:latin typeface="Cambria Math" panose="02040503050406030204" pitchFamily="18" charset="0"/>
+                                              </a:rPr>
+                                              <m:t>⊺</m:t>
+                                            </m:r>
+                                          </m:sup>
+                                        </m:sSup>
                                         <m:r>
                                           <a:rPr lang="en-US" sz="1500" b="1" i="1">
                                             <a:solidFill>
@@ -6340,36 +7243,6 @@
                                           </a:rPr>
                                           <m:t>𝝀</m:t>
                                         </m:r>
-                                        <m:acc>
-                                          <m:accPr>
-                                            <m:chr m:val="̃"/>
-                                            <m:ctrlPr>
-                                              <a:rPr lang="en-US" sz="1500" b="1" i="1">
-                                                <a:solidFill>
-                                                  <a:schemeClr val="tx2">
-                                                    <a:lumMod val="50000"/>
-                                                  </a:schemeClr>
-                                                </a:solidFill>
-                                                <a:latin typeface="Cambria Math" panose="02040503050406030204" pitchFamily="18" charset="0"/>
-                                                <a:ea typeface="Cambria Math" panose="02040503050406030204" pitchFamily="18" charset="0"/>
-                                              </a:rPr>
-                                            </m:ctrlPr>
-                                          </m:accPr>
-                                          <m:e>
-                                            <m:r>
-                                              <a:rPr lang="en-US" sz="1500" b="1" i="1">
-                                                <a:solidFill>
-                                                  <a:schemeClr val="tx2">
-                                                    <a:lumMod val="50000"/>
-                                                  </a:schemeClr>
-                                                </a:solidFill>
-                                                <a:latin typeface="Cambria Math" panose="02040503050406030204" pitchFamily="18" charset="0"/>
-                                                <a:ea typeface="Cambria Math" panose="02040503050406030204" pitchFamily="18" charset="0"/>
-                                              </a:rPr>
-                                              <m:t>𝑨</m:t>
-                                            </m:r>
-                                          </m:e>
-                                        </m:acc>
                                         <m:r>
                                           <a:rPr lang="en-US" sz="1500" i="1">
                                             <a:solidFill>
@@ -6442,13 +7315,13 @@
                   </p:txBody>
                 </p:sp>
               </mc:Choice>
-              <mc:Fallback xmlns="">
+              <mc:Fallback>
                 <p:sp>
                   <p:nvSpPr>
-                    <p:cNvPr id="270" name="TextBox 269">
+                    <p:cNvPr id="32" name="TextBox 31">
                       <a:extLst>
                         <a:ext uri="{FF2B5EF4-FFF2-40B4-BE49-F238E27FC236}">
-                          <a16:creationId xmlns:a16="http://schemas.microsoft.com/office/drawing/2014/main" id="{8FC1B837-C847-C0D7-6411-58BA95E04416}"/>
+                          <a16:creationId xmlns:a16="http://schemas.microsoft.com/office/drawing/2014/main" id="{B90074A9-9CD0-2076-44AC-DB58860FFCE3}"/>
                         </a:ext>
                       </a:extLst>
                     </p:cNvPr>
@@ -6459,8 +7332,8 @@
                   </p:nvSpPr>
                   <p:spPr>
                     <a:xfrm>
-                      <a:off x="5613217" y="3103167"/>
-                      <a:ext cx="2187110" cy="641651"/>
+                      <a:off x="5636291" y="3103167"/>
+                      <a:ext cx="2237073" cy="641651"/>
                     </a:xfrm>
                     <a:prstGeom prst="rect">
                       <a:avLst/>
@@ -6468,7 +7341,7 @@
                     <a:blipFill>
                       <a:blip r:embed="rId9"/>
                       <a:stretch>
-                        <a:fillRect l="-2786" t="-6667" r="-4457" b="-6667"/>
+                        <a:fillRect l="-2997" t="-5714" r="-4632" b="-6667"/>
                       </a:stretch>
                     </a:blipFill>
                   </p:spPr>
@@ -6491,10 +7364,10 @@
         </p:grpSp>
         <p:grpSp>
           <p:nvGrpSpPr>
-            <p:cNvPr id="155" name="Group 154">
+            <p:cNvPr id="5" name="Group 4">
               <a:extLst>
                 <a:ext uri="{FF2B5EF4-FFF2-40B4-BE49-F238E27FC236}">
-                  <a16:creationId xmlns:a16="http://schemas.microsoft.com/office/drawing/2014/main" id="{619A70DE-D1BA-E910-BF72-DB1D48B8D610}"/>
+                  <a16:creationId xmlns:a16="http://schemas.microsoft.com/office/drawing/2014/main" id="{85F943E6-45C8-3830-BBAC-1CDCCCCBA869}"/>
                 </a:ext>
               </a:extLst>
             </p:cNvPr>
@@ -6511,10 +7384,10 @@
           </p:grpSpPr>
           <p:grpSp>
             <p:nvGrpSpPr>
-              <p:cNvPr id="156" name="Group 155">
+              <p:cNvPr id="6" name="Group 5">
                 <a:extLst>
                   <a:ext uri="{FF2B5EF4-FFF2-40B4-BE49-F238E27FC236}">
-                    <a16:creationId xmlns:a16="http://schemas.microsoft.com/office/drawing/2014/main" id="{A68FDD1B-ABAF-6099-2BA2-27483095C910}"/>
+                    <a16:creationId xmlns:a16="http://schemas.microsoft.com/office/drawing/2014/main" id="{50B3D593-3FFC-9E7D-8B8D-F609A07DBEA0}"/>
                   </a:ext>
                 </a:extLst>
               </p:cNvPr>
@@ -6531,10 +7404,10 @@
             </p:grpSpPr>
             <p:sp>
               <p:nvSpPr>
-                <p:cNvPr id="170" name="Right Triangle 169">
+                <p:cNvPr id="20" name="Right Triangle 19">
                   <a:extLst>
                     <a:ext uri="{FF2B5EF4-FFF2-40B4-BE49-F238E27FC236}">
-                      <a16:creationId xmlns:a16="http://schemas.microsoft.com/office/drawing/2014/main" id="{339E5A68-8D2C-5C6D-DE9C-3867237060D8}"/>
+                      <a16:creationId xmlns:a16="http://schemas.microsoft.com/office/drawing/2014/main" id="{6744B06F-5840-19E1-791D-AC2A0D9F9E48}"/>
                     </a:ext>
                   </a:extLst>
                 </p:cNvPr>
@@ -6591,10 +7464,10 @@
             </p:sp>
             <p:sp>
               <p:nvSpPr>
-                <p:cNvPr id="171" name="Right Triangle 170">
+                <p:cNvPr id="21" name="Right Triangle 20">
                   <a:extLst>
                     <a:ext uri="{FF2B5EF4-FFF2-40B4-BE49-F238E27FC236}">
-                      <a16:creationId xmlns:a16="http://schemas.microsoft.com/office/drawing/2014/main" id="{C0F4C555-84A3-708B-7B7B-8C6EE1956568}"/>
+                      <a16:creationId xmlns:a16="http://schemas.microsoft.com/office/drawing/2014/main" id="{3D628A90-69C2-7815-E8CB-4316867DD17B}"/>
                     </a:ext>
                   </a:extLst>
                 </p:cNvPr>
@@ -6646,10 +7519,10 @@
             </p:sp>
             <p:sp>
               <p:nvSpPr>
-                <p:cNvPr id="172" name="Rectangle 171">
+                <p:cNvPr id="22" name="Rectangle 21">
                   <a:extLst>
                     <a:ext uri="{FF2B5EF4-FFF2-40B4-BE49-F238E27FC236}">
-                      <a16:creationId xmlns:a16="http://schemas.microsoft.com/office/drawing/2014/main" id="{48D2B1B4-A5A5-2964-2635-89CA36DF6CA8}"/>
+                      <a16:creationId xmlns:a16="http://schemas.microsoft.com/office/drawing/2014/main" id="{3CBFDA5C-B423-1334-FF32-3566D226E79D}"/>
                     </a:ext>
                   </a:extLst>
                 </p:cNvPr>
@@ -6701,16 +7574,16 @@
             </p:sp>
             <p:cxnSp>
               <p:nvCxnSpPr>
-                <p:cNvPr id="173" name="Straight Connector 172">
+                <p:cNvPr id="23" name="Straight Connector 22">
                   <a:extLst>
                     <a:ext uri="{FF2B5EF4-FFF2-40B4-BE49-F238E27FC236}">
-                      <a16:creationId xmlns:a16="http://schemas.microsoft.com/office/drawing/2014/main" id="{7CC3B972-BED1-2922-A30F-D6CBC409D1E3}"/>
+                      <a16:creationId xmlns:a16="http://schemas.microsoft.com/office/drawing/2014/main" id="{EE221429-7411-B5EB-4F32-740A7D846912}"/>
                     </a:ext>
                   </a:extLst>
                 </p:cNvPr>
                 <p:cNvCxnSpPr>
                   <a:cxnSpLocks/>
-                  <a:endCxn id="170" idx="4"/>
+                  <a:endCxn id="20" idx="4"/>
                 </p:cNvCxnSpPr>
                 <p:nvPr/>
               </p:nvCxnSpPr>
@@ -6747,17 +7620,17 @@
             </p:cxnSp>
             <p:cxnSp>
               <p:nvCxnSpPr>
-                <p:cNvPr id="174" name="Straight Connector 173">
+                <p:cNvPr id="24" name="Straight Connector 23">
                   <a:extLst>
                     <a:ext uri="{FF2B5EF4-FFF2-40B4-BE49-F238E27FC236}">
-                      <a16:creationId xmlns:a16="http://schemas.microsoft.com/office/drawing/2014/main" id="{5C9D1B73-F9F6-1173-A08A-78840CD688B0}"/>
+                      <a16:creationId xmlns:a16="http://schemas.microsoft.com/office/drawing/2014/main" id="{86EBDAF1-363D-66FC-47E6-7B842DC7A78F}"/>
                     </a:ext>
                   </a:extLst>
                 </p:cNvPr>
                 <p:cNvCxnSpPr>
                   <a:cxnSpLocks/>
-                  <a:stCxn id="170" idx="0"/>
-                  <a:endCxn id="170" idx="2"/>
+                  <a:stCxn id="20" idx="0"/>
+                  <a:endCxn id="20" idx="2"/>
                 </p:cNvCxnSpPr>
                 <p:nvPr/>
               </p:nvCxnSpPr>
@@ -6794,10 +7667,10 @@
             </p:cxnSp>
             <p:sp>
               <p:nvSpPr>
-                <p:cNvPr id="175" name="L-Shape 174">
+                <p:cNvPr id="25" name="L-Shape 24">
                   <a:extLst>
                     <a:ext uri="{FF2B5EF4-FFF2-40B4-BE49-F238E27FC236}">
-                      <a16:creationId xmlns:a16="http://schemas.microsoft.com/office/drawing/2014/main" id="{2EAADAC9-3B9F-1C1C-E217-865F9F242B04}"/>
+                      <a16:creationId xmlns:a16="http://schemas.microsoft.com/office/drawing/2014/main" id="{B6B2BBF9-214A-3EFD-9F86-272558A7446A}"/>
                     </a:ext>
                   </a:extLst>
                 </p:cNvPr>
@@ -6853,10 +7726,10 @@
             </p:sp>
             <p:cxnSp>
               <p:nvCxnSpPr>
-                <p:cNvPr id="176" name="Straight Arrow Connector 175">
+                <p:cNvPr id="26" name="Straight Arrow Connector 25">
                   <a:extLst>
                     <a:ext uri="{FF2B5EF4-FFF2-40B4-BE49-F238E27FC236}">
-                      <a16:creationId xmlns:a16="http://schemas.microsoft.com/office/drawing/2014/main" id="{DDF6DB00-B6C1-7016-F1CB-970783587D24}"/>
+                      <a16:creationId xmlns:a16="http://schemas.microsoft.com/office/drawing/2014/main" id="{30BD5EF0-08C6-A862-2146-B098F3AEA4C4}"/>
                     </a:ext>
                   </a:extLst>
                 </p:cNvPr>
@@ -6898,10 +7771,10 @@
             </p:cxnSp>
             <p:sp>
               <p:nvSpPr>
-                <p:cNvPr id="177" name="L-Shape 176">
+                <p:cNvPr id="27" name="L-Shape 26">
                   <a:extLst>
                     <a:ext uri="{FF2B5EF4-FFF2-40B4-BE49-F238E27FC236}">
-                      <a16:creationId xmlns:a16="http://schemas.microsoft.com/office/drawing/2014/main" id="{09B2655A-E601-8974-1B6D-529E63772F4F}"/>
+                      <a16:creationId xmlns:a16="http://schemas.microsoft.com/office/drawing/2014/main" id="{63BB518E-C709-FF1C-1873-97C123D673FD}"/>
                     </a:ext>
                   </a:extLst>
                 </p:cNvPr>
@@ -6957,16 +7830,16 @@
             </p:sp>
             <p:cxnSp>
               <p:nvCxnSpPr>
-                <p:cNvPr id="178" name="Straight Arrow Connector 177">
+                <p:cNvPr id="28" name="Straight Arrow Connector 27">
                   <a:extLst>
                     <a:ext uri="{FF2B5EF4-FFF2-40B4-BE49-F238E27FC236}">
-                      <a16:creationId xmlns:a16="http://schemas.microsoft.com/office/drawing/2014/main" id="{F4B823AA-988C-4409-88C6-85C50827C994}"/>
+                      <a16:creationId xmlns:a16="http://schemas.microsoft.com/office/drawing/2014/main" id="{857638C2-A885-A37E-3001-40ED44188536}"/>
                     </a:ext>
                   </a:extLst>
                 </p:cNvPr>
                 <p:cNvCxnSpPr>
                   <a:cxnSpLocks/>
-                  <a:endCxn id="171" idx="0"/>
+                  <a:endCxn id="21" idx="0"/>
                 </p:cNvCxnSpPr>
                 <p:nvPr/>
               </p:nvCxnSpPr>
@@ -7004,10 +7877,10 @@
           </p:grpSp>
           <p:grpSp>
             <p:nvGrpSpPr>
-              <p:cNvPr id="157" name="Group 156">
+              <p:cNvPr id="7" name="Group 6">
                 <a:extLst>
                   <a:ext uri="{FF2B5EF4-FFF2-40B4-BE49-F238E27FC236}">
-                    <a16:creationId xmlns:a16="http://schemas.microsoft.com/office/drawing/2014/main" id="{3A861103-408D-71DA-4C82-7D653E819C44}"/>
+                    <a16:creationId xmlns:a16="http://schemas.microsoft.com/office/drawing/2014/main" id="{8B37E18C-0BCD-6E26-D29F-292CE78F4DA5}"/>
                   </a:ext>
                 </a:extLst>
               </p:cNvPr>
@@ -7016,18 +7889,18 @@
             </p:nvGrpSpPr>
             <p:grpSpPr>
               <a:xfrm>
-                <a:off x="8433815" y="3097160"/>
-                <a:ext cx="1781306" cy="1308780"/>
-                <a:chOff x="8433815" y="3097160"/>
-                <a:chExt cx="1781306" cy="1308780"/>
+                <a:off x="8386183" y="3097160"/>
+                <a:ext cx="1828938" cy="1308780"/>
+                <a:chOff x="8386183" y="3097160"/>
+                <a:chExt cx="1828938" cy="1308780"/>
               </a:xfrm>
             </p:grpSpPr>
             <p:grpSp>
               <p:nvGrpSpPr>
-                <p:cNvPr id="158" name="Group 157">
+                <p:cNvPr id="8" name="Group 7">
                   <a:extLst>
                     <a:ext uri="{FF2B5EF4-FFF2-40B4-BE49-F238E27FC236}">
-                      <a16:creationId xmlns:a16="http://schemas.microsoft.com/office/drawing/2014/main" id="{04B7F094-8FA7-51E2-0662-D55492870DD9}"/>
+                      <a16:creationId xmlns:a16="http://schemas.microsoft.com/office/drawing/2014/main" id="{31EFB860-07B8-D26B-9682-814E73610A76}"/>
                     </a:ext>
                   </a:extLst>
                 </p:cNvPr>
@@ -7044,16 +7917,16 @@
               </p:grpSpPr>
               <p:cxnSp>
                 <p:nvCxnSpPr>
-                  <p:cNvPr id="165" name="Straight Arrow Connector 164">
+                  <p:cNvPr id="15" name="Straight Arrow Connector 14">
                     <a:extLst>
                       <a:ext uri="{FF2B5EF4-FFF2-40B4-BE49-F238E27FC236}">
-                        <a16:creationId xmlns:a16="http://schemas.microsoft.com/office/drawing/2014/main" id="{62856C23-C35E-B067-9D2E-A94A71C09A7F}"/>
+                        <a16:creationId xmlns:a16="http://schemas.microsoft.com/office/drawing/2014/main" id="{50A635C0-6092-6BCD-4663-E02999092442}"/>
                       </a:ext>
                     </a:extLst>
                   </p:cNvPr>
                   <p:cNvCxnSpPr>
                     <a:cxnSpLocks/>
-                    <a:stCxn id="169" idx="1"/>
+                    <a:stCxn id="19" idx="1"/>
                   </p:cNvCxnSpPr>
                   <p:nvPr/>
                 </p:nvCxnSpPr>
@@ -7089,16 +7962,16 @@
               </p:cxnSp>
               <p:cxnSp>
                 <p:nvCxnSpPr>
-                  <p:cNvPr id="166" name="Straight Arrow Connector 165">
+                  <p:cNvPr id="16" name="Straight Arrow Connector 15">
                     <a:extLst>
                       <a:ext uri="{FF2B5EF4-FFF2-40B4-BE49-F238E27FC236}">
-                        <a16:creationId xmlns:a16="http://schemas.microsoft.com/office/drawing/2014/main" id="{B8EACFAA-35AB-A44B-2A04-5FC27D142CC0}"/>
+                        <a16:creationId xmlns:a16="http://schemas.microsoft.com/office/drawing/2014/main" id="{639D844D-CE5D-33BF-4012-90BAEA697D1F}"/>
                       </a:ext>
                     </a:extLst>
                   </p:cNvPr>
                   <p:cNvCxnSpPr>
                     <a:cxnSpLocks/>
-                    <a:stCxn id="169" idx="7"/>
+                    <a:stCxn id="19" idx="7"/>
                   </p:cNvCxnSpPr>
                   <p:nvPr/>
                 </p:nvCxnSpPr>
@@ -7136,10 +8009,10 @@
                 <mc:Choice Requires="a14">
                   <p:sp>
                     <p:nvSpPr>
-                      <p:cNvPr id="167" name="TextBox 166">
+                      <p:cNvPr id="17" name="TextBox 16">
                         <a:extLst>
                           <a:ext uri="{FF2B5EF4-FFF2-40B4-BE49-F238E27FC236}">
-                            <a16:creationId xmlns:a16="http://schemas.microsoft.com/office/drawing/2014/main" id="{85EAC646-670A-C859-B3E4-BD37ECC8984B}"/>
+                            <a16:creationId xmlns:a16="http://schemas.microsoft.com/office/drawing/2014/main" id="{1C56DD50-1688-CADC-8863-6022309EF802}"/>
                           </a:ext>
                         </a:extLst>
                       </p:cNvPr>
@@ -7254,10 +8127,10 @@
                 <mc:Choice Requires="a14">
                   <p:sp>
                     <p:nvSpPr>
-                      <p:cNvPr id="168" name="TextBox 167">
+                      <p:cNvPr id="18" name="TextBox 17">
                         <a:extLst>
                           <a:ext uri="{FF2B5EF4-FFF2-40B4-BE49-F238E27FC236}">
-                            <a16:creationId xmlns:a16="http://schemas.microsoft.com/office/drawing/2014/main" id="{756ABD92-7060-AFC0-478E-B70CD3BDF16A}"/>
+                            <a16:creationId xmlns:a16="http://schemas.microsoft.com/office/drawing/2014/main" id="{68BC67AC-47C2-BEF5-2A97-F7BA3B2058B4}"/>
                           </a:ext>
                         </a:extLst>
                       </p:cNvPr>
@@ -7355,10 +8228,10 @@
               </mc:AlternateContent>
               <p:sp>
                 <p:nvSpPr>
-                  <p:cNvPr id="169" name="Oval 168">
+                  <p:cNvPr id="19" name="Oval 18">
                     <a:extLst>
                       <a:ext uri="{FF2B5EF4-FFF2-40B4-BE49-F238E27FC236}">
-                        <a16:creationId xmlns:a16="http://schemas.microsoft.com/office/drawing/2014/main" id="{8C5CFEDD-76C6-419B-FAEC-D6B1F46DFB52}"/>
+                        <a16:creationId xmlns:a16="http://schemas.microsoft.com/office/drawing/2014/main" id="{5EA6A6F6-F683-D053-6F53-A14480D26B95}"/>
                       </a:ext>
                     </a:extLst>
                   </p:cNvPr>
@@ -7410,10 +8283,10 @@
             </p:grpSp>
             <p:sp>
               <p:nvSpPr>
-                <p:cNvPr id="159" name="Arc 158">
+                <p:cNvPr id="9" name="Arc 8">
                   <a:extLst>
                     <a:ext uri="{FF2B5EF4-FFF2-40B4-BE49-F238E27FC236}">
-                      <a16:creationId xmlns:a16="http://schemas.microsoft.com/office/drawing/2014/main" id="{CED595A1-CB2A-B8BB-B43C-5314FCF24269}"/>
+                      <a16:creationId xmlns:a16="http://schemas.microsoft.com/office/drawing/2014/main" id="{610D8C54-77E2-B7B0-B6CF-83D30B9644FE}"/>
                     </a:ext>
                   </a:extLst>
                 </p:cNvPr>
@@ -7470,10 +8343,10 @@
             </p:sp>
             <p:cxnSp>
               <p:nvCxnSpPr>
-                <p:cNvPr id="160" name="Straight Connector 159">
+                <p:cNvPr id="10" name="Straight Connector 9">
                   <a:extLst>
                     <a:ext uri="{FF2B5EF4-FFF2-40B4-BE49-F238E27FC236}">
-                      <a16:creationId xmlns:a16="http://schemas.microsoft.com/office/drawing/2014/main" id="{F132BABF-55E9-B23B-0276-B39EE6D85934}"/>
+                      <a16:creationId xmlns:a16="http://schemas.microsoft.com/office/drawing/2014/main" id="{C743BBC7-46FB-03FC-474B-2321C201F496}"/>
                     </a:ext>
                   </a:extLst>
                 </p:cNvPr>
@@ -7519,10 +8392,10 @@
               <mc:Choice Requires="a14">
                 <p:sp>
                   <p:nvSpPr>
-                    <p:cNvPr id="161" name="TextBox 160">
+                    <p:cNvPr id="11" name="TextBox 10">
                       <a:extLst>
                         <a:ext uri="{FF2B5EF4-FFF2-40B4-BE49-F238E27FC236}">
-                          <a16:creationId xmlns:a16="http://schemas.microsoft.com/office/drawing/2014/main" id="{3320162B-7BF1-52F7-216A-6559F11D4078}"/>
+                          <a16:creationId xmlns:a16="http://schemas.microsoft.com/office/drawing/2014/main" id="{AE2AB4DE-43DC-E4D9-F561-98A698DBBFCC}"/>
                         </a:ext>
                       </a:extLst>
                     </p:cNvPr>
@@ -7625,16 +8498,16 @@
             </mc:AlternateContent>
             <p:cxnSp>
               <p:nvCxnSpPr>
-                <p:cNvPr id="162" name="Straight Arrow Connector 161">
+                <p:cNvPr id="12" name="Straight Arrow Connector 11">
                   <a:extLst>
                     <a:ext uri="{FF2B5EF4-FFF2-40B4-BE49-F238E27FC236}">
-                      <a16:creationId xmlns:a16="http://schemas.microsoft.com/office/drawing/2014/main" id="{771F0AED-19E5-B64A-E331-67C08F82A192}"/>
+                      <a16:creationId xmlns:a16="http://schemas.microsoft.com/office/drawing/2014/main" id="{DE755CD3-99E5-8BF3-ABAB-1D5EA9FE28B6}"/>
                     </a:ext>
                   </a:extLst>
                 </p:cNvPr>
                 <p:cNvCxnSpPr>
                   <a:cxnSpLocks/>
-                  <a:stCxn id="169" idx="6"/>
+                  <a:stCxn id="19" idx="6"/>
                 </p:cNvCxnSpPr>
                 <p:nvPr/>
               </p:nvCxnSpPr>
@@ -7675,10 +8548,10 @@
               <mc:Choice Requires="a14">
                 <p:sp>
                   <p:nvSpPr>
-                    <p:cNvPr id="163" name="TextBox 162">
+                    <p:cNvPr id="13" name="TextBox 12">
                       <a:extLst>
                         <a:ext uri="{FF2B5EF4-FFF2-40B4-BE49-F238E27FC236}">
-                          <a16:creationId xmlns:a16="http://schemas.microsoft.com/office/drawing/2014/main" id="{390E8536-4999-6375-5194-7353854FFCAD}"/>
+                          <a16:creationId xmlns:a16="http://schemas.microsoft.com/office/drawing/2014/main" id="{743152CA-DBAD-3AF6-2197-69E7DFD43D6F}"/>
                         </a:ext>
                       </a:extLst>
                     </p:cNvPr>
@@ -7795,14 +8668,14 @@
                 </p:sp>
               </mc:Fallback>
             </mc:AlternateContent>
-            <mc:AlternateContent xmlns:mc="http://schemas.openxmlformats.org/markup-compatibility/2006" xmlns:a14="http://schemas.microsoft.com/office/drawing/2010/main">
-              <mc:Choice Requires="a14">
+            <mc:AlternateContent xmlns:mc="http://schemas.openxmlformats.org/markup-compatibility/2006">
+              <mc:Choice xmlns:a14="http://schemas.microsoft.com/office/drawing/2010/main" Requires="a14">
                 <p:sp>
                   <p:nvSpPr>
-                    <p:cNvPr id="164" name="TextBox 163">
+                    <p:cNvPr id="14" name="TextBox 13">
                       <a:extLst>
                         <a:ext uri="{FF2B5EF4-FFF2-40B4-BE49-F238E27FC236}">
-                          <a16:creationId xmlns:a16="http://schemas.microsoft.com/office/drawing/2014/main" id="{1A2C01E5-B093-23BB-736B-09885481450C}"/>
+                          <a16:creationId xmlns:a16="http://schemas.microsoft.com/office/drawing/2014/main" id="{11BE399F-AB41-B803-13F7-940535759584}"/>
                         </a:ext>
                       </a:extLst>
                     </p:cNvPr>
@@ -7811,8 +8684,8 @@
                   </p:nvSpPr>
                   <p:spPr>
                     <a:xfrm>
-                      <a:off x="8433815" y="3097160"/>
-                      <a:ext cx="1680071" cy="720454"/>
+                      <a:off x="8386183" y="3097160"/>
+                      <a:ext cx="1719828" cy="720454"/>
                     </a:xfrm>
                     <a:prstGeom prst="rect">
                       <a:avLst/>
@@ -7999,11 +8872,10 @@
                               </a:rPr>
                               <m:t>𝜶</m:t>
                             </m:r>
-                            <m:acc>
-                              <m:accPr>
-                                <m:chr m:val="̅"/>
+                            <m:sSup>
+                              <m:sSupPr>
                                 <m:ctrlPr>
-                                  <a:rPr lang="en-US" sz="1500" b="1" i="1">
+                                  <a:rPr lang="en-US" altLang="zh-CN" sz="1500" b="1" i="1" smtClean="0">
                                     <a:solidFill>
                                       <a:schemeClr val="tx2">
                                         <a:lumMod val="50000"/>
@@ -8012,10 +8884,40 @@
                                     <a:latin typeface="Cambria Math" panose="02040503050406030204" pitchFamily="18" charset="0"/>
                                   </a:rPr>
                                 </m:ctrlPr>
-                              </m:accPr>
+                              </m:sSupPr>
                               <m:e>
+                                <m:acc>
+                                  <m:accPr>
+                                    <m:chr m:val="̅"/>
+                                    <m:ctrlPr>
+                                      <a:rPr lang="en-US" sz="1500" b="1" i="1">
+                                        <a:solidFill>
+                                          <a:schemeClr val="tx2">
+                                            <a:lumMod val="50000"/>
+                                          </a:schemeClr>
+                                        </a:solidFill>
+                                        <a:latin typeface="Cambria Math" panose="02040503050406030204" pitchFamily="18" charset="0"/>
+                                      </a:rPr>
+                                    </m:ctrlPr>
+                                  </m:accPr>
+                                  <m:e>
+                                    <m:r>
+                                      <a:rPr lang="en-US" sz="1500" b="1" i="1">
+                                        <a:solidFill>
+                                          <a:schemeClr val="tx2">
+                                            <a:lumMod val="50000"/>
+                                          </a:schemeClr>
+                                        </a:solidFill>
+                                        <a:latin typeface="Cambria Math" panose="02040503050406030204" pitchFamily="18" charset="0"/>
+                                      </a:rPr>
+                                      <m:t>𝑨</m:t>
+                                    </m:r>
+                                  </m:e>
+                                </m:acc>
+                              </m:e>
+                              <m:sup>
                                 <m:r>
-                                  <a:rPr lang="en-US" sz="1500" b="1" i="1">
+                                  <a:rPr lang="en-US" sz="1500" i="1">
                                     <a:solidFill>
                                       <a:schemeClr val="tx2">
                                         <a:lumMod val="50000"/>
@@ -8023,10 +8925,10 @@
                                     </a:solidFill>
                                     <a:latin typeface="Cambria Math" panose="02040503050406030204" pitchFamily="18" charset="0"/>
                                   </a:rPr>
-                                  <m:t>𝑨</m:t>
+                                  <m:t>⊺</m:t>
                                 </m:r>
-                              </m:e>
-                            </m:acc>
+                              </m:sup>
+                            </m:sSup>
                           </m:oMath>
                         </m:oMathPara>
                       </a14:m>
@@ -8260,13 +9162,13 @@
                   </p:txBody>
                 </p:sp>
               </mc:Choice>
-              <mc:Fallback xmlns="">
+              <mc:Fallback>
                 <p:sp>
                   <p:nvSpPr>
-                    <p:cNvPr id="250" name="TextBox 249">
+                    <p:cNvPr id="14" name="TextBox 13">
                       <a:extLst>
                         <a:ext uri="{FF2B5EF4-FFF2-40B4-BE49-F238E27FC236}">
-                          <a16:creationId xmlns:a16="http://schemas.microsoft.com/office/drawing/2014/main" id="{12C9EF58-2DB4-7042-BD76-424E3AF0C292}"/>
+                          <a16:creationId xmlns:a16="http://schemas.microsoft.com/office/drawing/2014/main" id="{11BE399F-AB41-B803-13F7-940535759584}"/>
                         </a:ext>
                       </a:extLst>
                     </p:cNvPr>
@@ -8277,8 +9179,8 @@
                   </p:nvSpPr>
                   <p:spPr>
                     <a:xfrm>
-                      <a:off x="8433815" y="3097160"/>
-                      <a:ext cx="1680071" cy="720454"/>
+                      <a:off x="8386183" y="3097160"/>
+                      <a:ext cx="1719828" cy="720454"/>
                     </a:xfrm>
                     <a:prstGeom prst="rect">
                       <a:avLst/>
@@ -8286,7 +9188,7 @@
                     <a:blipFill>
                       <a:blip r:embed="rId12"/>
                       <a:stretch>
-                        <a:fillRect l="-3623" t="-83051" r="-44565" b="-167797"/>
+                        <a:fillRect l="-3901" t="-82353" r="-42908" b="-165546"/>
                       </a:stretch>
                     </a:blipFill>
                   </p:spPr>

--- a/images/cave.pptx
+++ b/images/cave.pptx
@@ -115,7 +115,7 @@
 <file path=ppt/revisionInfo.xml><?xml version="1.0" encoding="utf-8"?>
 <p1510:revInfo xmlns:a="http://schemas.openxmlformats.org/drawingml/2006/main" xmlns:r="http://schemas.openxmlformats.org/officeDocument/2006/relationships" xmlns:p1510="http://schemas.microsoft.com/office/powerpoint/2015/10/main">
   <p1510:revLst>
-    <p1510:client id="{43B9D06B-BAC4-47D9-AC6D-1EDE78BA2D20}" v="1" dt="2023-12-18T03:16:48.880"/>
+    <p1510:client id="{3BE4D848-BA37-48A2-9EC5-54C607BA4780}" v="30" dt="2024-03-15T03:06:36.231"/>
   </p1510:revLst>
 </p1510:revInfo>
 </file>
@@ -861,6 +861,606 @@
             <pc:docMk/>
             <pc:sldMk cId="705045716" sldId="256"/>
             <ac:cxnSpMk id="224" creationId="{A2EF4754-3E7B-26B6-8678-90EC4E6948E5}"/>
+          </ac:cxnSpMkLst>
+        </pc:cxnChg>
+      </pc:sldChg>
+    </pc:docChg>
+  </pc:docChgLst>
+  <pc:docChgLst>
+    <pc:chgData name="Bo Tang" userId="332dbdf67b1791cd" providerId="LiveId" clId="{3BE4D848-BA37-48A2-9EC5-54C607BA4780}"/>
+    <pc:docChg chg="undo custSel modSld">
+      <pc:chgData name="Bo Tang" userId="332dbdf67b1791cd" providerId="LiveId" clId="{3BE4D848-BA37-48A2-9EC5-54C607BA4780}" dt="2024-03-15T03:06:36.230" v="34"/>
+      <pc:docMkLst>
+        <pc:docMk/>
+      </pc:docMkLst>
+      <pc:sldChg chg="modSp mod">
+        <pc:chgData name="Bo Tang" userId="332dbdf67b1791cd" providerId="LiveId" clId="{3BE4D848-BA37-48A2-9EC5-54C607BA4780}" dt="2024-03-15T03:06:36.230" v="34"/>
+        <pc:sldMkLst>
+          <pc:docMk/>
+          <pc:sldMk cId="705045716" sldId="256"/>
+        </pc:sldMkLst>
+        <pc:spChg chg="mod">
+          <ac:chgData name="Bo Tang" userId="332dbdf67b1791cd" providerId="LiveId" clId="{3BE4D848-BA37-48A2-9EC5-54C607BA4780}" dt="2024-03-15T03:06:17.223" v="26"/>
+          <ac:spMkLst>
+            <pc:docMk/>
+            <pc:sldMk cId="705045716" sldId="256"/>
+            <ac:spMk id="9" creationId="{610D8C54-77E2-B7B0-B6CF-83D30B9644FE}"/>
+          </ac:spMkLst>
+        </pc:spChg>
+        <pc:spChg chg="mod">
+          <ac:chgData name="Bo Tang" userId="332dbdf67b1791cd" providerId="LiveId" clId="{3BE4D848-BA37-48A2-9EC5-54C607BA4780}" dt="2024-03-15T03:06:17.223" v="26"/>
+          <ac:spMkLst>
+            <pc:docMk/>
+            <pc:sldMk cId="705045716" sldId="256"/>
+            <ac:spMk id="11" creationId="{AE2AB4DE-43DC-E4D9-F561-98A698DBBFCC}"/>
+          </ac:spMkLst>
+        </pc:spChg>
+        <pc:spChg chg="mod">
+          <ac:chgData name="Bo Tang" userId="332dbdf67b1791cd" providerId="LiveId" clId="{3BE4D848-BA37-48A2-9EC5-54C607BA4780}" dt="2024-03-15T03:06:17.223" v="26"/>
+          <ac:spMkLst>
+            <pc:docMk/>
+            <pc:sldMk cId="705045716" sldId="256"/>
+            <ac:spMk id="13" creationId="{743152CA-DBAD-3AF6-2197-69E7DFD43D6F}"/>
+          </ac:spMkLst>
+        </pc:spChg>
+        <pc:spChg chg="mod">
+          <ac:chgData name="Bo Tang" userId="332dbdf67b1791cd" providerId="LiveId" clId="{3BE4D848-BA37-48A2-9EC5-54C607BA4780}" dt="2024-03-15T03:06:36.230" v="34"/>
+          <ac:spMkLst>
+            <pc:docMk/>
+            <pc:sldMk cId="705045716" sldId="256"/>
+            <ac:spMk id="14" creationId="{11BE399F-AB41-B803-13F7-940535759584}"/>
+          </ac:spMkLst>
+        </pc:spChg>
+        <pc:spChg chg="mod">
+          <ac:chgData name="Bo Tang" userId="332dbdf67b1791cd" providerId="LiveId" clId="{3BE4D848-BA37-48A2-9EC5-54C607BA4780}" dt="2024-03-15T03:06:17.223" v="26"/>
+          <ac:spMkLst>
+            <pc:docMk/>
+            <pc:sldMk cId="705045716" sldId="256"/>
+            <ac:spMk id="17" creationId="{1C56DD50-1688-CADC-8863-6022309EF802}"/>
+          </ac:spMkLst>
+        </pc:spChg>
+        <pc:spChg chg="mod">
+          <ac:chgData name="Bo Tang" userId="332dbdf67b1791cd" providerId="LiveId" clId="{3BE4D848-BA37-48A2-9EC5-54C607BA4780}" dt="2024-03-15T03:06:17.223" v="26"/>
+          <ac:spMkLst>
+            <pc:docMk/>
+            <pc:sldMk cId="705045716" sldId="256"/>
+            <ac:spMk id="18" creationId="{68BC67AC-47C2-BEF5-2A97-F7BA3B2058B4}"/>
+          </ac:spMkLst>
+        </pc:spChg>
+        <pc:spChg chg="mod">
+          <ac:chgData name="Bo Tang" userId="332dbdf67b1791cd" providerId="LiveId" clId="{3BE4D848-BA37-48A2-9EC5-54C607BA4780}" dt="2024-03-15T03:06:17.223" v="26"/>
+          <ac:spMkLst>
+            <pc:docMk/>
+            <pc:sldMk cId="705045716" sldId="256"/>
+            <ac:spMk id="19" creationId="{5EA6A6F6-F683-D053-6F53-A14480D26B95}"/>
+          </ac:spMkLst>
+        </pc:spChg>
+        <pc:spChg chg="mod">
+          <ac:chgData name="Bo Tang" userId="332dbdf67b1791cd" providerId="LiveId" clId="{3BE4D848-BA37-48A2-9EC5-54C607BA4780}" dt="2024-03-15T03:06:17.223" v="26"/>
+          <ac:spMkLst>
+            <pc:docMk/>
+            <pc:sldMk cId="705045716" sldId="256"/>
+            <ac:spMk id="20" creationId="{6744B06F-5840-19E1-791D-AC2A0D9F9E48}"/>
+          </ac:spMkLst>
+        </pc:spChg>
+        <pc:spChg chg="mod">
+          <ac:chgData name="Bo Tang" userId="332dbdf67b1791cd" providerId="LiveId" clId="{3BE4D848-BA37-48A2-9EC5-54C607BA4780}" dt="2024-03-15T03:06:17.223" v="26"/>
+          <ac:spMkLst>
+            <pc:docMk/>
+            <pc:sldMk cId="705045716" sldId="256"/>
+            <ac:spMk id="21" creationId="{3D628A90-69C2-7815-E8CB-4316867DD17B}"/>
+          </ac:spMkLst>
+        </pc:spChg>
+        <pc:spChg chg="mod">
+          <ac:chgData name="Bo Tang" userId="332dbdf67b1791cd" providerId="LiveId" clId="{3BE4D848-BA37-48A2-9EC5-54C607BA4780}" dt="2024-03-15T03:06:17.223" v="26"/>
+          <ac:spMkLst>
+            <pc:docMk/>
+            <pc:sldMk cId="705045716" sldId="256"/>
+            <ac:spMk id="22" creationId="{3CBFDA5C-B423-1334-FF32-3566D226E79D}"/>
+          </ac:spMkLst>
+        </pc:spChg>
+        <pc:spChg chg="mod">
+          <ac:chgData name="Bo Tang" userId="332dbdf67b1791cd" providerId="LiveId" clId="{3BE4D848-BA37-48A2-9EC5-54C607BA4780}" dt="2024-03-15T03:06:17.223" v="26"/>
+          <ac:spMkLst>
+            <pc:docMk/>
+            <pc:sldMk cId="705045716" sldId="256"/>
+            <ac:spMk id="25" creationId="{B6B2BBF9-214A-3EFD-9F86-272558A7446A}"/>
+          </ac:spMkLst>
+        </pc:spChg>
+        <pc:spChg chg="mod">
+          <ac:chgData name="Bo Tang" userId="332dbdf67b1791cd" providerId="LiveId" clId="{3BE4D848-BA37-48A2-9EC5-54C607BA4780}" dt="2024-03-15T03:06:17.223" v="26"/>
+          <ac:spMkLst>
+            <pc:docMk/>
+            <pc:sldMk cId="705045716" sldId="256"/>
+            <ac:spMk id="27" creationId="{63BB518E-C709-FF1C-1873-97C123D673FD}"/>
+          </ac:spMkLst>
+        </pc:spChg>
+        <pc:spChg chg="mod">
+          <ac:chgData name="Bo Tang" userId="332dbdf67b1791cd" providerId="LiveId" clId="{3BE4D848-BA37-48A2-9EC5-54C607BA4780}" dt="2024-03-15T03:06:17.223" v="26"/>
+          <ac:spMkLst>
+            <pc:docMk/>
+            <pc:sldMk cId="705045716" sldId="256"/>
+            <ac:spMk id="32" creationId="{B90074A9-9CD0-2076-44AC-DB58860FFCE3}"/>
+          </ac:spMkLst>
+        </pc:spChg>
+        <pc:spChg chg="mod">
+          <ac:chgData name="Bo Tang" userId="332dbdf67b1791cd" providerId="LiveId" clId="{3BE4D848-BA37-48A2-9EC5-54C607BA4780}" dt="2024-03-15T03:06:17.223" v="26"/>
+          <ac:spMkLst>
+            <pc:docMk/>
+            <pc:sldMk cId="705045716" sldId="256"/>
+            <ac:spMk id="34" creationId="{C97961F6-D58D-475B-DE42-82A98C5312CA}"/>
+          </ac:spMkLst>
+        </pc:spChg>
+        <pc:spChg chg="mod">
+          <ac:chgData name="Bo Tang" userId="332dbdf67b1791cd" providerId="LiveId" clId="{3BE4D848-BA37-48A2-9EC5-54C607BA4780}" dt="2024-03-15T03:06:17.223" v="26"/>
+          <ac:spMkLst>
+            <pc:docMk/>
+            <pc:sldMk cId="705045716" sldId="256"/>
+            <ac:spMk id="36" creationId="{2824B869-8F81-BADD-D21C-41EEEBAAE6A7}"/>
+          </ac:spMkLst>
+        </pc:spChg>
+        <pc:spChg chg="mod">
+          <ac:chgData name="Bo Tang" userId="332dbdf67b1791cd" providerId="LiveId" clId="{3BE4D848-BA37-48A2-9EC5-54C607BA4780}" dt="2024-03-15T03:06:17.223" v="26"/>
+          <ac:spMkLst>
+            <pc:docMk/>
+            <pc:sldMk cId="705045716" sldId="256"/>
+            <ac:spMk id="37" creationId="{C7C90D50-7CAA-A35E-FDC4-F1995FA86A1D}"/>
+          </ac:spMkLst>
+        </pc:spChg>
+        <pc:spChg chg="mod">
+          <ac:chgData name="Bo Tang" userId="332dbdf67b1791cd" providerId="LiveId" clId="{3BE4D848-BA37-48A2-9EC5-54C607BA4780}" dt="2024-03-15T03:06:17.223" v="26"/>
+          <ac:spMkLst>
+            <pc:docMk/>
+            <pc:sldMk cId="705045716" sldId="256"/>
+            <ac:spMk id="40" creationId="{E72106C5-66A2-19EC-55D2-C63589E611F2}"/>
+          </ac:spMkLst>
+        </pc:spChg>
+        <pc:spChg chg="mod">
+          <ac:chgData name="Bo Tang" userId="332dbdf67b1791cd" providerId="LiveId" clId="{3BE4D848-BA37-48A2-9EC5-54C607BA4780}" dt="2024-03-15T03:06:17.223" v="26"/>
+          <ac:spMkLst>
+            <pc:docMk/>
+            <pc:sldMk cId="705045716" sldId="256"/>
+            <ac:spMk id="41" creationId="{2A7C226C-9F49-9782-658B-181B3F9CE357}"/>
+          </ac:spMkLst>
+        </pc:spChg>
+        <pc:spChg chg="mod">
+          <ac:chgData name="Bo Tang" userId="332dbdf67b1791cd" providerId="LiveId" clId="{3BE4D848-BA37-48A2-9EC5-54C607BA4780}" dt="2024-03-15T03:06:17.223" v="26"/>
+          <ac:spMkLst>
+            <pc:docMk/>
+            <pc:sldMk cId="705045716" sldId="256"/>
+            <ac:spMk id="42" creationId="{8D4B40E5-B432-8334-586B-A4A9F678E1CC}"/>
+          </ac:spMkLst>
+        </pc:spChg>
+        <pc:spChg chg="mod">
+          <ac:chgData name="Bo Tang" userId="332dbdf67b1791cd" providerId="LiveId" clId="{3BE4D848-BA37-48A2-9EC5-54C607BA4780}" dt="2024-03-15T03:06:17.223" v="26"/>
+          <ac:spMkLst>
+            <pc:docMk/>
+            <pc:sldMk cId="705045716" sldId="256"/>
+            <ac:spMk id="43" creationId="{CBB41A7C-E9E2-48EC-8C76-6A212AD3F04E}"/>
+          </ac:spMkLst>
+        </pc:spChg>
+        <pc:spChg chg="mod">
+          <ac:chgData name="Bo Tang" userId="332dbdf67b1791cd" providerId="LiveId" clId="{3BE4D848-BA37-48A2-9EC5-54C607BA4780}" dt="2024-03-15T03:06:17.223" v="26"/>
+          <ac:spMkLst>
+            <pc:docMk/>
+            <pc:sldMk cId="705045716" sldId="256"/>
+            <ac:spMk id="44" creationId="{8DCF4CFE-131E-4261-9473-E16E1D4444F3}"/>
+          </ac:spMkLst>
+        </pc:spChg>
+        <pc:spChg chg="mod">
+          <ac:chgData name="Bo Tang" userId="332dbdf67b1791cd" providerId="LiveId" clId="{3BE4D848-BA37-48A2-9EC5-54C607BA4780}" dt="2024-03-15T03:06:17.223" v="26"/>
+          <ac:spMkLst>
+            <pc:docMk/>
+            <pc:sldMk cId="705045716" sldId="256"/>
+            <ac:spMk id="47" creationId="{A1D5E03F-8D00-C44E-FD96-084173FD2748}"/>
+          </ac:spMkLst>
+        </pc:spChg>
+        <pc:spChg chg="mod">
+          <ac:chgData name="Bo Tang" userId="332dbdf67b1791cd" providerId="LiveId" clId="{3BE4D848-BA37-48A2-9EC5-54C607BA4780}" dt="2024-03-15T03:06:17.223" v="26"/>
+          <ac:spMkLst>
+            <pc:docMk/>
+            <pc:sldMk cId="705045716" sldId="256"/>
+            <ac:spMk id="48" creationId="{8DDBAEEA-2D45-D5C8-2DE6-06F8ABEEBBB3}"/>
+          </ac:spMkLst>
+        </pc:spChg>
+        <pc:spChg chg="mod">
+          <ac:chgData name="Bo Tang" userId="332dbdf67b1791cd" providerId="LiveId" clId="{3BE4D848-BA37-48A2-9EC5-54C607BA4780}" dt="2024-03-15T03:06:17.223" v="26"/>
+          <ac:spMkLst>
+            <pc:docMk/>
+            <pc:sldMk cId="705045716" sldId="256"/>
+            <ac:spMk id="50" creationId="{FA3CB2CA-86AE-22D0-0E96-612D72E7AC2B}"/>
+          </ac:spMkLst>
+        </pc:spChg>
+        <pc:spChg chg="mod">
+          <ac:chgData name="Bo Tang" userId="332dbdf67b1791cd" providerId="LiveId" clId="{3BE4D848-BA37-48A2-9EC5-54C607BA4780}" dt="2024-03-15T03:06:17.223" v="26"/>
+          <ac:spMkLst>
+            <pc:docMk/>
+            <pc:sldMk cId="705045716" sldId="256"/>
+            <ac:spMk id="51" creationId="{DA8091EB-647C-0340-4A18-AE41B1EE14AC}"/>
+          </ac:spMkLst>
+        </pc:spChg>
+        <pc:spChg chg="mod">
+          <ac:chgData name="Bo Tang" userId="332dbdf67b1791cd" providerId="LiveId" clId="{3BE4D848-BA37-48A2-9EC5-54C607BA4780}" dt="2024-03-15T03:06:17.223" v="26"/>
+          <ac:spMkLst>
+            <pc:docMk/>
+            <pc:sldMk cId="705045716" sldId="256"/>
+            <ac:spMk id="56" creationId="{3D5D58E4-A237-1203-90C4-D5F05AB3A352}"/>
+          </ac:spMkLst>
+        </pc:spChg>
+        <pc:spChg chg="mod">
+          <ac:chgData name="Bo Tang" userId="332dbdf67b1791cd" providerId="LiveId" clId="{3BE4D848-BA37-48A2-9EC5-54C607BA4780}" dt="2024-03-15T03:06:17.223" v="26"/>
+          <ac:spMkLst>
+            <pc:docMk/>
+            <pc:sldMk cId="705045716" sldId="256"/>
+            <ac:spMk id="58" creationId="{DFC3AB61-9423-17E6-F8B0-61CCA5115CB2}"/>
+          </ac:spMkLst>
+        </pc:spChg>
+        <pc:spChg chg="mod">
+          <ac:chgData name="Bo Tang" userId="332dbdf67b1791cd" providerId="LiveId" clId="{3BE4D848-BA37-48A2-9EC5-54C607BA4780}" dt="2024-03-15T03:06:17.223" v="26"/>
+          <ac:spMkLst>
+            <pc:docMk/>
+            <pc:sldMk cId="705045716" sldId="256"/>
+            <ac:spMk id="60" creationId="{B6047F01-C3D4-D276-D0F1-CE086F4CA4CA}"/>
+          </ac:spMkLst>
+        </pc:spChg>
+        <pc:spChg chg="mod">
+          <ac:chgData name="Bo Tang" userId="332dbdf67b1791cd" providerId="LiveId" clId="{3BE4D848-BA37-48A2-9EC5-54C607BA4780}" dt="2024-03-15T03:06:17.223" v="26"/>
+          <ac:spMkLst>
+            <pc:docMk/>
+            <pc:sldMk cId="705045716" sldId="256"/>
+            <ac:spMk id="61" creationId="{1D59B948-45E8-87BF-E1E4-0DAC44060CE7}"/>
+          </ac:spMkLst>
+        </pc:spChg>
+        <pc:spChg chg="mod">
+          <ac:chgData name="Bo Tang" userId="332dbdf67b1791cd" providerId="LiveId" clId="{3BE4D848-BA37-48A2-9EC5-54C607BA4780}" dt="2024-03-15T03:06:17.223" v="26"/>
+          <ac:spMkLst>
+            <pc:docMk/>
+            <pc:sldMk cId="705045716" sldId="256"/>
+            <ac:spMk id="128" creationId="{561382E0-8FBE-E4B7-215A-34034086A25B}"/>
+          </ac:spMkLst>
+        </pc:spChg>
+        <pc:spChg chg="mod">
+          <ac:chgData name="Bo Tang" userId="332dbdf67b1791cd" providerId="LiveId" clId="{3BE4D848-BA37-48A2-9EC5-54C607BA4780}" dt="2024-03-15T03:06:17.223" v="26"/>
+          <ac:spMkLst>
+            <pc:docMk/>
+            <pc:sldMk cId="705045716" sldId="256"/>
+            <ac:spMk id="129" creationId="{1940C7E6-948C-27F9-111F-09E0360864C2}"/>
+          </ac:spMkLst>
+        </pc:spChg>
+        <pc:spChg chg="mod">
+          <ac:chgData name="Bo Tang" userId="332dbdf67b1791cd" providerId="LiveId" clId="{3BE4D848-BA37-48A2-9EC5-54C607BA4780}" dt="2024-03-15T03:06:17.223" v="26"/>
+          <ac:spMkLst>
+            <pc:docMk/>
+            <pc:sldMk cId="705045716" sldId="256"/>
+            <ac:spMk id="130" creationId="{097E8164-5B29-2D08-00E5-ACA263C30830}"/>
+          </ac:spMkLst>
+        </pc:spChg>
+        <pc:spChg chg="mod">
+          <ac:chgData name="Bo Tang" userId="332dbdf67b1791cd" providerId="LiveId" clId="{3BE4D848-BA37-48A2-9EC5-54C607BA4780}" dt="2024-03-15T03:06:17.223" v="26"/>
+          <ac:spMkLst>
+            <pc:docMk/>
+            <pc:sldMk cId="705045716" sldId="256"/>
+            <ac:spMk id="131" creationId="{509E7198-8CAE-BCCA-95F9-CAC29C7405B9}"/>
+          </ac:spMkLst>
+        </pc:spChg>
+        <pc:spChg chg="mod">
+          <ac:chgData name="Bo Tang" userId="332dbdf67b1791cd" providerId="LiveId" clId="{3BE4D848-BA37-48A2-9EC5-54C607BA4780}" dt="2024-03-15T03:06:17.223" v="26"/>
+          <ac:spMkLst>
+            <pc:docMk/>
+            <pc:sldMk cId="705045716" sldId="256"/>
+            <ac:spMk id="132" creationId="{D30C79EE-213E-4B47-B442-238BCCCD3DC7}"/>
+          </ac:spMkLst>
+        </pc:spChg>
+        <pc:spChg chg="mod">
+          <ac:chgData name="Bo Tang" userId="332dbdf67b1791cd" providerId="LiveId" clId="{3BE4D848-BA37-48A2-9EC5-54C607BA4780}" dt="2024-03-15T03:06:17.223" v="26"/>
+          <ac:spMkLst>
+            <pc:docMk/>
+            <pc:sldMk cId="705045716" sldId="256"/>
+            <ac:spMk id="135" creationId="{293A448D-87F5-1D27-DCA6-78513353A266}"/>
+          </ac:spMkLst>
+        </pc:spChg>
+        <pc:spChg chg="mod">
+          <ac:chgData name="Bo Tang" userId="332dbdf67b1791cd" providerId="LiveId" clId="{3BE4D848-BA37-48A2-9EC5-54C607BA4780}" dt="2024-03-15T03:06:17.223" v="26"/>
+          <ac:spMkLst>
+            <pc:docMk/>
+            <pc:sldMk cId="705045716" sldId="256"/>
+            <ac:spMk id="137" creationId="{8DDFFEF9-02F7-51F5-F744-D5C3E3BBE486}"/>
+          </ac:spMkLst>
+        </pc:spChg>
+        <pc:grpChg chg="mod">
+          <ac:chgData name="Bo Tang" userId="332dbdf67b1791cd" providerId="LiveId" clId="{3BE4D848-BA37-48A2-9EC5-54C607BA4780}" dt="2024-03-15T03:06:17.223" v="26"/>
+          <ac:grpSpMkLst>
+            <pc:docMk/>
+            <pc:sldMk cId="705045716" sldId="256"/>
+            <ac:grpSpMk id="2" creationId="{EDAD3C9D-BD59-CC04-5752-4A6E13F05959}"/>
+          </ac:grpSpMkLst>
+        </pc:grpChg>
+        <pc:grpChg chg="mod">
+          <ac:chgData name="Bo Tang" userId="332dbdf67b1791cd" providerId="LiveId" clId="{3BE4D848-BA37-48A2-9EC5-54C607BA4780}" dt="2024-03-15T03:06:17.223" v="26"/>
+          <ac:grpSpMkLst>
+            <pc:docMk/>
+            <pc:sldMk cId="705045716" sldId="256"/>
+            <ac:grpSpMk id="3" creationId="{D6CD25EC-F284-466F-AE61-F3550718350D}"/>
+          </ac:grpSpMkLst>
+        </pc:grpChg>
+        <pc:grpChg chg="mod">
+          <ac:chgData name="Bo Tang" userId="332dbdf67b1791cd" providerId="LiveId" clId="{3BE4D848-BA37-48A2-9EC5-54C607BA4780}" dt="2024-03-15T03:06:17.223" v="26"/>
+          <ac:grpSpMkLst>
+            <pc:docMk/>
+            <pc:sldMk cId="705045716" sldId="256"/>
+            <ac:grpSpMk id="4" creationId="{EDF37ABC-BB3B-AA23-E092-614F773B25ED}"/>
+          </ac:grpSpMkLst>
+        </pc:grpChg>
+        <pc:grpChg chg="mod">
+          <ac:chgData name="Bo Tang" userId="332dbdf67b1791cd" providerId="LiveId" clId="{3BE4D848-BA37-48A2-9EC5-54C607BA4780}" dt="2024-03-15T03:06:17.223" v="26"/>
+          <ac:grpSpMkLst>
+            <pc:docMk/>
+            <pc:sldMk cId="705045716" sldId="256"/>
+            <ac:grpSpMk id="5" creationId="{85F943E6-45C8-3830-BBAC-1CDCCCCBA869}"/>
+          </ac:grpSpMkLst>
+        </pc:grpChg>
+        <pc:grpChg chg="mod">
+          <ac:chgData name="Bo Tang" userId="332dbdf67b1791cd" providerId="LiveId" clId="{3BE4D848-BA37-48A2-9EC5-54C607BA4780}" dt="2024-03-15T03:06:17.223" v="26"/>
+          <ac:grpSpMkLst>
+            <pc:docMk/>
+            <pc:sldMk cId="705045716" sldId="256"/>
+            <ac:grpSpMk id="6" creationId="{50B3D593-3FFC-9E7D-8B8D-F609A07DBEA0}"/>
+          </ac:grpSpMkLst>
+        </pc:grpChg>
+        <pc:grpChg chg="mod">
+          <ac:chgData name="Bo Tang" userId="332dbdf67b1791cd" providerId="LiveId" clId="{3BE4D848-BA37-48A2-9EC5-54C607BA4780}" dt="2024-03-15T03:06:17.223" v="26"/>
+          <ac:grpSpMkLst>
+            <pc:docMk/>
+            <pc:sldMk cId="705045716" sldId="256"/>
+            <ac:grpSpMk id="7" creationId="{8B37E18C-0BCD-6E26-D29F-292CE78F4DA5}"/>
+          </ac:grpSpMkLst>
+        </pc:grpChg>
+        <pc:grpChg chg="mod">
+          <ac:chgData name="Bo Tang" userId="332dbdf67b1791cd" providerId="LiveId" clId="{3BE4D848-BA37-48A2-9EC5-54C607BA4780}" dt="2024-03-15T03:06:17.223" v="26"/>
+          <ac:grpSpMkLst>
+            <pc:docMk/>
+            <pc:sldMk cId="705045716" sldId="256"/>
+            <ac:grpSpMk id="8" creationId="{31EFB860-07B8-D26B-9682-814E73610A76}"/>
+          </ac:grpSpMkLst>
+        </pc:grpChg>
+        <pc:grpChg chg="mod">
+          <ac:chgData name="Bo Tang" userId="332dbdf67b1791cd" providerId="LiveId" clId="{3BE4D848-BA37-48A2-9EC5-54C607BA4780}" dt="2024-03-15T03:06:17.223" v="26"/>
+          <ac:grpSpMkLst>
+            <pc:docMk/>
+            <pc:sldMk cId="705045716" sldId="256"/>
+            <ac:grpSpMk id="29" creationId="{E415ECC9-F7F6-0BB2-7267-92FE79FCC05F}"/>
+          </ac:grpSpMkLst>
+        </pc:grpChg>
+        <pc:grpChg chg="mod">
+          <ac:chgData name="Bo Tang" userId="332dbdf67b1791cd" providerId="LiveId" clId="{3BE4D848-BA37-48A2-9EC5-54C607BA4780}" dt="2024-03-15T03:06:17.223" v="26"/>
+          <ac:grpSpMkLst>
+            <pc:docMk/>
+            <pc:sldMk cId="705045716" sldId="256"/>
+            <ac:grpSpMk id="30" creationId="{A103BFF0-A149-C865-361A-413E43683036}"/>
+          </ac:grpSpMkLst>
+        </pc:grpChg>
+        <pc:grpChg chg="mod">
+          <ac:chgData name="Bo Tang" userId="332dbdf67b1791cd" providerId="LiveId" clId="{3BE4D848-BA37-48A2-9EC5-54C607BA4780}" dt="2024-03-15T03:06:17.223" v="26"/>
+          <ac:grpSpMkLst>
+            <pc:docMk/>
+            <pc:sldMk cId="705045716" sldId="256"/>
+            <ac:grpSpMk id="31" creationId="{F16B49CD-9216-0C1C-7100-A77407208C30}"/>
+          </ac:grpSpMkLst>
+        </pc:grpChg>
+        <pc:grpChg chg="mod">
+          <ac:chgData name="Bo Tang" userId="332dbdf67b1791cd" providerId="LiveId" clId="{3BE4D848-BA37-48A2-9EC5-54C607BA4780}" dt="2024-03-15T03:06:17.223" v="26"/>
+          <ac:grpSpMkLst>
+            <pc:docMk/>
+            <pc:sldMk cId="705045716" sldId="256"/>
+            <ac:grpSpMk id="33" creationId="{ECB7F3A5-C3D0-373A-91C0-6B3E48774AC1}"/>
+          </ac:grpSpMkLst>
+        </pc:grpChg>
+        <pc:grpChg chg="mod">
+          <ac:chgData name="Bo Tang" userId="332dbdf67b1791cd" providerId="LiveId" clId="{3BE4D848-BA37-48A2-9EC5-54C607BA4780}" dt="2024-03-15T03:06:17.223" v="26"/>
+          <ac:grpSpMkLst>
+            <pc:docMk/>
+            <pc:sldMk cId="705045716" sldId="256"/>
+            <ac:grpSpMk id="53" creationId="{C3071335-231F-0772-AA50-368BE7038F2B}"/>
+          </ac:grpSpMkLst>
+        </pc:grpChg>
+        <pc:grpChg chg="mod">
+          <ac:chgData name="Bo Tang" userId="332dbdf67b1791cd" providerId="LiveId" clId="{3BE4D848-BA37-48A2-9EC5-54C607BA4780}" dt="2024-03-15T03:06:17.223" v="26"/>
+          <ac:grpSpMkLst>
+            <pc:docMk/>
+            <pc:sldMk cId="705045716" sldId="256"/>
+            <ac:grpSpMk id="54" creationId="{33586044-F86C-0EDD-1E74-B7F7DC644901}"/>
+          </ac:grpSpMkLst>
+        </pc:grpChg>
+        <pc:grpChg chg="mod">
+          <ac:chgData name="Bo Tang" userId="332dbdf67b1791cd" providerId="LiveId" clId="{3BE4D848-BA37-48A2-9EC5-54C607BA4780}" dt="2024-03-15T03:06:17.223" v="26"/>
+          <ac:grpSpMkLst>
+            <pc:docMk/>
+            <pc:sldMk cId="705045716" sldId="256"/>
+            <ac:grpSpMk id="55" creationId="{223C82F0-F762-D8AD-4E9C-00D3022ADAE5}"/>
+          </ac:grpSpMkLst>
+        </pc:grpChg>
+        <pc:grpChg chg="mod">
+          <ac:chgData name="Bo Tang" userId="332dbdf67b1791cd" providerId="LiveId" clId="{3BE4D848-BA37-48A2-9EC5-54C607BA4780}" dt="2024-03-15T03:06:17.223" v="26"/>
+          <ac:grpSpMkLst>
+            <pc:docMk/>
+            <pc:sldMk cId="705045716" sldId="256"/>
+            <ac:grpSpMk id="57" creationId="{64C3DFA0-5B16-193E-988C-A3AFBD4317D3}"/>
+          </ac:grpSpMkLst>
+        </pc:grpChg>
+        <pc:cxnChg chg="mod">
+          <ac:chgData name="Bo Tang" userId="332dbdf67b1791cd" providerId="LiveId" clId="{3BE4D848-BA37-48A2-9EC5-54C607BA4780}" dt="2024-03-15T03:06:17.223" v="26"/>
+          <ac:cxnSpMkLst>
+            <pc:docMk/>
+            <pc:sldMk cId="705045716" sldId="256"/>
+            <ac:cxnSpMk id="10" creationId="{C743BBC7-46FB-03FC-474B-2321C201F496}"/>
+          </ac:cxnSpMkLst>
+        </pc:cxnChg>
+        <pc:cxnChg chg="mod">
+          <ac:chgData name="Bo Tang" userId="332dbdf67b1791cd" providerId="LiveId" clId="{3BE4D848-BA37-48A2-9EC5-54C607BA4780}" dt="2024-03-15T03:06:17.223" v="26"/>
+          <ac:cxnSpMkLst>
+            <pc:docMk/>
+            <pc:sldMk cId="705045716" sldId="256"/>
+            <ac:cxnSpMk id="12" creationId="{DE755CD3-99E5-8BF3-ABAB-1D5EA9FE28B6}"/>
+          </ac:cxnSpMkLst>
+        </pc:cxnChg>
+        <pc:cxnChg chg="mod">
+          <ac:chgData name="Bo Tang" userId="332dbdf67b1791cd" providerId="LiveId" clId="{3BE4D848-BA37-48A2-9EC5-54C607BA4780}" dt="2024-03-15T03:06:17.223" v="26"/>
+          <ac:cxnSpMkLst>
+            <pc:docMk/>
+            <pc:sldMk cId="705045716" sldId="256"/>
+            <ac:cxnSpMk id="15" creationId="{50A635C0-6092-6BCD-4663-E02999092442}"/>
+          </ac:cxnSpMkLst>
+        </pc:cxnChg>
+        <pc:cxnChg chg="mod">
+          <ac:chgData name="Bo Tang" userId="332dbdf67b1791cd" providerId="LiveId" clId="{3BE4D848-BA37-48A2-9EC5-54C607BA4780}" dt="2024-03-15T03:06:17.223" v="26"/>
+          <ac:cxnSpMkLst>
+            <pc:docMk/>
+            <pc:sldMk cId="705045716" sldId="256"/>
+            <ac:cxnSpMk id="16" creationId="{639D844D-CE5D-33BF-4012-90BAEA697D1F}"/>
+          </ac:cxnSpMkLst>
+        </pc:cxnChg>
+        <pc:cxnChg chg="mod">
+          <ac:chgData name="Bo Tang" userId="332dbdf67b1791cd" providerId="LiveId" clId="{3BE4D848-BA37-48A2-9EC5-54C607BA4780}" dt="2024-03-15T03:06:17.223" v="26"/>
+          <ac:cxnSpMkLst>
+            <pc:docMk/>
+            <pc:sldMk cId="705045716" sldId="256"/>
+            <ac:cxnSpMk id="23" creationId="{EE221429-7411-B5EB-4F32-740A7D846912}"/>
+          </ac:cxnSpMkLst>
+        </pc:cxnChg>
+        <pc:cxnChg chg="mod">
+          <ac:chgData name="Bo Tang" userId="332dbdf67b1791cd" providerId="LiveId" clId="{3BE4D848-BA37-48A2-9EC5-54C607BA4780}" dt="2024-03-15T03:06:17.223" v="26"/>
+          <ac:cxnSpMkLst>
+            <pc:docMk/>
+            <pc:sldMk cId="705045716" sldId="256"/>
+            <ac:cxnSpMk id="24" creationId="{86EBDAF1-363D-66FC-47E6-7B842DC7A78F}"/>
+          </ac:cxnSpMkLst>
+        </pc:cxnChg>
+        <pc:cxnChg chg="mod">
+          <ac:chgData name="Bo Tang" userId="332dbdf67b1791cd" providerId="LiveId" clId="{3BE4D848-BA37-48A2-9EC5-54C607BA4780}" dt="2024-03-15T03:06:17.223" v="26"/>
+          <ac:cxnSpMkLst>
+            <pc:docMk/>
+            <pc:sldMk cId="705045716" sldId="256"/>
+            <ac:cxnSpMk id="26" creationId="{30BD5EF0-08C6-A862-2146-B098F3AEA4C4}"/>
+          </ac:cxnSpMkLst>
+        </pc:cxnChg>
+        <pc:cxnChg chg="mod">
+          <ac:chgData name="Bo Tang" userId="332dbdf67b1791cd" providerId="LiveId" clId="{3BE4D848-BA37-48A2-9EC5-54C607BA4780}" dt="2024-03-15T03:06:17.223" v="26"/>
+          <ac:cxnSpMkLst>
+            <pc:docMk/>
+            <pc:sldMk cId="705045716" sldId="256"/>
+            <ac:cxnSpMk id="28" creationId="{857638C2-A885-A37E-3001-40ED44188536}"/>
+          </ac:cxnSpMkLst>
+        </pc:cxnChg>
+        <pc:cxnChg chg="mod">
+          <ac:chgData name="Bo Tang" userId="332dbdf67b1791cd" providerId="LiveId" clId="{3BE4D848-BA37-48A2-9EC5-54C607BA4780}" dt="2024-03-15T03:06:17.223" v="26"/>
+          <ac:cxnSpMkLst>
+            <pc:docMk/>
+            <pc:sldMk cId="705045716" sldId="256"/>
+            <ac:cxnSpMk id="35" creationId="{858D5991-06B3-633A-99D9-2A267B29474F}"/>
+          </ac:cxnSpMkLst>
+        </pc:cxnChg>
+        <pc:cxnChg chg="mod">
+          <ac:chgData name="Bo Tang" userId="332dbdf67b1791cd" providerId="LiveId" clId="{3BE4D848-BA37-48A2-9EC5-54C607BA4780}" dt="2024-03-15T03:06:17.223" v="26"/>
+          <ac:cxnSpMkLst>
+            <pc:docMk/>
+            <pc:sldMk cId="705045716" sldId="256"/>
+            <ac:cxnSpMk id="38" creationId="{C3C0E0A6-A748-5FE0-E374-0F797C561731}"/>
+          </ac:cxnSpMkLst>
+        </pc:cxnChg>
+        <pc:cxnChg chg="mod">
+          <ac:chgData name="Bo Tang" userId="332dbdf67b1791cd" providerId="LiveId" clId="{3BE4D848-BA37-48A2-9EC5-54C607BA4780}" dt="2024-03-15T03:06:17.223" v="26"/>
+          <ac:cxnSpMkLst>
+            <pc:docMk/>
+            <pc:sldMk cId="705045716" sldId="256"/>
+            <ac:cxnSpMk id="39" creationId="{D6335D9A-1507-8CD8-B322-2A766BDA369D}"/>
+          </ac:cxnSpMkLst>
+        </pc:cxnChg>
+        <pc:cxnChg chg="mod">
+          <ac:chgData name="Bo Tang" userId="332dbdf67b1791cd" providerId="LiveId" clId="{3BE4D848-BA37-48A2-9EC5-54C607BA4780}" dt="2024-03-15T03:06:17.223" v="26"/>
+          <ac:cxnSpMkLst>
+            <pc:docMk/>
+            <pc:sldMk cId="705045716" sldId="256"/>
+            <ac:cxnSpMk id="45" creationId="{E24EF42D-EFD6-F724-328E-48566CC6CA88}"/>
+          </ac:cxnSpMkLst>
+        </pc:cxnChg>
+        <pc:cxnChg chg="mod">
+          <ac:chgData name="Bo Tang" userId="332dbdf67b1791cd" providerId="LiveId" clId="{3BE4D848-BA37-48A2-9EC5-54C607BA4780}" dt="2024-03-15T03:06:17.223" v="26"/>
+          <ac:cxnSpMkLst>
+            <pc:docMk/>
+            <pc:sldMk cId="705045716" sldId="256"/>
+            <ac:cxnSpMk id="46" creationId="{941A49EF-587A-EA4A-C5CA-0B3E4289B01E}"/>
+          </ac:cxnSpMkLst>
+        </pc:cxnChg>
+        <pc:cxnChg chg="mod">
+          <ac:chgData name="Bo Tang" userId="332dbdf67b1791cd" providerId="LiveId" clId="{3BE4D848-BA37-48A2-9EC5-54C607BA4780}" dt="2024-03-15T03:06:17.223" v="26"/>
+          <ac:cxnSpMkLst>
+            <pc:docMk/>
+            <pc:sldMk cId="705045716" sldId="256"/>
+            <ac:cxnSpMk id="49" creationId="{A0CF99B9-2517-3BE2-9F7F-35F25454EA7B}"/>
+          </ac:cxnSpMkLst>
+        </pc:cxnChg>
+        <pc:cxnChg chg="mod">
+          <ac:chgData name="Bo Tang" userId="332dbdf67b1791cd" providerId="LiveId" clId="{3BE4D848-BA37-48A2-9EC5-54C607BA4780}" dt="2024-03-15T03:06:17.223" v="26"/>
+          <ac:cxnSpMkLst>
+            <pc:docMk/>
+            <pc:sldMk cId="705045716" sldId="256"/>
+            <ac:cxnSpMk id="52" creationId="{F7A25D6E-9585-1E3F-67FE-D7AE9C80FE51}"/>
+          </ac:cxnSpMkLst>
+        </pc:cxnChg>
+        <pc:cxnChg chg="mod">
+          <ac:chgData name="Bo Tang" userId="332dbdf67b1791cd" providerId="LiveId" clId="{3BE4D848-BA37-48A2-9EC5-54C607BA4780}" dt="2024-03-15T03:06:17.223" v="26"/>
+          <ac:cxnSpMkLst>
+            <pc:docMk/>
+            <pc:sldMk cId="705045716" sldId="256"/>
+            <ac:cxnSpMk id="59" creationId="{52987DA7-29F5-5C16-E2D6-C228F363ECB2}"/>
+          </ac:cxnSpMkLst>
+        </pc:cxnChg>
+        <pc:cxnChg chg="mod">
+          <ac:chgData name="Bo Tang" userId="332dbdf67b1791cd" providerId="LiveId" clId="{3BE4D848-BA37-48A2-9EC5-54C607BA4780}" dt="2024-03-15T03:06:17.223" v="26"/>
+          <ac:cxnSpMkLst>
+            <pc:docMk/>
+            <pc:sldMk cId="705045716" sldId="256"/>
+            <ac:cxnSpMk id="62" creationId="{D38F90A1-A123-53E1-6F09-5775C7D5E022}"/>
+          </ac:cxnSpMkLst>
+        </pc:cxnChg>
+        <pc:cxnChg chg="mod">
+          <ac:chgData name="Bo Tang" userId="332dbdf67b1791cd" providerId="LiveId" clId="{3BE4D848-BA37-48A2-9EC5-54C607BA4780}" dt="2024-03-15T03:06:17.223" v="26"/>
+          <ac:cxnSpMkLst>
+            <pc:docMk/>
+            <pc:sldMk cId="705045716" sldId="256"/>
+            <ac:cxnSpMk id="63" creationId="{4DCED4F5-D262-B086-C371-C226BEE2F4A7}"/>
+          </ac:cxnSpMkLst>
+        </pc:cxnChg>
+        <pc:cxnChg chg="mod">
+          <ac:chgData name="Bo Tang" userId="332dbdf67b1791cd" providerId="LiveId" clId="{3BE4D848-BA37-48A2-9EC5-54C607BA4780}" dt="2024-03-15T03:06:17.223" v="26"/>
+          <ac:cxnSpMkLst>
+            <pc:docMk/>
+            <pc:sldMk cId="705045716" sldId="256"/>
+            <ac:cxnSpMk id="133" creationId="{04619840-23AF-52D9-F876-406584E64FA6}"/>
+          </ac:cxnSpMkLst>
+        </pc:cxnChg>
+        <pc:cxnChg chg="mod">
+          <ac:chgData name="Bo Tang" userId="332dbdf67b1791cd" providerId="LiveId" clId="{3BE4D848-BA37-48A2-9EC5-54C607BA4780}" dt="2024-03-15T03:06:17.223" v="26"/>
+          <ac:cxnSpMkLst>
+            <pc:docMk/>
+            <pc:sldMk cId="705045716" sldId="256"/>
+            <ac:cxnSpMk id="134" creationId="{3157D09A-F29D-BB4A-57FE-1A560DCD42D3}"/>
+          </ac:cxnSpMkLst>
+        </pc:cxnChg>
+        <pc:cxnChg chg="mod">
+          <ac:chgData name="Bo Tang" userId="332dbdf67b1791cd" providerId="LiveId" clId="{3BE4D848-BA37-48A2-9EC5-54C607BA4780}" dt="2024-03-15T03:06:17.223" v="26"/>
+          <ac:cxnSpMkLst>
+            <pc:docMk/>
+            <pc:sldMk cId="705045716" sldId="256"/>
+            <ac:cxnSpMk id="136" creationId="{F60849A9-66C3-F743-8B39-4B557EF4B45C}"/>
+          </ac:cxnSpMkLst>
+        </pc:cxnChg>
+        <pc:cxnChg chg="mod">
+          <ac:chgData name="Bo Tang" userId="332dbdf67b1791cd" providerId="LiveId" clId="{3BE4D848-BA37-48A2-9EC5-54C607BA4780}" dt="2024-03-15T03:06:17.223" v="26"/>
+          <ac:cxnSpMkLst>
+            <pc:docMk/>
+            <pc:sldMk cId="705045716" sldId="256"/>
+            <ac:cxnSpMk id="138" creationId="{682EA2F7-ADED-3714-7981-500CB7535562}"/>
           </ac:cxnSpMkLst>
         </pc:cxnChg>
       </pc:sldChg>
@@ -1000,7 +1600,7 @@
           <a:p>
             <a:fld id="{0B04F3FB-EDA5-4822-9BA5-D8877646BC90}" type="datetimeFigureOut">
               <a:rPr lang="en-US" smtClean="0"/>
-              <a:t>12/17/2023</a:t>
+              <a:t>2024-03-14</a:t>
             </a:fld>
             <a:endParaRPr lang="en-US"/>
           </a:p>
@@ -1170,7 +1770,7 @@
           <a:p>
             <a:fld id="{0B04F3FB-EDA5-4822-9BA5-D8877646BC90}" type="datetimeFigureOut">
               <a:rPr lang="en-US" smtClean="0"/>
-              <a:t>12/17/2023</a:t>
+              <a:t>2024-03-14</a:t>
             </a:fld>
             <a:endParaRPr lang="en-US"/>
           </a:p>
@@ -1350,7 +1950,7 @@
           <a:p>
             <a:fld id="{0B04F3FB-EDA5-4822-9BA5-D8877646BC90}" type="datetimeFigureOut">
               <a:rPr lang="en-US" smtClean="0"/>
-              <a:t>12/17/2023</a:t>
+              <a:t>2024-03-14</a:t>
             </a:fld>
             <a:endParaRPr lang="en-US"/>
           </a:p>
@@ -1520,7 +2120,7 @@
           <a:p>
             <a:fld id="{0B04F3FB-EDA5-4822-9BA5-D8877646BC90}" type="datetimeFigureOut">
               <a:rPr lang="en-US" smtClean="0"/>
-              <a:t>12/17/2023</a:t>
+              <a:t>2024-03-14</a:t>
             </a:fld>
             <a:endParaRPr lang="en-US"/>
           </a:p>
@@ -1766,7 +2366,7 @@
           <a:p>
             <a:fld id="{0B04F3FB-EDA5-4822-9BA5-D8877646BC90}" type="datetimeFigureOut">
               <a:rPr lang="en-US" smtClean="0"/>
-              <a:t>12/17/2023</a:t>
+              <a:t>2024-03-14</a:t>
             </a:fld>
             <a:endParaRPr lang="en-US"/>
           </a:p>
@@ -1998,7 +2598,7 @@
           <a:p>
             <a:fld id="{0B04F3FB-EDA5-4822-9BA5-D8877646BC90}" type="datetimeFigureOut">
               <a:rPr lang="en-US" smtClean="0"/>
-              <a:t>12/17/2023</a:t>
+              <a:t>2024-03-14</a:t>
             </a:fld>
             <a:endParaRPr lang="en-US"/>
           </a:p>
@@ -2365,7 +2965,7 @@
           <a:p>
             <a:fld id="{0B04F3FB-EDA5-4822-9BA5-D8877646BC90}" type="datetimeFigureOut">
               <a:rPr lang="en-US" smtClean="0"/>
-              <a:t>12/17/2023</a:t>
+              <a:t>2024-03-14</a:t>
             </a:fld>
             <a:endParaRPr lang="en-US"/>
           </a:p>
@@ -2483,7 +3083,7 @@
           <a:p>
             <a:fld id="{0B04F3FB-EDA5-4822-9BA5-D8877646BC90}" type="datetimeFigureOut">
               <a:rPr lang="en-US" smtClean="0"/>
-              <a:t>12/17/2023</a:t>
+              <a:t>2024-03-14</a:t>
             </a:fld>
             <a:endParaRPr lang="en-US"/>
           </a:p>
@@ -2578,7 +3178,7 @@
           <a:p>
             <a:fld id="{0B04F3FB-EDA5-4822-9BA5-D8877646BC90}" type="datetimeFigureOut">
               <a:rPr lang="en-US" smtClean="0"/>
-              <a:t>12/17/2023</a:t>
+              <a:t>2024-03-14</a:t>
             </a:fld>
             <a:endParaRPr lang="en-US"/>
           </a:p>
@@ -2855,7 +3455,7 @@
           <a:p>
             <a:fld id="{0B04F3FB-EDA5-4822-9BA5-D8877646BC90}" type="datetimeFigureOut">
               <a:rPr lang="en-US" smtClean="0"/>
-              <a:t>12/17/2023</a:t>
+              <a:t>2024-03-14</a:t>
             </a:fld>
             <a:endParaRPr lang="en-US"/>
           </a:p>
@@ -3112,7 +3712,7 @@
           <a:p>
             <a:fld id="{0B04F3FB-EDA5-4822-9BA5-D8877646BC90}" type="datetimeFigureOut">
               <a:rPr lang="en-US" smtClean="0"/>
-              <a:t>12/17/2023</a:t>
+              <a:t>2024-03-14</a:t>
             </a:fld>
             <a:endParaRPr lang="en-US"/>
           </a:p>
@@ -3325,7 +3925,7 @@
           <a:p>
             <a:fld id="{0B04F3FB-EDA5-4822-9BA5-D8877646BC90}" type="datetimeFigureOut">
               <a:rPr lang="en-US" smtClean="0"/>
-              <a:t>12/17/2023</a:t>
+              <a:t>2024-03-14</a:t>
             </a:fld>
             <a:endParaRPr lang="en-US"/>
           </a:p>
@@ -3765,9 +4365,9 @@
           <p:grpSpPr>
             <a:xfrm>
               <a:off x="369760" y="190377"/>
-              <a:ext cx="2109001" cy="2364937"/>
+              <a:ext cx="2276757" cy="2364937"/>
               <a:chOff x="3040351" y="3103168"/>
-              <a:chExt cx="2109001" cy="2364937"/>
+              <a:chExt cx="2276757" cy="2364937"/>
             </a:xfrm>
           </p:grpSpPr>
           <p:grpSp>
@@ -4277,10 +4877,10 @@
             </p:nvGrpSpPr>
             <p:grpSpPr>
               <a:xfrm>
-                <a:off x="3222021" y="3103168"/>
-                <a:ext cx="1927331" cy="1268498"/>
-                <a:chOff x="3222021" y="3103168"/>
-                <a:chExt cx="1927331" cy="1268498"/>
+                <a:off x="3101592" y="3103168"/>
+                <a:ext cx="2215516" cy="1268498"/>
+                <a:chOff x="3101592" y="3103168"/>
+                <a:chExt cx="2215516" cy="1268498"/>
               </a:xfrm>
             </p:grpSpPr>
             <p:grpSp>
@@ -4899,8 +5499,8 @@
                 </mc:Fallback>
               </mc:AlternateContent>
             </p:grpSp>
-            <mc:AlternateContent xmlns:mc="http://schemas.openxmlformats.org/markup-compatibility/2006">
-              <mc:Choice xmlns:a14="http://schemas.microsoft.com/office/drawing/2010/main" Requires="a14">
+            <mc:AlternateContent xmlns:mc="http://schemas.openxmlformats.org/markup-compatibility/2006" xmlns:a14="http://schemas.microsoft.com/office/drawing/2010/main">
+              <mc:Choice Requires="a14">
                 <p:sp>
                   <p:nvSpPr>
                     <p:cNvPr id="56" name="TextBox 55">
@@ -4915,8 +5515,8 @@
                   </p:nvSpPr>
                   <p:spPr>
                     <a:xfrm>
-                      <a:off x="3222021" y="3103168"/>
-                      <a:ext cx="1927331" cy="641651"/>
+                      <a:off x="3101592" y="3103168"/>
+                      <a:ext cx="2215516" cy="641651"/>
                     </a:xfrm>
                     <a:prstGeom prst="rect">
                       <a:avLst/>
@@ -4939,7 +5539,7 @@
                             <m:sSub>
                               <m:sSubPr>
                                 <m:ctrlPr>
-                                  <a:rPr lang="en-US" sz="1500" i="1">
+                                  <a:rPr lang="en-US" sz="1500" i="1" smtClean="0">
                                     <a:solidFill>
                                       <a:schemeClr val="tx2">
                                         <a:lumMod val="50000"/>
@@ -5048,6 +5648,35 @@
                                     </m:r>
                                   </m:e>
                                 </m:acc>
+                                <m:d>
+                                  <m:dPr>
+                                    <m:ctrlPr>
+                                      <a:rPr lang="en-US" sz="1500" b="1" i="1" smtClean="0">
+                                        <a:solidFill>
+                                          <a:schemeClr val="tx2">
+                                            <a:lumMod val="50000"/>
+                                          </a:schemeClr>
+                                        </a:solidFill>
+                                        <a:latin typeface="Cambria Math" panose="02040503050406030204" pitchFamily="18" charset="0"/>
+                                        <a:ea typeface="Cambria Math" panose="02040503050406030204" pitchFamily="18" charset="0"/>
+                                      </a:rPr>
+                                    </m:ctrlPr>
+                                  </m:dPr>
+                                  <m:e>
+                                    <m:r>
+                                      <a:rPr lang="en-US" sz="1500" b="1" i="1" smtClean="0">
+                                        <a:solidFill>
+                                          <a:schemeClr val="tx2">
+                                            <a:lumMod val="50000"/>
+                                          </a:schemeClr>
+                                        </a:solidFill>
+                                        <a:latin typeface="Cambria Math" panose="02040503050406030204" pitchFamily="18" charset="0"/>
+                                        <a:ea typeface="Cambria Math" panose="02040503050406030204" pitchFamily="18" charset="0"/>
+                                      </a:rPr>
+                                      <m:t>𝒄</m:t>
+                                    </m:r>
+                                  </m:e>
+                                </m:d>
                               </m:e>
                               <m:sup>
                                 <m:r>
@@ -5334,6 +5963,35 @@
                                                 </m:r>
                                               </m:e>
                                             </m:acc>
+                                            <m:d>
+                                              <m:dPr>
+                                                <m:ctrlPr>
+                                                  <a:rPr lang="en-US" sz="1500" b="1" i="1">
+                                                    <a:solidFill>
+                                                      <a:schemeClr val="tx2">
+                                                        <a:lumMod val="50000"/>
+                                                      </a:schemeClr>
+                                                    </a:solidFill>
+                                                    <a:latin typeface="Cambria Math" panose="02040503050406030204" pitchFamily="18" charset="0"/>
+                                                    <a:ea typeface="Cambria Math" panose="02040503050406030204" pitchFamily="18" charset="0"/>
+                                                  </a:rPr>
+                                                </m:ctrlPr>
+                                              </m:dPr>
+                                              <m:e>
+                                                <m:r>
+                                                  <a:rPr lang="en-US" sz="1500" b="1" i="1">
+                                                    <a:solidFill>
+                                                      <a:schemeClr val="tx2">
+                                                        <a:lumMod val="50000"/>
+                                                      </a:schemeClr>
+                                                    </a:solidFill>
+                                                    <a:latin typeface="Cambria Math" panose="02040503050406030204" pitchFamily="18" charset="0"/>
+                                                    <a:ea typeface="Cambria Math" panose="02040503050406030204" pitchFamily="18" charset="0"/>
+                                                  </a:rPr>
+                                                  <m:t>𝒄</m:t>
+                                                </m:r>
+                                              </m:e>
+                                            </m:d>
                                           </m:e>
                                           <m:sup>
                                             <m:r>
@@ -5433,7 +6091,7 @@
                   </p:txBody>
                 </p:sp>
               </mc:Choice>
-              <mc:Fallback>
+              <mc:Fallback xmlns="">
                 <p:sp>
                   <p:nvSpPr>
                     <p:cNvPr id="56" name="TextBox 55">
@@ -5450,8 +6108,8 @@
                   </p:nvSpPr>
                   <p:spPr>
                     <a:xfrm>
-                      <a:off x="3222021" y="3103168"/>
-                      <a:ext cx="1927331" cy="641651"/>
+                      <a:off x="3101592" y="3103168"/>
+                      <a:ext cx="2215516" cy="641651"/>
                     </a:xfrm>
                     <a:prstGeom prst="rect">
                       <a:avLst/>
@@ -5459,7 +6117,7 @@
                     <a:blipFill>
                       <a:blip r:embed="rId5"/>
                       <a:stretch>
-                        <a:fillRect l="-3797" t="-5714" r="-6013" b="-6667"/>
+                        <a:fillRect l="-2204" t="-5714" r="-4959" b="-6667"/>
                       </a:stretch>
                     </a:blipFill>
                   </p:spPr>
@@ -5494,10 +6152,10 @@
           </p:nvGrpSpPr>
           <p:grpSpPr>
             <a:xfrm>
-              <a:off x="3153996" y="190376"/>
-              <a:ext cx="2274315" cy="2368140"/>
-              <a:chOff x="5599049" y="3103167"/>
-              <a:chExt cx="2274315" cy="2368140"/>
+              <a:off x="3067921" y="190376"/>
+              <a:ext cx="2498504" cy="2368140"/>
+              <a:chOff x="5512974" y="3103167"/>
+              <a:chExt cx="2498504" cy="2368140"/>
             </a:xfrm>
           </p:grpSpPr>
           <p:grpSp>
@@ -6130,10 +6788,10 @@
             </p:nvGrpSpPr>
             <p:grpSpPr>
               <a:xfrm>
-                <a:off x="5636291" y="3103167"/>
-                <a:ext cx="2237073" cy="1268493"/>
-                <a:chOff x="5636291" y="3103167"/>
-                <a:chExt cx="2237073" cy="1268493"/>
+                <a:off x="5512974" y="3103167"/>
+                <a:ext cx="2498504" cy="1268493"/>
+                <a:chOff x="5512974" y="3103167"/>
+                <a:chExt cx="2498504" cy="1268493"/>
               </a:xfrm>
             </p:grpSpPr>
             <p:grpSp>
@@ -6753,8 +7411,8 @@
                 </mc:Fallback>
               </mc:AlternateContent>
             </p:grpSp>
-            <mc:AlternateContent xmlns:mc="http://schemas.openxmlformats.org/markup-compatibility/2006">
-              <mc:Choice xmlns:a14="http://schemas.microsoft.com/office/drawing/2010/main" Requires="a14">
+            <mc:AlternateContent xmlns:mc="http://schemas.openxmlformats.org/markup-compatibility/2006" xmlns:a14="http://schemas.microsoft.com/office/drawing/2010/main">
+              <mc:Choice Requires="a14">
                 <p:sp>
                   <p:nvSpPr>
                     <p:cNvPr id="32" name="TextBox 31">
@@ -6769,8 +7427,8 @@
                   </p:nvSpPr>
                   <p:spPr>
                     <a:xfrm>
-                      <a:off x="5636291" y="3103167"/>
-                      <a:ext cx="2237073" cy="641651"/>
+                      <a:off x="5512974" y="3103167"/>
+                      <a:ext cx="2498504" cy="641651"/>
                     </a:xfrm>
                     <a:prstGeom prst="rect">
                       <a:avLst/>
@@ -6902,6 +7560,35 @@
                                     </m:r>
                                   </m:e>
                                 </m:acc>
+                                <m:d>
+                                  <m:dPr>
+                                    <m:ctrlPr>
+                                      <a:rPr lang="en-US" sz="1500" b="1" i="1">
+                                        <a:solidFill>
+                                          <a:schemeClr val="tx2">
+                                            <a:lumMod val="50000"/>
+                                          </a:schemeClr>
+                                        </a:solidFill>
+                                        <a:latin typeface="Cambria Math" panose="02040503050406030204" pitchFamily="18" charset="0"/>
+                                        <a:ea typeface="Cambria Math" panose="02040503050406030204" pitchFamily="18" charset="0"/>
+                                      </a:rPr>
+                                    </m:ctrlPr>
+                                  </m:dPr>
+                                  <m:e>
+                                    <m:r>
+                                      <a:rPr lang="en-US" sz="1500" b="1" i="1">
+                                        <a:solidFill>
+                                          <a:schemeClr val="tx2">
+                                            <a:lumMod val="50000"/>
+                                          </a:schemeClr>
+                                        </a:solidFill>
+                                        <a:latin typeface="Cambria Math" panose="02040503050406030204" pitchFamily="18" charset="0"/>
+                                        <a:ea typeface="Cambria Math" panose="02040503050406030204" pitchFamily="18" charset="0"/>
+                                      </a:rPr>
+                                      <m:t>𝒄</m:t>
+                                    </m:r>
+                                  </m:e>
+                                </m:d>
                               </m:e>
                               <m:sup>
                                 <m:r>
@@ -7216,6 +7903,35 @@
                                                 </m:r>
                                               </m:e>
                                             </m:acc>
+                                            <m:d>
+                                              <m:dPr>
+                                                <m:ctrlPr>
+                                                  <a:rPr lang="en-US" sz="1500" b="1" i="1">
+                                                    <a:solidFill>
+                                                      <a:schemeClr val="tx2">
+                                                        <a:lumMod val="50000"/>
+                                                      </a:schemeClr>
+                                                    </a:solidFill>
+                                                    <a:latin typeface="Cambria Math" panose="02040503050406030204" pitchFamily="18" charset="0"/>
+                                                    <a:ea typeface="Cambria Math" panose="02040503050406030204" pitchFamily="18" charset="0"/>
+                                                  </a:rPr>
+                                                </m:ctrlPr>
+                                              </m:dPr>
+                                              <m:e>
+                                                <m:r>
+                                                  <a:rPr lang="en-US" sz="1500" b="1" i="1">
+                                                    <a:solidFill>
+                                                      <a:schemeClr val="tx2">
+                                                        <a:lumMod val="50000"/>
+                                                      </a:schemeClr>
+                                                    </a:solidFill>
+                                                    <a:latin typeface="Cambria Math" panose="02040503050406030204" pitchFamily="18" charset="0"/>
+                                                    <a:ea typeface="Cambria Math" panose="02040503050406030204" pitchFamily="18" charset="0"/>
+                                                  </a:rPr>
+                                                  <m:t>𝒄</m:t>
+                                                </m:r>
+                                              </m:e>
+                                            </m:d>
                                           </m:e>
                                           <m:sup>
                                             <m:r>
@@ -7315,7 +8031,7 @@
                   </p:txBody>
                 </p:sp>
               </mc:Choice>
-              <mc:Fallback>
+              <mc:Fallback xmlns="">
                 <p:sp>
                   <p:nvSpPr>
                     <p:cNvPr id="32" name="TextBox 31">
@@ -7332,8 +8048,8 @@
                   </p:nvSpPr>
                   <p:spPr>
                     <a:xfrm>
-                      <a:off x="5636291" y="3103167"/>
-                      <a:ext cx="2237073" cy="641651"/>
+                      <a:off x="5512974" y="3103167"/>
+                      <a:ext cx="2498504" cy="641651"/>
                     </a:xfrm>
                     <a:prstGeom prst="rect">
                       <a:avLst/>
@@ -7341,7 +8057,7 @@
                     <a:blipFill>
                       <a:blip r:embed="rId9"/>
                       <a:stretch>
-                        <a:fillRect l="-2997" t="-5714" r="-4632" b="-6667"/>
+                        <a:fillRect l="-2445" t="-5714" r="-4401" b="-6667"/>
                       </a:stretch>
                     </a:blipFill>
                   </p:spPr>
@@ -7889,10 +8605,10 @@
             </p:nvGrpSpPr>
             <p:grpSpPr>
               <a:xfrm>
-                <a:off x="8386183" y="3097160"/>
-                <a:ext cx="1828938" cy="1308780"/>
-                <a:chOff x="8386183" y="3097160"/>
-                <a:chExt cx="1828938" cy="1308780"/>
+                <a:off x="8253874" y="3097160"/>
+                <a:ext cx="1984445" cy="1308780"/>
+                <a:chOff x="8253874" y="3097160"/>
+                <a:chExt cx="1984445" cy="1308780"/>
               </a:xfrm>
             </p:grpSpPr>
             <p:grpSp>
@@ -8684,8 +9400,8 @@
                   </p:nvSpPr>
                   <p:spPr>
                     <a:xfrm>
-                      <a:off x="8386183" y="3097160"/>
-                      <a:ext cx="1719828" cy="720454"/>
+                      <a:off x="8253874" y="3097160"/>
+                      <a:ext cx="1984445" cy="748795"/>
                     </a:xfrm>
                     <a:prstGeom prst="rect">
                       <a:avLst/>
@@ -8708,7 +9424,7 @@
                             <m:sSub>
                               <m:sSubPr>
                                 <m:ctrlPr>
-                                  <a:rPr lang="en-US" sz="1500" i="1">
+                                  <a:rPr lang="en-US" sz="1500" i="1" smtClean="0">
                                     <a:solidFill>
                                       <a:schemeClr val="tx2">
                                         <a:lumMod val="50000"/>
@@ -8914,6 +9630,35 @@
                                     </m:r>
                                   </m:e>
                                 </m:acc>
+                                <m:d>
+                                  <m:dPr>
+                                    <m:ctrlPr>
+                                      <a:rPr lang="en-US" sz="1500" b="1" i="1">
+                                        <a:solidFill>
+                                          <a:schemeClr val="tx2">
+                                            <a:lumMod val="50000"/>
+                                          </a:schemeClr>
+                                        </a:solidFill>
+                                        <a:latin typeface="Cambria Math" panose="02040503050406030204" pitchFamily="18" charset="0"/>
+                                        <a:ea typeface="Cambria Math" panose="02040503050406030204" pitchFamily="18" charset="0"/>
+                                      </a:rPr>
+                                    </m:ctrlPr>
+                                  </m:dPr>
+                                  <m:e>
+                                    <m:r>
+                                      <a:rPr lang="en-US" sz="1500" b="1" i="1">
+                                        <a:solidFill>
+                                          <a:schemeClr val="tx2">
+                                            <a:lumMod val="50000"/>
+                                          </a:schemeClr>
+                                        </a:solidFill>
+                                        <a:latin typeface="Cambria Math" panose="02040503050406030204" pitchFamily="18" charset="0"/>
+                                        <a:ea typeface="Cambria Math" panose="02040503050406030204" pitchFamily="18" charset="0"/>
+                                      </a:rPr>
+                                      <m:t>𝒄</m:t>
+                                    </m:r>
+                                  </m:e>
+                                </m:d>
                               </m:e>
                               <m:sup>
                                 <m:r>
@@ -8953,7 +9698,7 @@
                               <m:accPr>
                                 <m:chr m:val="̅"/>
                                 <m:ctrlPr>
-                                  <a:rPr lang="en-US" sz="1500" b="1" i="1">
+                                  <a:rPr lang="en-US" sz="1500" b="1" i="1" smtClean="0">
                                     <a:solidFill>
                                       <a:schemeClr val="tx2">
                                         <a:lumMod val="50000"/>
@@ -8965,7 +9710,7 @@
                               </m:accPr>
                               <m:e>
                                 <m:r>
-                                  <a:rPr lang="en-US" sz="1500" b="1" i="1">
+                                  <a:rPr lang="en-US" sz="1500" b="1" i="1" smtClean="0">
                                     <a:solidFill>
                                       <a:schemeClr val="tx2">
                                         <a:lumMod val="50000"/>
@@ -8977,6 +9722,35 @@
                                 </m:r>
                               </m:e>
                             </m:acc>
+                            <m:d>
+                              <m:dPr>
+                                <m:ctrlPr>
+                                  <a:rPr lang="en-US" sz="1500" b="1" i="1">
+                                    <a:solidFill>
+                                      <a:schemeClr val="tx2">
+                                        <a:lumMod val="50000"/>
+                                      </a:schemeClr>
+                                    </a:solidFill>
+                                    <a:latin typeface="Cambria Math" panose="02040503050406030204" pitchFamily="18" charset="0"/>
+                                    <a:ea typeface="Cambria Math" panose="02040503050406030204" pitchFamily="18" charset="0"/>
+                                  </a:rPr>
+                                </m:ctrlPr>
+                              </m:dPr>
+                              <m:e>
+                                <m:r>
+                                  <a:rPr lang="en-US" sz="1500" b="1" i="1">
+                                    <a:solidFill>
+                                      <a:schemeClr val="tx2">
+                                        <a:lumMod val="50000"/>
+                                      </a:schemeClr>
+                                    </a:solidFill>
+                                    <a:latin typeface="Cambria Math" panose="02040503050406030204" pitchFamily="18" charset="0"/>
+                                    <a:ea typeface="Cambria Math" panose="02040503050406030204" pitchFamily="18" charset="0"/>
+                                  </a:rPr>
+                                  <m:t>𝒄</m:t>
+                                </m:r>
+                              </m:e>
+                            </m:d>
                             <m:r>
                               <a:rPr lang="en-US" sz="1500" b="1" i="1">
                                 <a:solidFill>
@@ -8991,13 +9765,14 @@
                             <m:f>
                               <m:fPr>
                                 <m:ctrlPr>
-                                  <a:rPr lang="en-US" sz="1500" i="1">
+                                  <a:rPr lang="en-US" sz="1500" b="1" i="1">
                                     <a:solidFill>
                                       <a:schemeClr val="tx2">
                                         <a:lumMod val="50000"/>
                                       </a:schemeClr>
                                     </a:solidFill>
                                     <a:latin typeface="Cambria Math" panose="02040503050406030204" pitchFamily="18" charset="0"/>
+                                    <a:ea typeface="Cambria Math" panose="02040503050406030204" pitchFamily="18" charset="0"/>
                                   </a:rPr>
                                 </m:ctrlPr>
                               </m:fPr>
@@ -9016,9 +9791,6 @@
                               </m:num>
                               <m:den>
                                 <m:r>
-                                  <m:rPr>
-                                    <m:sty m:val="p"/>
-                                  </m:rPr>
                                   <a:rPr lang="en-US" altLang="zh-CN" sz="1500" i="1">
                                     <a:solidFill>
                                       <a:schemeClr val="tx2">
@@ -9027,7 +9799,7 @@
                                     </a:solidFill>
                                     <a:latin typeface="Cambria Math" panose="02040503050406030204" pitchFamily="18" charset="0"/>
                                   </a:rPr>
-                                  <m:t>m</m:t>
+                                  <m:t>𝑚</m:t>
                                 </m:r>
                               </m:den>
                             </m:f>
@@ -9036,7 +9808,7 @@
                                 <m:chr m:val="∑"/>
                                 <m:limLoc m:val="subSup"/>
                                 <m:ctrlPr>
-                                  <a:rPr lang="en-US" sz="1500" i="1">
+                                  <a:rPr lang="en-US" altLang="zh-CN" sz="1500" i="1">
                                     <a:solidFill>
                                       <a:schemeClr val="tx2">
                                         <a:lumMod val="50000"/>
@@ -9070,12 +9842,23 @@
                                     </a:solidFill>
                                     <a:latin typeface="Cambria Math" panose="02040503050406030204" pitchFamily="18" charset="0"/>
                                   </a:rPr>
-                                  <m:t>=1</m:t>
+                                  <m:t>=</m:t>
+                                </m:r>
+                                <m:r>
+                                  <a:rPr lang="en-US" sz="1500" i="1" smtClean="0">
+                                    <a:solidFill>
+                                      <a:schemeClr val="tx2">
+                                        <a:lumMod val="50000"/>
+                                      </a:schemeClr>
+                                    </a:solidFill>
+                                    <a:latin typeface="Cambria Math" panose="02040503050406030204" pitchFamily="18" charset="0"/>
+                                  </a:rPr>
+                                  <m:t>1</m:t>
                                 </m:r>
                               </m:sub>
                               <m:sup>
                                 <m:r>
-                                  <a:rPr lang="en-US" sz="1500" i="1">
+                                  <a:rPr lang="en-US" sz="1500" b="0" i="1" smtClean="0">
                                     <a:solidFill>
                                       <a:schemeClr val="tx2">
                                         <a:lumMod val="50000"/>
@@ -9090,13 +9873,14 @@
                                 <m:sSub>
                                   <m:sSubPr>
                                     <m:ctrlPr>
-                                      <a:rPr lang="en-US" sz="1500" b="1" i="1">
+                                      <a:rPr lang="en-US" sz="1500" b="1" i="1" smtClean="0">
                                         <a:solidFill>
                                           <a:schemeClr val="tx2">
                                             <a:lumMod val="50000"/>
                                           </a:schemeClr>
                                         </a:solidFill>
                                         <a:latin typeface="Cambria Math" panose="02040503050406030204" pitchFamily="18" charset="0"/>
+                                        <a:ea typeface="Cambria Math" panose="02040503050406030204" pitchFamily="18" charset="0"/>
                                       </a:rPr>
                                     </m:ctrlPr>
                                   </m:sSubPr>
@@ -9146,6 +9930,35 @@
                                     </m:r>
                                   </m:sub>
                                 </m:sSub>
+                                <m:d>
+                                  <m:dPr>
+                                    <m:ctrlPr>
+                                      <a:rPr lang="en-US" sz="1500" b="1" i="1">
+                                        <a:solidFill>
+                                          <a:schemeClr val="tx2">
+                                            <a:lumMod val="50000"/>
+                                          </a:schemeClr>
+                                        </a:solidFill>
+                                        <a:latin typeface="Cambria Math" panose="02040503050406030204" pitchFamily="18" charset="0"/>
+                                        <a:ea typeface="Cambria Math" panose="02040503050406030204" pitchFamily="18" charset="0"/>
+                                      </a:rPr>
+                                    </m:ctrlPr>
+                                  </m:dPr>
+                                  <m:e>
+                                    <m:r>
+                                      <a:rPr lang="en-US" sz="1500" b="1" i="1">
+                                        <a:solidFill>
+                                          <a:schemeClr val="tx2">
+                                            <a:lumMod val="50000"/>
+                                          </a:schemeClr>
+                                        </a:solidFill>
+                                        <a:latin typeface="Cambria Math" panose="02040503050406030204" pitchFamily="18" charset="0"/>
+                                        <a:ea typeface="Cambria Math" panose="02040503050406030204" pitchFamily="18" charset="0"/>
+                                      </a:rPr>
+                                      <m:t>𝒄</m:t>
+                                    </m:r>
+                                  </m:e>
+                                </m:d>
                               </m:e>
                             </m:nary>
                           </m:oMath>
@@ -9179,8 +9992,8 @@
                   </p:nvSpPr>
                   <p:spPr>
                     <a:xfrm>
-                      <a:off x="8386183" y="3097160"/>
-                      <a:ext cx="1719828" cy="720454"/>
+                      <a:off x="8253874" y="3097160"/>
+                      <a:ext cx="1984445" cy="748795"/>
                     </a:xfrm>
                     <a:prstGeom prst="rect">
                       <a:avLst/>
@@ -9188,7 +10001,7 @@
                     <a:blipFill>
                       <a:blip r:embed="rId12"/>
                       <a:stretch>
-                        <a:fillRect l="-3901" t="-82353" r="-42908" b="-165546"/>
+                        <a:fillRect l="-3385" t="-79675" r="-30462" b="-156911"/>
                       </a:stretch>
                     </a:blipFill>
                   </p:spPr>

--- a/images/cave.pptx
+++ b/images/cave.pptx
@@ -115,7 +115,7 @@
 <file path=ppt/revisionInfo.xml><?xml version="1.0" encoding="utf-8"?>
 <p1510:revInfo xmlns:a="http://schemas.openxmlformats.org/drawingml/2006/main" xmlns:r="http://schemas.openxmlformats.org/officeDocument/2006/relationships" xmlns:p1510="http://schemas.microsoft.com/office/powerpoint/2015/10/main">
   <p1510:revLst>
-    <p1510:client id="{3BE4D848-BA37-48A2-9EC5-54C607BA4780}" v="30" dt="2024-03-15T03:06:36.231"/>
+    <p1510:client id="{3BE4D848-BA37-48A2-9EC5-54C607BA4780}" v="44" dt="2024-03-15T03:19:53.932"/>
   </p1510:revLst>
 </p1510:revInfo>
 </file>
@@ -869,18 +869,18 @@
   <pc:docChgLst>
     <pc:chgData name="Bo Tang" userId="332dbdf67b1791cd" providerId="LiveId" clId="{3BE4D848-BA37-48A2-9EC5-54C607BA4780}"/>
     <pc:docChg chg="undo custSel modSld">
-      <pc:chgData name="Bo Tang" userId="332dbdf67b1791cd" providerId="LiveId" clId="{3BE4D848-BA37-48A2-9EC5-54C607BA4780}" dt="2024-03-15T03:06:36.230" v="34"/>
+      <pc:chgData name="Bo Tang" userId="332dbdf67b1791cd" providerId="LiveId" clId="{3BE4D848-BA37-48A2-9EC5-54C607BA4780}" dt="2024-03-15T03:19:53.932" v="48" actId="16959"/>
       <pc:docMkLst>
         <pc:docMk/>
       </pc:docMkLst>
       <pc:sldChg chg="modSp mod">
-        <pc:chgData name="Bo Tang" userId="332dbdf67b1791cd" providerId="LiveId" clId="{3BE4D848-BA37-48A2-9EC5-54C607BA4780}" dt="2024-03-15T03:06:36.230" v="34"/>
+        <pc:chgData name="Bo Tang" userId="332dbdf67b1791cd" providerId="LiveId" clId="{3BE4D848-BA37-48A2-9EC5-54C607BA4780}" dt="2024-03-15T03:19:53.932" v="48" actId="16959"/>
         <pc:sldMkLst>
           <pc:docMk/>
           <pc:sldMk cId="705045716" sldId="256"/>
         </pc:sldMkLst>
         <pc:spChg chg="mod">
-          <ac:chgData name="Bo Tang" userId="332dbdf67b1791cd" providerId="LiveId" clId="{3BE4D848-BA37-48A2-9EC5-54C607BA4780}" dt="2024-03-15T03:06:17.223" v="26"/>
+          <ac:chgData name="Bo Tang" userId="332dbdf67b1791cd" providerId="LiveId" clId="{3BE4D848-BA37-48A2-9EC5-54C607BA4780}" dt="2024-03-15T03:19:33.715" v="38" actId="20577"/>
           <ac:spMkLst>
             <pc:docMk/>
             <pc:sldMk cId="705045716" sldId="256"/>
@@ -888,7 +888,7 @@
           </ac:spMkLst>
         </pc:spChg>
         <pc:spChg chg="mod">
-          <ac:chgData name="Bo Tang" userId="332dbdf67b1791cd" providerId="LiveId" clId="{3BE4D848-BA37-48A2-9EC5-54C607BA4780}" dt="2024-03-15T03:06:17.223" v="26"/>
+          <ac:chgData name="Bo Tang" userId="332dbdf67b1791cd" providerId="LiveId" clId="{3BE4D848-BA37-48A2-9EC5-54C607BA4780}" dt="2024-03-15T03:19:33.715" v="38" actId="20577"/>
           <ac:spMkLst>
             <pc:docMk/>
             <pc:sldMk cId="705045716" sldId="256"/>
@@ -896,7 +896,7 @@
           </ac:spMkLst>
         </pc:spChg>
         <pc:spChg chg="mod">
-          <ac:chgData name="Bo Tang" userId="332dbdf67b1791cd" providerId="LiveId" clId="{3BE4D848-BA37-48A2-9EC5-54C607BA4780}" dt="2024-03-15T03:06:17.223" v="26"/>
+          <ac:chgData name="Bo Tang" userId="332dbdf67b1791cd" providerId="LiveId" clId="{3BE4D848-BA37-48A2-9EC5-54C607BA4780}" dt="2024-03-15T03:19:33.715" v="38" actId="20577"/>
           <ac:spMkLst>
             <pc:docMk/>
             <pc:sldMk cId="705045716" sldId="256"/>
@@ -904,7 +904,7 @@
           </ac:spMkLst>
         </pc:spChg>
         <pc:spChg chg="mod">
-          <ac:chgData name="Bo Tang" userId="332dbdf67b1791cd" providerId="LiveId" clId="{3BE4D848-BA37-48A2-9EC5-54C607BA4780}" dt="2024-03-15T03:06:36.230" v="34"/>
+          <ac:chgData name="Bo Tang" userId="332dbdf67b1791cd" providerId="LiveId" clId="{3BE4D848-BA37-48A2-9EC5-54C607BA4780}" dt="2024-03-15T03:19:53.932" v="48" actId="16959"/>
           <ac:spMkLst>
             <pc:docMk/>
             <pc:sldMk cId="705045716" sldId="256"/>
@@ -912,7 +912,7 @@
           </ac:spMkLst>
         </pc:spChg>
         <pc:spChg chg="mod">
-          <ac:chgData name="Bo Tang" userId="332dbdf67b1791cd" providerId="LiveId" clId="{3BE4D848-BA37-48A2-9EC5-54C607BA4780}" dt="2024-03-15T03:06:17.223" v="26"/>
+          <ac:chgData name="Bo Tang" userId="332dbdf67b1791cd" providerId="LiveId" clId="{3BE4D848-BA37-48A2-9EC5-54C607BA4780}" dt="2024-03-15T03:19:33.715" v="38" actId="20577"/>
           <ac:spMkLst>
             <pc:docMk/>
             <pc:sldMk cId="705045716" sldId="256"/>
@@ -920,7 +920,7 @@
           </ac:spMkLst>
         </pc:spChg>
         <pc:spChg chg="mod">
-          <ac:chgData name="Bo Tang" userId="332dbdf67b1791cd" providerId="LiveId" clId="{3BE4D848-BA37-48A2-9EC5-54C607BA4780}" dt="2024-03-15T03:06:17.223" v="26"/>
+          <ac:chgData name="Bo Tang" userId="332dbdf67b1791cd" providerId="LiveId" clId="{3BE4D848-BA37-48A2-9EC5-54C607BA4780}" dt="2024-03-15T03:19:33.715" v="38" actId="20577"/>
           <ac:spMkLst>
             <pc:docMk/>
             <pc:sldMk cId="705045716" sldId="256"/>
@@ -928,7 +928,7 @@
           </ac:spMkLst>
         </pc:spChg>
         <pc:spChg chg="mod">
-          <ac:chgData name="Bo Tang" userId="332dbdf67b1791cd" providerId="LiveId" clId="{3BE4D848-BA37-48A2-9EC5-54C607BA4780}" dt="2024-03-15T03:06:17.223" v="26"/>
+          <ac:chgData name="Bo Tang" userId="332dbdf67b1791cd" providerId="LiveId" clId="{3BE4D848-BA37-48A2-9EC5-54C607BA4780}" dt="2024-03-15T03:19:33.715" v="38" actId="20577"/>
           <ac:spMkLst>
             <pc:docMk/>
             <pc:sldMk cId="705045716" sldId="256"/>
@@ -936,7 +936,7 @@
           </ac:spMkLst>
         </pc:spChg>
         <pc:spChg chg="mod">
-          <ac:chgData name="Bo Tang" userId="332dbdf67b1791cd" providerId="LiveId" clId="{3BE4D848-BA37-48A2-9EC5-54C607BA4780}" dt="2024-03-15T03:06:17.223" v="26"/>
+          <ac:chgData name="Bo Tang" userId="332dbdf67b1791cd" providerId="LiveId" clId="{3BE4D848-BA37-48A2-9EC5-54C607BA4780}" dt="2024-03-15T03:19:33.715" v="38" actId="20577"/>
           <ac:spMkLst>
             <pc:docMk/>
             <pc:sldMk cId="705045716" sldId="256"/>
@@ -944,7 +944,7 @@
           </ac:spMkLst>
         </pc:spChg>
         <pc:spChg chg="mod">
-          <ac:chgData name="Bo Tang" userId="332dbdf67b1791cd" providerId="LiveId" clId="{3BE4D848-BA37-48A2-9EC5-54C607BA4780}" dt="2024-03-15T03:06:17.223" v="26"/>
+          <ac:chgData name="Bo Tang" userId="332dbdf67b1791cd" providerId="LiveId" clId="{3BE4D848-BA37-48A2-9EC5-54C607BA4780}" dt="2024-03-15T03:19:33.715" v="38" actId="20577"/>
           <ac:spMkLst>
             <pc:docMk/>
             <pc:sldMk cId="705045716" sldId="256"/>
@@ -952,7 +952,7 @@
           </ac:spMkLst>
         </pc:spChg>
         <pc:spChg chg="mod">
-          <ac:chgData name="Bo Tang" userId="332dbdf67b1791cd" providerId="LiveId" clId="{3BE4D848-BA37-48A2-9EC5-54C607BA4780}" dt="2024-03-15T03:06:17.223" v="26"/>
+          <ac:chgData name="Bo Tang" userId="332dbdf67b1791cd" providerId="LiveId" clId="{3BE4D848-BA37-48A2-9EC5-54C607BA4780}" dt="2024-03-15T03:19:33.715" v="38" actId="20577"/>
           <ac:spMkLst>
             <pc:docMk/>
             <pc:sldMk cId="705045716" sldId="256"/>
@@ -960,7 +960,7 @@
           </ac:spMkLst>
         </pc:spChg>
         <pc:spChg chg="mod">
-          <ac:chgData name="Bo Tang" userId="332dbdf67b1791cd" providerId="LiveId" clId="{3BE4D848-BA37-48A2-9EC5-54C607BA4780}" dt="2024-03-15T03:06:17.223" v="26"/>
+          <ac:chgData name="Bo Tang" userId="332dbdf67b1791cd" providerId="LiveId" clId="{3BE4D848-BA37-48A2-9EC5-54C607BA4780}" dt="2024-03-15T03:19:33.715" v="38" actId="20577"/>
           <ac:spMkLst>
             <pc:docMk/>
             <pc:sldMk cId="705045716" sldId="256"/>
@@ -968,7 +968,7 @@
           </ac:spMkLst>
         </pc:spChg>
         <pc:spChg chg="mod">
-          <ac:chgData name="Bo Tang" userId="332dbdf67b1791cd" providerId="LiveId" clId="{3BE4D848-BA37-48A2-9EC5-54C607BA4780}" dt="2024-03-15T03:06:17.223" v="26"/>
+          <ac:chgData name="Bo Tang" userId="332dbdf67b1791cd" providerId="LiveId" clId="{3BE4D848-BA37-48A2-9EC5-54C607BA4780}" dt="2024-03-15T03:19:33.715" v="38" actId="20577"/>
           <ac:spMkLst>
             <pc:docMk/>
             <pc:sldMk cId="705045716" sldId="256"/>
@@ -976,7 +976,7 @@
           </ac:spMkLst>
         </pc:spChg>
         <pc:spChg chg="mod">
-          <ac:chgData name="Bo Tang" userId="332dbdf67b1791cd" providerId="LiveId" clId="{3BE4D848-BA37-48A2-9EC5-54C607BA4780}" dt="2024-03-15T03:06:17.223" v="26"/>
+          <ac:chgData name="Bo Tang" userId="332dbdf67b1791cd" providerId="LiveId" clId="{3BE4D848-BA37-48A2-9EC5-54C607BA4780}" dt="2024-03-15T03:19:33.715" v="38" actId="20577"/>
           <ac:spMkLst>
             <pc:docMk/>
             <pc:sldMk cId="705045716" sldId="256"/>
@@ -984,7 +984,7 @@
           </ac:spMkLst>
         </pc:spChg>
         <pc:spChg chg="mod">
-          <ac:chgData name="Bo Tang" userId="332dbdf67b1791cd" providerId="LiveId" clId="{3BE4D848-BA37-48A2-9EC5-54C607BA4780}" dt="2024-03-15T03:06:17.223" v="26"/>
+          <ac:chgData name="Bo Tang" userId="332dbdf67b1791cd" providerId="LiveId" clId="{3BE4D848-BA37-48A2-9EC5-54C607BA4780}" dt="2024-03-15T03:19:33.715" v="38" actId="20577"/>
           <ac:spMkLst>
             <pc:docMk/>
             <pc:sldMk cId="705045716" sldId="256"/>
@@ -992,7 +992,7 @@
           </ac:spMkLst>
         </pc:spChg>
         <pc:spChg chg="mod">
-          <ac:chgData name="Bo Tang" userId="332dbdf67b1791cd" providerId="LiveId" clId="{3BE4D848-BA37-48A2-9EC5-54C607BA4780}" dt="2024-03-15T03:06:17.223" v="26"/>
+          <ac:chgData name="Bo Tang" userId="332dbdf67b1791cd" providerId="LiveId" clId="{3BE4D848-BA37-48A2-9EC5-54C607BA4780}" dt="2024-03-15T03:19:33.715" v="38" actId="20577"/>
           <ac:spMkLst>
             <pc:docMk/>
             <pc:sldMk cId="705045716" sldId="256"/>
@@ -1000,7 +1000,7 @@
           </ac:spMkLst>
         </pc:spChg>
         <pc:spChg chg="mod">
-          <ac:chgData name="Bo Tang" userId="332dbdf67b1791cd" providerId="LiveId" clId="{3BE4D848-BA37-48A2-9EC5-54C607BA4780}" dt="2024-03-15T03:06:17.223" v="26"/>
+          <ac:chgData name="Bo Tang" userId="332dbdf67b1791cd" providerId="LiveId" clId="{3BE4D848-BA37-48A2-9EC5-54C607BA4780}" dt="2024-03-15T03:19:33.715" v="38" actId="20577"/>
           <ac:spMkLst>
             <pc:docMk/>
             <pc:sldMk cId="705045716" sldId="256"/>
@@ -1008,7 +1008,7 @@
           </ac:spMkLst>
         </pc:spChg>
         <pc:spChg chg="mod">
-          <ac:chgData name="Bo Tang" userId="332dbdf67b1791cd" providerId="LiveId" clId="{3BE4D848-BA37-48A2-9EC5-54C607BA4780}" dt="2024-03-15T03:06:17.223" v="26"/>
+          <ac:chgData name="Bo Tang" userId="332dbdf67b1791cd" providerId="LiveId" clId="{3BE4D848-BA37-48A2-9EC5-54C607BA4780}" dt="2024-03-15T03:19:33.715" v="38" actId="20577"/>
           <ac:spMkLst>
             <pc:docMk/>
             <pc:sldMk cId="705045716" sldId="256"/>
@@ -1016,7 +1016,7 @@
           </ac:spMkLst>
         </pc:spChg>
         <pc:spChg chg="mod">
-          <ac:chgData name="Bo Tang" userId="332dbdf67b1791cd" providerId="LiveId" clId="{3BE4D848-BA37-48A2-9EC5-54C607BA4780}" dt="2024-03-15T03:06:17.223" v="26"/>
+          <ac:chgData name="Bo Tang" userId="332dbdf67b1791cd" providerId="LiveId" clId="{3BE4D848-BA37-48A2-9EC5-54C607BA4780}" dt="2024-03-15T03:19:33.715" v="38" actId="20577"/>
           <ac:spMkLst>
             <pc:docMk/>
             <pc:sldMk cId="705045716" sldId="256"/>
@@ -1024,7 +1024,7 @@
           </ac:spMkLst>
         </pc:spChg>
         <pc:spChg chg="mod">
-          <ac:chgData name="Bo Tang" userId="332dbdf67b1791cd" providerId="LiveId" clId="{3BE4D848-BA37-48A2-9EC5-54C607BA4780}" dt="2024-03-15T03:06:17.223" v="26"/>
+          <ac:chgData name="Bo Tang" userId="332dbdf67b1791cd" providerId="LiveId" clId="{3BE4D848-BA37-48A2-9EC5-54C607BA4780}" dt="2024-03-15T03:19:33.715" v="38" actId="20577"/>
           <ac:spMkLst>
             <pc:docMk/>
             <pc:sldMk cId="705045716" sldId="256"/>
@@ -1032,7 +1032,7 @@
           </ac:spMkLst>
         </pc:spChg>
         <pc:spChg chg="mod">
-          <ac:chgData name="Bo Tang" userId="332dbdf67b1791cd" providerId="LiveId" clId="{3BE4D848-BA37-48A2-9EC5-54C607BA4780}" dt="2024-03-15T03:06:17.223" v="26"/>
+          <ac:chgData name="Bo Tang" userId="332dbdf67b1791cd" providerId="LiveId" clId="{3BE4D848-BA37-48A2-9EC5-54C607BA4780}" dt="2024-03-15T03:19:33.715" v="38" actId="20577"/>
           <ac:spMkLst>
             <pc:docMk/>
             <pc:sldMk cId="705045716" sldId="256"/>
@@ -1040,7 +1040,7 @@
           </ac:spMkLst>
         </pc:spChg>
         <pc:spChg chg="mod">
-          <ac:chgData name="Bo Tang" userId="332dbdf67b1791cd" providerId="LiveId" clId="{3BE4D848-BA37-48A2-9EC5-54C607BA4780}" dt="2024-03-15T03:06:17.223" v="26"/>
+          <ac:chgData name="Bo Tang" userId="332dbdf67b1791cd" providerId="LiveId" clId="{3BE4D848-BA37-48A2-9EC5-54C607BA4780}" dt="2024-03-15T03:19:33.715" v="38" actId="20577"/>
           <ac:spMkLst>
             <pc:docMk/>
             <pc:sldMk cId="705045716" sldId="256"/>
@@ -1048,7 +1048,7 @@
           </ac:spMkLst>
         </pc:spChg>
         <pc:spChg chg="mod">
-          <ac:chgData name="Bo Tang" userId="332dbdf67b1791cd" providerId="LiveId" clId="{3BE4D848-BA37-48A2-9EC5-54C607BA4780}" dt="2024-03-15T03:06:17.223" v="26"/>
+          <ac:chgData name="Bo Tang" userId="332dbdf67b1791cd" providerId="LiveId" clId="{3BE4D848-BA37-48A2-9EC5-54C607BA4780}" dt="2024-03-15T03:19:33.715" v="38" actId="20577"/>
           <ac:spMkLst>
             <pc:docMk/>
             <pc:sldMk cId="705045716" sldId="256"/>
@@ -1056,7 +1056,7 @@
           </ac:spMkLst>
         </pc:spChg>
         <pc:spChg chg="mod">
-          <ac:chgData name="Bo Tang" userId="332dbdf67b1791cd" providerId="LiveId" clId="{3BE4D848-BA37-48A2-9EC5-54C607BA4780}" dt="2024-03-15T03:06:17.223" v="26"/>
+          <ac:chgData name="Bo Tang" userId="332dbdf67b1791cd" providerId="LiveId" clId="{3BE4D848-BA37-48A2-9EC5-54C607BA4780}" dt="2024-03-15T03:19:33.715" v="38" actId="20577"/>
           <ac:spMkLst>
             <pc:docMk/>
             <pc:sldMk cId="705045716" sldId="256"/>
@@ -1064,7 +1064,7 @@
           </ac:spMkLst>
         </pc:spChg>
         <pc:spChg chg="mod">
-          <ac:chgData name="Bo Tang" userId="332dbdf67b1791cd" providerId="LiveId" clId="{3BE4D848-BA37-48A2-9EC5-54C607BA4780}" dt="2024-03-15T03:06:17.223" v="26"/>
+          <ac:chgData name="Bo Tang" userId="332dbdf67b1791cd" providerId="LiveId" clId="{3BE4D848-BA37-48A2-9EC5-54C607BA4780}" dt="2024-03-15T03:19:33.715" v="38" actId="20577"/>
           <ac:spMkLst>
             <pc:docMk/>
             <pc:sldMk cId="705045716" sldId="256"/>
@@ -1072,7 +1072,7 @@
           </ac:spMkLst>
         </pc:spChg>
         <pc:spChg chg="mod">
-          <ac:chgData name="Bo Tang" userId="332dbdf67b1791cd" providerId="LiveId" clId="{3BE4D848-BA37-48A2-9EC5-54C607BA4780}" dt="2024-03-15T03:06:17.223" v="26"/>
+          <ac:chgData name="Bo Tang" userId="332dbdf67b1791cd" providerId="LiveId" clId="{3BE4D848-BA37-48A2-9EC5-54C607BA4780}" dt="2024-03-15T03:19:33.715" v="38" actId="20577"/>
           <ac:spMkLst>
             <pc:docMk/>
             <pc:sldMk cId="705045716" sldId="256"/>
@@ -1080,7 +1080,7 @@
           </ac:spMkLst>
         </pc:spChg>
         <pc:spChg chg="mod">
-          <ac:chgData name="Bo Tang" userId="332dbdf67b1791cd" providerId="LiveId" clId="{3BE4D848-BA37-48A2-9EC5-54C607BA4780}" dt="2024-03-15T03:06:17.223" v="26"/>
+          <ac:chgData name="Bo Tang" userId="332dbdf67b1791cd" providerId="LiveId" clId="{3BE4D848-BA37-48A2-9EC5-54C607BA4780}" dt="2024-03-15T03:19:33.715" v="38" actId="20577"/>
           <ac:spMkLst>
             <pc:docMk/>
             <pc:sldMk cId="705045716" sldId="256"/>
@@ -1088,7 +1088,7 @@
           </ac:spMkLst>
         </pc:spChg>
         <pc:spChg chg="mod">
-          <ac:chgData name="Bo Tang" userId="332dbdf67b1791cd" providerId="LiveId" clId="{3BE4D848-BA37-48A2-9EC5-54C607BA4780}" dt="2024-03-15T03:06:17.223" v="26"/>
+          <ac:chgData name="Bo Tang" userId="332dbdf67b1791cd" providerId="LiveId" clId="{3BE4D848-BA37-48A2-9EC5-54C607BA4780}" dt="2024-03-15T03:19:33.715" v="38" actId="20577"/>
           <ac:spMkLst>
             <pc:docMk/>
             <pc:sldMk cId="705045716" sldId="256"/>
@@ -1096,7 +1096,7 @@
           </ac:spMkLst>
         </pc:spChg>
         <pc:spChg chg="mod">
-          <ac:chgData name="Bo Tang" userId="332dbdf67b1791cd" providerId="LiveId" clId="{3BE4D848-BA37-48A2-9EC5-54C607BA4780}" dt="2024-03-15T03:06:17.223" v="26"/>
+          <ac:chgData name="Bo Tang" userId="332dbdf67b1791cd" providerId="LiveId" clId="{3BE4D848-BA37-48A2-9EC5-54C607BA4780}" dt="2024-03-15T03:19:33.715" v="38" actId="20577"/>
           <ac:spMkLst>
             <pc:docMk/>
             <pc:sldMk cId="705045716" sldId="256"/>
@@ -1104,7 +1104,7 @@
           </ac:spMkLst>
         </pc:spChg>
         <pc:spChg chg="mod">
-          <ac:chgData name="Bo Tang" userId="332dbdf67b1791cd" providerId="LiveId" clId="{3BE4D848-BA37-48A2-9EC5-54C607BA4780}" dt="2024-03-15T03:06:17.223" v="26"/>
+          <ac:chgData name="Bo Tang" userId="332dbdf67b1791cd" providerId="LiveId" clId="{3BE4D848-BA37-48A2-9EC5-54C607BA4780}" dt="2024-03-15T03:19:33.715" v="38" actId="20577"/>
           <ac:spMkLst>
             <pc:docMk/>
             <pc:sldMk cId="705045716" sldId="256"/>
@@ -1112,7 +1112,7 @@
           </ac:spMkLst>
         </pc:spChg>
         <pc:spChg chg="mod">
-          <ac:chgData name="Bo Tang" userId="332dbdf67b1791cd" providerId="LiveId" clId="{3BE4D848-BA37-48A2-9EC5-54C607BA4780}" dt="2024-03-15T03:06:17.223" v="26"/>
+          <ac:chgData name="Bo Tang" userId="332dbdf67b1791cd" providerId="LiveId" clId="{3BE4D848-BA37-48A2-9EC5-54C607BA4780}" dt="2024-03-15T03:19:33.715" v="38" actId="20577"/>
           <ac:spMkLst>
             <pc:docMk/>
             <pc:sldMk cId="705045716" sldId="256"/>
@@ -1120,7 +1120,7 @@
           </ac:spMkLst>
         </pc:spChg>
         <pc:spChg chg="mod">
-          <ac:chgData name="Bo Tang" userId="332dbdf67b1791cd" providerId="LiveId" clId="{3BE4D848-BA37-48A2-9EC5-54C607BA4780}" dt="2024-03-15T03:06:17.223" v="26"/>
+          <ac:chgData name="Bo Tang" userId="332dbdf67b1791cd" providerId="LiveId" clId="{3BE4D848-BA37-48A2-9EC5-54C607BA4780}" dt="2024-03-15T03:19:33.715" v="38" actId="20577"/>
           <ac:spMkLst>
             <pc:docMk/>
             <pc:sldMk cId="705045716" sldId="256"/>
@@ -1128,7 +1128,7 @@
           </ac:spMkLst>
         </pc:spChg>
         <pc:spChg chg="mod">
-          <ac:chgData name="Bo Tang" userId="332dbdf67b1791cd" providerId="LiveId" clId="{3BE4D848-BA37-48A2-9EC5-54C607BA4780}" dt="2024-03-15T03:06:17.223" v="26"/>
+          <ac:chgData name="Bo Tang" userId="332dbdf67b1791cd" providerId="LiveId" clId="{3BE4D848-BA37-48A2-9EC5-54C607BA4780}" dt="2024-03-15T03:19:33.715" v="38" actId="20577"/>
           <ac:spMkLst>
             <pc:docMk/>
             <pc:sldMk cId="705045716" sldId="256"/>
@@ -1136,7 +1136,7 @@
           </ac:spMkLst>
         </pc:spChg>
         <pc:spChg chg="mod">
-          <ac:chgData name="Bo Tang" userId="332dbdf67b1791cd" providerId="LiveId" clId="{3BE4D848-BA37-48A2-9EC5-54C607BA4780}" dt="2024-03-15T03:06:17.223" v="26"/>
+          <ac:chgData name="Bo Tang" userId="332dbdf67b1791cd" providerId="LiveId" clId="{3BE4D848-BA37-48A2-9EC5-54C607BA4780}" dt="2024-03-15T03:19:33.715" v="38" actId="20577"/>
           <ac:spMkLst>
             <pc:docMk/>
             <pc:sldMk cId="705045716" sldId="256"/>
@@ -1144,7 +1144,7 @@
           </ac:spMkLst>
         </pc:spChg>
         <pc:spChg chg="mod">
-          <ac:chgData name="Bo Tang" userId="332dbdf67b1791cd" providerId="LiveId" clId="{3BE4D848-BA37-48A2-9EC5-54C607BA4780}" dt="2024-03-15T03:06:17.223" v="26"/>
+          <ac:chgData name="Bo Tang" userId="332dbdf67b1791cd" providerId="LiveId" clId="{3BE4D848-BA37-48A2-9EC5-54C607BA4780}" dt="2024-03-15T03:19:33.715" v="38" actId="20577"/>
           <ac:spMkLst>
             <pc:docMk/>
             <pc:sldMk cId="705045716" sldId="256"/>
@@ -1152,7 +1152,7 @@
           </ac:spMkLst>
         </pc:spChg>
         <pc:spChg chg="mod">
-          <ac:chgData name="Bo Tang" userId="332dbdf67b1791cd" providerId="LiveId" clId="{3BE4D848-BA37-48A2-9EC5-54C607BA4780}" dt="2024-03-15T03:06:17.223" v="26"/>
+          <ac:chgData name="Bo Tang" userId="332dbdf67b1791cd" providerId="LiveId" clId="{3BE4D848-BA37-48A2-9EC5-54C607BA4780}" dt="2024-03-15T03:19:33.715" v="38" actId="20577"/>
           <ac:spMkLst>
             <pc:docMk/>
             <pc:sldMk cId="705045716" sldId="256"/>
@@ -1160,7 +1160,7 @@
           </ac:spMkLst>
         </pc:spChg>
         <pc:spChg chg="mod">
-          <ac:chgData name="Bo Tang" userId="332dbdf67b1791cd" providerId="LiveId" clId="{3BE4D848-BA37-48A2-9EC5-54C607BA4780}" dt="2024-03-15T03:06:17.223" v="26"/>
+          <ac:chgData name="Bo Tang" userId="332dbdf67b1791cd" providerId="LiveId" clId="{3BE4D848-BA37-48A2-9EC5-54C607BA4780}" dt="2024-03-15T03:19:33.715" v="38" actId="20577"/>
           <ac:spMkLst>
             <pc:docMk/>
             <pc:sldMk cId="705045716" sldId="256"/>
@@ -1168,7 +1168,7 @@
           </ac:spMkLst>
         </pc:spChg>
         <pc:grpChg chg="mod">
-          <ac:chgData name="Bo Tang" userId="332dbdf67b1791cd" providerId="LiveId" clId="{3BE4D848-BA37-48A2-9EC5-54C607BA4780}" dt="2024-03-15T03:06:17.223" v="26"/>
+          <ac:chgData name="Bo Tang" userId="332dbdf67b1791cd" providerId="LiveId" clId="{3BE4D848-BA37-48A2-9EC5-54C607BA4780}" dt="2024-03-15T03:19:33.715" v="38" actId="20577"/>
           <ac:grpSpMkLst>
             <pc:docMk/>
             <pc:sldMk cId="705045716" sldId="256"/>
@@ -1176,7 +1176,7 @@
           </ac:grpSpMkLst>
         </pc:grpChg>
         <pc:grpChg chg="mod">
-          <ac:chgData name="Bo Tang" userId="332dbdf67b1791cd" providerId="LiveId" clId="{3BE4D848-BA37-48A2-9EC5-54C607BA4780}" dt="2024-03-15T03:06:17.223" v="26"/>
+          <ac:chgData name="Bo Tang" userId="332dbdf67b1791cd" providerId="LiveId" clId="{3BE4D848-BA37-48A2-9EC5-54C607BA4780}" dt="2024-03-15T03:19:33.715" v="38" actId="20577"/>
           <ac:grpSpMkLst>
             <pc:docMk/>
             <pc:sldMk cId="705045716" sldId="256"/>
@@ -1184,7 +1184,7 @@
           </ac:grpSpMkLst>
         </pc:grpChg>
         <pc:grpChg chg="mod">
-          <ac:chgData name="Bo Tang" userId="332dbdf67b1791cd" providerId="LiveId" clId="{3BE4D848-BA37-48A2-9EC5-54C607BA4780}" dt="2024-03-15T03:06:17.223" v="26"/>
+          <ac:chgData name="Bo Tang" userId="332dbdf67b1791cd" providerId="LiveId" clId="{3BE4D848-BA37-48A2-9EC5-54C607BA4780}" dt="2024-03-15T03:19:33.715" v="38" actId="20577"/>
           <ac:grpSpMkLst>
             <pc:docMk/>
             <pc:sldMk cId="705045716" sldId="256"/>
@@ -1192,7 +1192,7 @@
           </ac:grpSpMkLst>
         </pc:grpChg>
         <pc:grpChg chg="mod">
-          <ac:chgData name="Bo Tang" userId="332dbdf67b1791cd" providerId="LiveId" clId="{3BE4D848-BA37-48A2-9EC5-54C607BA4780}" dt="2024-03-15T03:06:17.223" v="26"/>
+          <ac:chgData name="Bo Tang" userId="332dbdf67b1791cd" providerId="LiveId" clId="{3BE4D848-BA37-48A2-9EC5-54C607BA4780}" dt="2024-03-15T03:19:33.715" v="38" actId="20577"/>
           <ac:grpSpMkLst>
             <pc:docMk/>
             <pc:sldMk cId="705045716" sldId="256"/>
@@ -1200,7 +1200,7 @@
           </ac:grpSpMkLst>
         </pc:grpChg>
         <pc:grpChg chg="mod">
-          <ac:chgData name="Bo Tang" userId="332dbdf67b1791cd" providerId="LiveId" clId="{3BE4D848-BA37-48A2-9EC5-54C607BA4780}" dt="2024-03-15T03:06:17.223" v="26"/>
+          <ac:chgData name="Bo Tang" userId="332dbdf67b1791cd" providerId="LiveId" clId="{3BE4D848-BA37-48A2-9EC5-54C607BA4780}" dt="2024-03-15T03:19:33.715" v="38" actId="20577"/>
           <ac:grpSpMkLst>
             <pc:docMk/>
             <pc:sldMk cId="705045716" sldId="256"/>
@@ -1208,7 +1208,7 @@
           </ac:grpSpMkLst>
         </pc:grpChg>
         <pc:grpChg chg="mod">
-          <ac:chgData name="Bo Tang" userId="332dbdf67b1791cd" providerId="LiveId" clId="{3BE4D848-BA37-48A2-9EC5-54C607BA4780}" dt="2024-03-15T03:06:17.223" v="26"/>
+          <ac:chgData name="Bo Tang" userId="332dbdf67b1791cd" providerId="LiveId" clId="{3BE4D848-BA37-48A2-9EC5-54C607BA4780}" dt="2024-03-15T03:19:33.715" v="38" actId="20577"/>
           <ac:grpSpMkLst>
             <pc:docMk/>
             <pc:sldMk cId="705045716" sldId="256"/>
@@ -1216,7 +1216,7 @@
           </ac:grpSpMkLst>
         </pc:grpChg>
         <pc:grpChg chg="mod">
-          <ac:chgData name="Bo Tang" userId="332dbdf67b1791cd" providerId="LiveId" clId="{3BE4D848-BA37-48A2-9EC5-54C607BA4780}" dt="2024-03-15T03:06:17.223" v="26"/>
+          <ac:chgData name="Bo Tang" userId="332dbdf67b1791cd" providerId="LiveId" clId="{3BE4D848-BA37-48A2-9EC5-54C607BA4780}" dt="2024-03-15T03:19:33.715" v="38" actId="20577"/>
           <ac:grpSpMkLst>
             <pc:docMk/>
             <pc:sldMk cId="705045716" sldId="256"/>
@@ -1224,7 +1224,7 @@
           </ac:grpSpMkLst>
         </pc:grpChg>
         <pc:grpChg chg="mod">
-          <ac:chgData name="Bo Tang" userId="332dbdf67b1791cd" providerId="LiveId" clId="{3BE4D848-BA37-48A2-9EC5-54C607BA4780}" dt="2024-03-15T03:06:17.223" v="26"/>
+          <ac:chgData name="Bo Tang" userId="332dbdf67b1791cd" providerId="LiveId" clId="{3BE4D848-BA37-48A2-9EC5-54C607BA4780}" dt="2024-03-15T03:19:33.715" v="38" actId="20577"/>
           <ac:grpSpMkLst>
             <pc:docMk/>
             <pc:sldMk cId="705045716" sldId="256"/>
@@ -1232,7 +1232,7 @@
           </ac:grpSpMkLst>
         </pc:grpChg>
         <pc:grpChg chg="mod">
-          <ac:chgData name="Bo Tang" userId="332dbdf67b1791cd" providerId="LiveId" clId="{3BE4D848-BA37-48A2-9EC5-54C607BA4780}" dt="2024-03-15T03:06:17.223" v="26"/>
+          <ac:chgData name="Bo Tang" userId="332dbdf67b1791cd" providerId="LiveId" clId="{3BE4D848-BA37-48A2-9EC5-54C607BA4780}" dt="2024-03-15T03:19:33.715" v="38" actId="20577"/>
           <ac:grpSpMkLst>
             <pc:docMk/>
             <pc:sldMk cId="705045716" sldId="256"/>
@@ -1240,7 +1240,7 @@
           </ac:grpSpMkLst>
         </pc:grpChg>
         <pc:grpChg chg="mod">
-          <ac:chgData name="Bo Tang" userId="332dbdf67b1791cd" providerId="LiveId" clId="{3BE4D848-BA37-48A2-9EC5-54C607BA4780}" dt="2024-03-15T03:06:17.223" v="26"/>
+          <ac:chgData name="Bo Tang" userId="332dbdf67b1791cd" providerId="LiveId" clId="{3BE4D848-BA37-48A2-9EC5-54C607BA4780}" dt="2024-03-15T03:19:33.715" v="38" actId="20577"/>
           <ac:grpSpMkLst>
             <pc:docMk/>
             <pc:sldMk cId="705045716" sldId="256"/>
@@ -1248,7 +1248,7 @@
           </ac:grpSpMkLst>
         </pc:grpChg>
         <pc:grpChg chg="mod">
-          <ac:chgData name="Bo Tang" userId="332dbdf67b1791cd" providerId="LiveId" clId="{3BE4D848-BA37-48A2-9EC5-54C607BA4780}" dt="2024-03-15T03:06:17.223" v="26"/>
+          <ac:chgData name="Bo Tang" userId="332dbdf67b1791cd" providerId="LiveId" clId="{3BE4D848-BA37-48A2-9EC5-54C607BA4780}" dt="2024-03-15T03:19:33.715" v="38" actId="20577"/>
           <ac:grpSpMkLst>
             <pc:docMk/>
             <pc:sldMk cId="705045716" sldId="256"/>
@@ -1256,7 +1256,7 @@
           </ac:grpSpMkLst>
         </pc:grpChg>
         <pc:grpChg chg="mod">
-          <ac:chgData name="Bo Tang" userId="332dbdf67b1791cd" providerId="LiveId" clId="{3BE4D848-BA37-48A2-9EC5-54C607BA4780}" dt="2024-03-15T03:06:17.223" v="26"/>
+          <ac:chgData name="Bo Tang" userId="332dbdf67b1791cd" providerId="LiveId" clId="{3BE4D848-BA37-48A2-9EC5-54C607BA4780}" dt="2024-03-15T03:19:33.715" v="38" actId="20577"/>
           <ac:grpSpMkLst>
             <pc:docMk/>
             <pc:sldMk cId="705045716" sldId="256"/>
@@ -1264,7 +1264,7 @@
           </ac:grpSpMkLst>
         </pc:grpChg>
         <pc:grpChg chg="mod">
-          <ac:chgData name="Bo Tang" userId="332dbdf67b1791cd" providerId="LiveId" clId="{3BE4D848-BA37-48A2-9EC5-54C607BA4780}" dt="2024-03-15T03:06:17.223" v="26"/>
+          <ac:chgData name="Bo Tang" userId="332dbdf67b1791cd" providerId="LiveId" clId="{3BE4D848-BA37-48A2-9EC5-54C607BA4780}" dt="2024-03-15T03:19:33.715" v="38" actId="20577"/>
           <ac:grpSpMkLst>
             <pc:docMk/>
             <pc:sldMk cId="705045716" sldId="256"/>
@@ -1272,7 +1272,7 @@
           </ac:grpSpMkLst>
         </pc:grpChg>
         <pc:grpChg chg="mod">
-          <ac:chgData name="Bo Tang" userId="332dbdf67b1791cd" providerId="LiveId" clId="{3BE4D848-BA37-48A2-9EC5-54C607BA4780}" dt="2024-03-15T03:06:17.223" v="26"/>
+          <ac:chgData name="Bo Tang" userId="332dbdf67b1791cd" providerId="LiveId" clId="{3BE4D848-BA37-48A2-9EC5-54C607BA4780}" dt="2024-03-15T03:19:33.715" v="38" actId="20577"/>
           <ac:grpSpMkLst>
             <pc:docMk/>
             <pc:sldMk cId="705045716" sldId="256"/>
@@ -1280,7 +1280,7 @@
           </ac:grpSpMkLst>
         </pc:grpChg>
         <pc:grpChg chg="mod">
-          <ac:chgData name="Bo Tang" userId="332dbdf67b1791cd" providerId="LiveId" clId="{3BE4D848-BA37-48A2-9EC5-54C607BA4780}" dt="2024-03-15T03:06:17.223" v="26"/>
+          <ac:chgData name="Bo Tang" userId="332dbdf67b1791cd" providerId="LiveId" clId="{3BE4D848-BA37-48A2-9EC5-54C607BA4780}" dt="2024-03-15T03:19:33.715" v="38" actId="20577"/>
           <ac:grpSpMkLst>
             <pc:docMk/>
             <pc:sldMk cId="705045716" sldId="256"/>
@@ -1288,7 +1288,7 @@
           </ac:grpSpMkLst>
         </pc:grpChg>
         <pc:cxnChg chg="mod">
-          <ac:chgData name="Bo Tang" userId="332dbdf67b1791cd" providerId="LiveId" clId="{3BE4D848-BA37-48A2-9EC5-54C607BA4780}" dt="2024-03-15T03:06:17.223" v="26"/>
+          <ac:chgData name="Bo Tang" userId="332dbdf67b1791cd" providerId="LiveId" clId="{3BE4D848-BA37-48A2-9EC5-54C607BA4780}" dt="2024-03-15T03:19:33.715" v="38" actId="20577"/>
           <ac:cxnSpMkLst>
             <pc:docMk/>
             <pc:sldMk cId="705045716" sldId="256"/>
@@ -1296,7 +1296,7 @@
           </ac:cxnSpMkLst>
         </pc:cxnChg>
         <pc:cxnChg chg="mod">
-          <ac:chgData name="Bo Tang" userId="332dbdf67b1791cd" providerId="LiveId" clId="{3BE4D848-BA37-48A2-9EC5-54C607BA4780}" dt="2024-03-15T03:06:17.223" v="26"/>
+          <ac:chgData name="Bo Tang" userId="332dbdf67b1791cd" providerId="LiveId" clId="{3BE4D848-BA37-48A2-9EC5-54C607BA4780}" dt="2024-03-15T03:19:33.715" v="38" actId="20577"/>
           <ac:cxnSpMkLst>
             <pc:docMk/>
             <pc:sldMk cId="705045716" sldId="256"/>
@@ -1304,7 +1304,7 @@
           </ac:cxnSpMkLst>
         </pc:cxnChg>
         <pc:cxnChg chg="mod">
-          <ac:chgData name="Bo Tang" userId="332dbdf67b1791cd" providerId="LiveId" clId="{3BE4D848-BA37-48A2-9EC5-54C607BA4780}" dt="2024-03-15T03:06:17.223" v="26"/>
+          <ac:chgData name="Bo Tang" userId="332dbdf67b1791cd" providerId="LiveId" clId="{3BE4D848-BA37-48A2-9EC5-54C607BA4780}" dt="2024-03-15T03:19:33.715" v="38" actId="20577"/>
           <ac:cxnSpMkLst>
             <pc:docMk/>
             <pc:sldMk cId="705045716" sldId="256"/>
@@ -1312,7 +1312,7 @@
           </ac:cxnSpMkLst>
         </pc:cxnChg>
         <pc:cxnChg chg="mod">
-          <ac:chgData name="Bo Tang" userId="332dbdf67b1791cd" providerId="LiveId" clId="{3BE4D848-BA37-48A2-9EC5-54C607BA4780}" dt="2024-03-15T03:06:17.223" v="26"/>
+          <ac:chgData name="Bo Tang" userId="332dbdf67b1791cd" providerId="LiveId" clId="{3BE4D848-BA37-48A2-9EC5-54C607BA4780}" dt="2024-03-15T03:19:33.715" v="38" actId="20577"/>
           <ac:cxnSpMkLst>
             <pc:docMk/>
             <pc:sldMk cId="705045716" sldId="256"/>
@@ -1320,7 +1320,7 @@
           </ac:cxnSpMkLst>
         </pc:cxnChg>
         <pc:cxnChg chg="mod">
-          <ac:chgData name="Bo Tang" userId="332dbdf67b1791cd" providerId="LiveId" clId="{3BE4D848-BA37-48A2-9EC5-54C607BA4780}" dt="2024-03-15T03:06:17.223" v="26"/>
+          <ac:chgData name="Bo Tang" userId="332dbdf67b1791cd" providerId="LiveId" clId="{3BE4D848-BA37-48A2-9EC5-54C607BA4780}" dt="2024-03-15T03:19:33.715" v="38" actId="20577"/>
           <ac:cxnSpMkLst>
             <pc:docMk/>
             <pc:sldMk cId="705045716" sldId="256"/>
@@ -1328,7 +1328,7 @@
           </ac:cxnSpMkLst>
         </pc:cxnChg>
         <pc:cxnChg chg="mod">
-          <ac:chgData name="Bo Tang" userId="332dbdf67b1791cd" providerId="LiveId" clId="{3BE4D848-BA37-48A2-9EC5-54C607BA4780}" dt="2024-03-15T03:06:17.223" v="26"/>
+          <ac:chgData name="Bo Tang" userId="332dbdf67b1791cd" providerId="LiveId" clId="{3BE4D848-BA37-48A2-9EC5-54C607BA4780}" dt="2024-03-15T03:19:33.715" v="38" actId="20577"/>
           <ac:cxnSpMkLst>
             <pc:docMk/>
             <pc:sldMk cId="705045716" sldId="256"/>
@@ -1336,7 +1336,7 @@
           </ac:cxnSpMkLst>
         </pc:cxnChg>
         <pc:cxnChg chg="mod">
-          <ac:chgData name="Bo Tang" userId="332dbdf67b1791cd" providerId="LiveId" clId="{3BE4D848-BA37-48A2-9EC5-54C607BA4780}" dt="2024-03-15T03:06:17.223" v="26"/>
+          <ac:chgData name="Bo Tang" userId="332dbdf67b1791cd" providerId="LiveId" clId="{3BE4D848-BA37-48A2-9EC5-54C607BA4780}" dt="2024-03-15T03:19:33.715" v="38" actId="20577"/>
           <ac:cxnSpMkLst>
             <pc:docMk/>
             <pc:sldMk cId="705045716" sldId="256"/>
@@ -1344,7 +1344,7 @@
           </ac:cxnSpMkLst>
         </pc:cxnChg>
         <pc:cxnChg chg="mod">
-          <ac:chgData name="Bo Tang" userId="332dbdf67b1791cd" providerId="LiveId" clId="{3BE4D848-BA37-48A2-9EC5-54C607BA4780}" dt="2024-03-15T03:06:17.223" v="26"/>
+          <ac:chgData name="Bo Tang" userId="332dbdf67b1791cd" providerId="LiveId" clId="{3BE4D848-BA37-48A2-9EC5-54C607BA4780}" dt="2024-03-15T03:19:33.715" v="38" actId="20577"/>
           <ac:cxnSpMkLst>
             <pc:docMk/>
             <pc:sldMk cId="705045716" sldId="256"/>
@@ -1352,7 +1352,7 @@
           </ac:cxnSpMkLst>
         </pc:cxnChg>
         <pc:cxnChg chg="mod">
-          <ac:chgData name="Bo Tang" userId="332dbdf67b1791cd" providerId="LiveId" clId="{3BE4D848-BA37-48A2-9EC5-54C607BA4780}" dt="2024-03-15T03:06:17.223" v="26"/>
+          <ac:chgData name="Bo Tang" userId="332dbdf67b1791cd" providerId="LiveId" clId="{3BE4D848-BA37-48A2-9EC5-54C607BA4780}" dt="2024-03-15T03:19:33.715" v="38" actId="20577"/>
           <ac:cxnSpMkLst>
             <pc:docMk/>
             <pc:sldMk cId="705045716" sldId="256"/>
@@ -1360,7 +1360,7 @@
           </ac:cxnSpMkLst>
         </pc:cxnChg>
         <pc:cxnChg chg="mod">
-          <ac:chgData name="Bo Tang" userId="332dbdf67b1791cd" providerId="LiveId" clId="{3BE4D848-BA37-48A2-9EC5-54C607BA4780}" dt="2024-03-15T03:06:17.223" v="26"/>
+          <ac:chgData name="Bo Tang" userId="332dbdf67b1791cd" providerId="LiveId" clId="{3BE4D848-BA37-48A2-9EC5-54C607BA4780}" dt="2024-03-15T03:19:33.715" v="38" actId="20577"/>
           <ac:cxnSpMkLst>
             <pc:docMk/>
             <pc:sldMk cId="705045716" sldId="256"/>
@@ -1368,7 +1368,7 @@
           </ac:cxnSpMkLst>
         </pc:cxnChg>
         <pc:cxnChg chg="mod">
-          <ac:chgData name="Bo Tang" userId="332dbdf67b1791cd" providerId="LiveId" clId="{3BE4D848-BA37-48A2-9EC5-54C607BA4780}" dt="2024-03-15T03:06:17.223" v="26"/>
+          <ac:chgData name="Bo Tang" userId="332dbdf67b1791cd" providerId="LiveId" clId="{3BE4D848-BA37-48A2-9EC5-54C607BA4780}" dt="2024-03-15T03:19:33.715" v="38" actId="20577"/>
           <ac:cxnSpMkLst>
             <pc:docMk/>
             <pc:sldMk cId="705045716" sldId="256"/>
@@ -1376,7 +1376,7 @@
           </ac:cxnSpMkLst>
         </pc:cxnChg>
         <pc:cxnChg chg="mod">
-          <ac:chgData name="Bo Tang" userId="332dbdf67b1791cd" providerId="LiveId" clId="{3BE4D848-BA37-48A2-9EC5-54C607BA4780}" dt="2024-03-15T03:06:17.223" v="26"/>
+          <ac:chgData name="Bo Tang" userId="332dbdf67b1791cd" providerId="LiveId" clId="{3BE4D848-BA37-48A2-9EC5-54C607BA4780}" dt="2024-03-15T03:19:33.715" v="38" actId="20577"/>
           <ac:cxnSpMkLst>
             <pc:docMk/>
             <pc:sldMk cId="705045716" sldId="256"/>
@@ -1384,7 +1384,7 @@
           </ac:cxnSpMkLst>
         </pc:cxnChg>
         <pc:cxnChg chg="mod">
-          <ac:chgData name="Bo Tang" userId="332dbdf67b1791cd" providerId="LiveId" clId="{3BE4D848-BA37-48A2-9EC5-54C607BA4780}" dt="2024-03-15T03:06:17.223" v="26"/>
+          <ac:chgData name="Bo Tang" userId="332dbdf67b1791cd" providerId="LiveId" clId="{3BE4D848-BA37-48A2-9EC5-54C607BA4780}" dt="2024-03-15T03:19:33.715" v="38" actId="20577"/>
           <ac:cxnSpMkLst>
             <pc:docMk/>
             <pc:sldMk cId="705045716" sldId="256"/>
@@ -1392,7 +1392,7 @@
           </ac:cxnSpMkLst>
         </pc:cxnChg>
         <pc:cxnChg chg="mod">
-          <ac:chgData name="Bo Tang" userId="332dbdf67b1791cd" providerId="LiveId" clId="{3BE4D848-BA37-48A2-9EC5-54C607BA4780}" dt="2024-03-15T03:06:17.223" v="26"/>
+          <ac:chgData name="Bo Tang" userId="332dbdf67b1791cd" providerId="LiveId" clId="{3BE4D848-BA37-48A2-9EC5-54C607BA4780}" dt="2024-03-15T03:19:33.715" v="38" actId="20577"/>
           <ac:cxnSpMkLst>
             <pc:docMk/>
             <pc:sldMk cId="705045716" sldId="256"/>
@@ -1400,7 +1400,7 @@
           </ac:cxnSpMkLst>
         </pc:cxnChg>
         <pc:cxnChg chg="mod">
-          <ac:chgData name="Bo Tang" userId="332dbdf67b1791cd" providerId="LiveId" clId="{3BE4D848-BA37-48A2-9EC5-54C607BA4780}" dt="2024-03-15T03:06:17.223" v="26"/>
+          <ac:chgData name="Bo Tang" userId="332dbdf67b1791cd" providerId="LiveId" clId="{3BE4D848-BA37-48A2-9EC5-54C607BA4780}" dt="2024-03-15T03:19:33.715" v="38" actId="20577"/>
           <ac:cxnSpMkLst>
             <pc:docMk/>
             <pc:sldMk cId="705045716" sldId="256"/>
@@ -1408,7 +1408,7 @@
           </ac:cxnSpMkLst>
         </pc:cxnChg>
         <pc:cxnChg chg="mod">
-          <ac:chgData name="Bo Tang" userId="332dbdf67b1791cd" providerId="LiveId" clId="{3BE4D848-BA37-48A2-9EC5-54C607BA4780}" dt="2024-03-15T03:06:17.223" v="26"/>
+          <ac:chgData name="Bo Tang" userId="332dbdf67b1791cd" providerId="LiveId" clId="{3BE4D848-BA37-48A2-9EC5-54C607BA4780}" dt="2024-03-15T03:19:33.715" v="38" actId="20577"/>
           <ac:cxnSpMkLst>
             <pc:docMk/>
             <pc:sldMk cId="705045716" sldId="256"/>
@@ -1416,7 +1416,7 @@
           </ac:cxnSpMkLst>
         </pc:cxnChg>
         <pc:cxnChg chg="mod">
-          <ac:chgData name="Bo Tang" userId="332dbdf67b1791cd" providerId="LiveId" clId="{3BE4D848-BA37-48A2-9EC5-54C607BA4780}" dt="2024-03-15T03:06:17.223" v="26"/>
+          <ac:chgData name="Bo Tang" userId="332dbdf67b1791cd" providerId="LiveId" clId="{3BE4D848-BA37-48A2-9EC5-54C607BA4780}" dt="2024-03-15T03:19:33.715" v="38" actId="20577"/>
           <ac:cxnSpMkLst>
             <pc:docMk/>
             <pc:sldMk cId="705045716" sldId="256"/>
@@ -1424,7 +1424,7 @@
           </ac:cxnSpMkLst>
         </pc:cxnChg>
         <pc:cxnChg chg="mod">
-          <ac:chgData name="Bo Tang" userId="332dbdf67b1791cd" providerId="LiveId" clId="{3BE4D848-BA37-48A2-9EC5-54C607BA4780}" dt="2024-03-15T03:06:17.223" v="26"/>
+          <ac:chgData name="Bo Tang" userId="332dbdf67b1791cd" providerId="LiveId" clId="{3BE4D848-BA37-48A2-9EC5-54C607BA4780}" dt="2024-03-15T03:19:33.715" v="38" actId="20577"/>
           <ac:cxnSpMkLst>
             <pc:docMk/>
             <pc:sldMk cId="705045716" sldId="256"/>
@@ -1432,7 +1432,7 @@
           </ac:cxnSpMkLst>
         </pc:cxnChg>
         <pc:cxnChg chg="mod">
-          <ac:chgData name="Bo Tang" userId="332dbdf67b1791cd" providerId="LiveId" clId="{3BE4D848-BA37-48A2-9EC5-54C607BA4780}" dt="2024-03-15T03:06:17.223" v="26"/>
+          <ac:chgData name="Bo Tang" userId="332dbdf67b1791cd" providerId="LiveId" clId="{3BE4D848-BA37-48A2-9EC5-54C607BA4780}" dt="2024-03-15T03:19:33.715" v="38" actId="20577"/>
           <ac:cxnSpMkLst>
             <pc:docMk/>
             <pc:sldMk cId="705045716" sldId="256"/>
@@ -1440,7 +1440,7 @@
           </ac:cxnSpMkLst>
         </pc:cxnChg>
         <pc:cxnChg chg="mod">
-          <ac:chgData name="Bo Tang" userId="332dbdf67b1791cd" providerId="LiveId" clId="{3BE4D848-BA37-48A2-9EC5-54C607BA4780}" dt="2024-03-15T03:06:17.223" v="26"/>
+          <ac:chgData name="Bo Tang" userId="332dbdf67b1791cd" providerId="LiveId" clId="{3BE4D848-BA37-48A2-9EC5-54C607BA4780}" dt="2024-03-15T03:19:33.715" v="38" actId="20577"/>
           <ac:cxnSpMkLst>
             <pc:docMk/>
             <pc:sldMk cId="705045716" sldId="256"/>
@@ -1448,7 +1448,7 @@
           </ac:cxnSpMkLst>
         </pc:cxnChg>
         <pc:cxnChg chg="mod">
-          <ac:chgData name="Bo Tang" userId="332dbdf67b1791cd" providerId="LiveId" clId="{3BE4D848-BA37-48A2-9EC5-54C607BA4780}" dt="2024-03-15T03:06:17.223" v="26"/>
+          <ac:chgData name="Bo Tang" userId="332dbdf67b1791cd" providerId="LiveId" clId="{3BE4D848-BA37-48A2-9EC5-54C607BA4780}" dt="2024-03-15T03:19:33.715" v="38" actId="20577"/>
           <ac:cxnSpMkLst>
             <pc:docMk/>
             <pc:sldMk cId="705045716" sldId="256"/>
@@ -1456,7 +1456,7 @@
           </ac:cxnSpMkLst>
         </pc:cxnChg>
         <pc:cxnChg chg="mod">
-          <ac:chgData name="Bo Tang" userId="332dbdf67b1791cd" providerId="LiveId" clId="{3BE4D848-BA37-48A2-9EC5-54C607BA4780}" dt="2024-03-15T03:06:17.223" v="26"/>
+          <ac:chgData name="Bo Tang" userId="332dbdf67b1791cd" providerId="LiveId" clId="{3BE4D848-BA37-48A2-9EC5-54C607BA4780}" dt="2024-03-15T03:19:33.715" v="38" actId="20577"/>
           <ac:cxnSpMkLst>
             <pc:docMk/>
             <pc:sldMk cId="705045716" sldId="256"/>
@@ -9401,7 +9401,7 @@
                   <p:spPr>
                     <a:xfrm>
                       <a:off x="8253874" y="3097160"/>
-                      <a:ext cx="1984445" cy="748795"/>
+                      <a:ext cx="1984445" cy="720454"/>
                     </a:xfrm>
                     <a:prstGeom prst="rect">
                       <a:avLst/>
@@ -9504,7 +9504,7 @@
                               </m:dPr>
                               <m:e>
                                 <m:r>
-                                  <a:rPr lang="en-US" altLang="zh-CN" sz="1500" b="1" i="1">
+                                  <a:rPr lang="en-US" sz="1500" b="0" i="1" smtClean="0">
                                     <a:solidFill>
                                       <a:schemeClr val="tx2">
                                         <a:lumMod val="50000"/>
@@ -9512,29 +9512,19 @@
                                     </a:solidFill>
                                     <a:latin typeface="Cambria Math" panose="02040503050406030204" pitchFamily="18" charset="0"/>
                                   </a:rPr>
-                                  <m:t>𝟏</m:t>
+                                  <m:t>1−</m:t>
                                 </m:r>
                                 <m:r>
-                                  <a:rPr lang="en-US" altLang="zh-CN" sz="1500" b="1" i="1">
+                                  <a:rPr lang="en-US" sz="1500" b="0" i="1" smtClean="0">
                                     <a:solidFill>
                                       <a:schemeClr val="tx2">
                                         <a:lumMod val="50000"/>
                                       </a:schemeClr>
                                     </a:solidFill>
                                     <a:latin typeface="Cambria Math" panose="02040503050406030204" pitchFamily="18" charset="0"/>
+                                    <a:ea typeface="Cambria Math" panose="02040503050406030204" pitchFamily="18" charset="0"/>
                                   </a:rPr>
-                                  <m:t>−</m:t>
-                                </m:r>
-                                <m:r>
-                                  <a:rPr lang="zh-CN" altLang="en-US" sz="1500" b="1" i="1">
-                                    <a:solidFill>
-                                      <a:schemeClr val="tx2">
-                                        <a:lumMod val="50000"/>
-                                      </a:schemeClr>
-                                    </a:solidFill>
-                                    <a:latin typeface="Cambria Math" panose="02040503050406030204" pitchFamily="18" charset="0"/>
-                                  </a:rPr>
-                                  <m:t>𝜶</m:t>
+                                  <m:t>𝛾</m:t>
                                 </m:r>
                               </m:e>
                             </m:d>
@@ -9578,15 +9568,16 @@
                               <m:t>+</m:t>
                             </m:r>
                             <m:r>
-                              <a:rPr lang="zh-CN" altLang="en-US" sz="1500" b="1" i="1">
+                              <a:rPr lang="en-US" sz="1500" i="1" smtClean="0">
                                 <a:solidFill>
                                   <a:schemeClr val="tx2">
                                     <a:lumMod val="50000"/>
                                   </a:schemeClr>
                                 </a:solidFill>
                                 <a:latin typeface="Cambria Math" panose="02040503050406030204" pitchFamily="18" charset="0"/>
+                                <a:ea typeface="Cambria Math" panose="02040503050406030204" pitchFamily="18" charset="0"/>
                               </a:rPr>
-                              <m:t>𝜶</m:t>
+                              <m:t>𝛾</m:t>
                             </m:r>
                             <m:sSup>
                               <m:sSupPr>
@@ -9993,7 +9984,7 @@
                   <p:spPr>
                     <a:xfrm>
                       <a:off x="8253874" y="3097160"/>
-                      <a:ext cx="1984445" cy="748795"/>
+                      <a:ext cx="1984445" cy="720454"/>
                     </a:xfrm>
                     <a:prstGeom prst="rect">
                       <a:avLst/>
@@ -10001,7 +9992,7 @@
                     <a:blipFill>
                       <a:blip r:embed="rId12"/>
                       <a:stretch>
-                        <a:fillRect l="-3385" t="-79675" r="-30462" b="-156911"/>
+                        <a:fillRect l="-1846" t="-82353" r="-30462" b="-165546"/>
                       </a:stretch>
                     </a:blipFill>
                   </p:spPr>

--- a/images/cave.pptx
+++ b/images/cave.pptx
@@ -115,7 +115,7 @@
 <file path=ppt/revisionInfo.xml><?xml version="1.0" encoding="utf-8"?>
 <p1510:revInfo xmlns:a="http://schemas.openxmlformats.org/drawingml/2006/main" xmlns:r="http://schemas.openxmlformats.org/officeDocument/2006/relationships" xmlns:p1510="http://schemas.microsoft.com/office/powerpoint/2015/10/main">
   <p1510:revLst>
-    <p1510:client id="{3BE4D848-BA37-48A2-9EC5-54C607BA4780}" v="44" dt="2024-03-15T03:19:53.932"/>
+    <p1510:client id="{3BE4D848-BA37-48A2-9EC5-54C607BA4780}" v="59" dt="2024-03-15T21:11:05.997"/>
   </p1510:revLst>
 </p1510:revInfo>
 </file>
@@ -869,18 +869,18 @@
   <pc:docChgLst>
     <pc:chgData name="Bo Tang" userId="332dbdf67b1791cd" providerId="LiveId" clId="{3BE4D848-BA37-48A2-9EC5-54C607BA4780}"/>
     <pc:docChg chg="undo custSel modSld">
-      <pc:chgData name="Bo Tang" userId="332dbdf67b1791cd" providerId="LiveId" clId="{3BE4D848-BA37-48A2-9EC5-54C607BA4780}" dt="2024-03-15T03:19:53.932" v="48" actId="16959"/>
+      <pc:chgData name="Bo Tang" userId="332dbdf67b1791cd" providerId="LiveId" clId="{3BE4D848-BA37-48A2-9EC5-54C607BA4780}" dt="2024-03-15T21:11:05.997" v="64" actId="20577"/>
       <pc:docMkLst>
         <pc:docMk/>
       </pc:docMkLst>
       <pc:sldChg chg="modSp mod">
-        <pc:chgData name="Bo Tang" userId="332dbdf67b1791cd" providerId="LiveId" clId="{3BE4D848-BA37-48A2-9EC5-54C607BA4780}" dt="2024-03-15T03:19:53.932" v="48" actId="16959"/>
+        <pc:chgData name="Bo Tang" userId="332dbdf67b1791cd" providerId="LiveId" clId="{3BE4D848-BA37-48A2-9EC5-54C607BA4780}" dt="2024-03-15T21:11:05.997" v="64" actId="20577"/>
         <pc:sldMkLst>
           <pc:docMk/>
           <pc:sldMk cId="705045716" sldId="256"/>
         </pc:sldMkLst>
         <pc:spChg chg="mod">
-          <ac:chgData name="Bo Tang" userId="332dbdf67b1791cd" providerId="LiveId" clId="{3BE4D848-BA37-48A2-9EC5-54C607BA4780}" dt="2024-03-15T03:19:33.715" v="38" actId="20577"/>
+          <ac:chgData name="Bo Tang" userId="332dbdf67b1791cd" providerId="LiveId" clId="{3BE4D848-BA37-48A2-9EC5-54C607BA4780}" dt="2024-03-15T21:09:19.362" v="61"/>
           <ac:spMkLst>
             <pc:docMk/>
             <pc:sldMk cId="705045716" sldId="256"/>
@@ -888,7 +888,7 @@
           </ac:spMkLst>
         </pc:spChg>
         <pc:spChg chg="mod">
-          <ac:chgData name="Bo Tang" userId="332dbdf67b1791cd" providerId="LiveId" clId="{3BE4D848-BA37-48A2-9EC5-54C607BA4780}" dt="2024-03-15T03:19:33.715" v="38" actId="20577"/>
+          <ac:chgData name="Bo Tang" userId="332dbdf67b1791cd" providerId="LiveId" clId="{3BE4D848-BA37-48A2-9EC5-54C607BA4780}" dt="2024-03-15T21:09:19.362" v="61"/>
           <ac:spMkLst>
             <pc:docMk/>
             <pc:sldMk cId="705045716" sldId="256"/>
@@ -896,7 +896,7 @@
           </ac:spMkLst>
         </pc:spChg>
         <pc:spChg chg="mod">
-          <ac:chgData name="Bo Tang" userId="332dbdf67b1791cd" providerId="LiveId" clId="{3BE4D848-BA37-48A2-9EC5-54C607BA4780}" dt="2024-03-15T03:19:33.715" v="38" actId="20577"/>
+          <ac:chgData name="Bo Tang" userId="332dbdf67b1791cd" providerId="LiveId" clId="{3BE4D848-BA37-48A2-9EC5-54C607BA4780}" dt="2024-03-15T21:09:19.362" v="61"/>
           <ac:spMkLst>
             <pc:docMk/>
             <pc:sldMk cId="705045716" sldId="256"/>
@@ -904,7 +904,7 @@
           </ac:spMkLst>
         </pc:spChg>
         <pc:spChg chg="mod">
-          <ac:chgData name="Bo Tang" userId="332dbdf67b1791cd" providerId="LiveId" clId="{3BE4D848-BA37-48A2-9EC5-54C607BA4780}" dt="2024-03-15T03:19:53.932" v="48" actId="16959"/>
+          <ac:chgData name="Bo Tang" userId="332dbdf67b1791cd" providerId="LiveId" clId="{3BE4D848-BA37-48A2-9EC5-54C607BA4780}" dt="2024-03-15T21:11:05.997" v="64" actId="20577"/>
           <ac:spMkLst>
             <pc:docMk/>
             <pc:sldMk cId="705045716" sldId="256"/>
@@ -912,7 +912,7 @@
           </ac:spMkLst>
         </pc:spChg>
         <pc:spChg chg="mod">
-          <ac:chgData name="Bo Tang" userId="332dbdf67b1791cd" providerId="LiveId" clId="{3BE4D848-BA37-48A2-9EC5-54C607BA4780}" dt="2024-03-15T03:19:33.715" v="38" actId="20577"/>
+          <ac:chgData name="Bo Tang" userId="332dbdf67b1791cd" providerId="LiveId" clId="{3BE4D848-BA37-48A2-9EC5-54C607BA4780}" dt="2024-03-15T21:09:19.362" v="61"/>
           <ac:spMkLst>
             <pc:docMk/>
             <pc:sldMk cId="705045716" sldId="256"/>
@@ -920,7 +920,7 @@
           </ac:spMkLst>
         </pc:spChg>
         <pc:spChg chg="mod">
-          <ac:chgData name="Bo Tang" userId="332dbdf67b1791cd" providerId="LiveId" clId="{3BE4D848-BA37-48A2-9EC5-54C607BA4780}" dt="2024-03-15T03:19:33.715" v="38" actId="20577"/>
+          <ac:chgData name="Bo Tang" userId="332dbdf67b1791cd" providerId="LiveId" clId="{3BE4D848-BA37-48A2-9EC5-54C607BA4780}" dt="2024-03-15T21:09:19.362" v="61"/>
           <ac:spMkLst>
             <pc:docMk/>
             <pc:sldMk cId="705045716" sldId="256"/>
@@ -928,7 +928,7 @@
           </ac:spMkLst>
         </pc:spChg>
         <pc:spChg chg="mod">
-          <ac:chgData name="Bo Tang" userId="332dbdf67b1791cd" providerId="LiveId" clId="{3BE4D848-BA37-48A2-9EC5-54C607BA4780}" dt="2024-03-15T03:19:33.715" v="38" actId="20577"/>
+          <ac:chgData name="Bo Tang" userId="332dbdf67b1791cd" providerId="LiveId" clId="{3BE4D848-BA37-48A2-9EC5-54C607BA4780}" dt="2024-03-15T21:09:19.362" v="61"/>
           <ac:spMkLst>
             <pc:docMk/>
             <pc:sldMk cId="705045716" sldId="256"/>
@@ -936,7 +936,7 @@
           </ac:spMkLst>
         </pc:spChg>
         <pc:spChg chg="mod">
-          <ac:chgData name="Bo Tang" userId="332dbdf67b1791cd" providerId="LiveId" clId="{3BE4D848-BA37-48A2-9EC5-54C607BA4780}" dt="2024-03-15T03:19:33.715" v="38" actId="20577"/>
+          <ac:chgData name="Bo Tang" userId="332dbdf67b1791cd" providerId="LiveId" clId="{3BE4D848-BA37-48A2-9EC5-54C607BA4780}" dt="2024-03-15T21:09:19.362" v="61"/>
           <ac:spMkLst>
             <pc:docMk/>
             <pc:sldMk cId="705045716" sldId="256"/>
@@ -944,7 +944,7 @@
           </ac:spMkLst>
         </pc:spChg>
         <pc:spChg chg="mod">
-          <ac:chgData name="Bo Tang" userId="332dbdf67b1791cd" providerId="LiveId" clId="{3BE4D848-BA37-48A2-9EC5-54C607BA4780}" dt="2024-03-15T03:19:33.715" v="38" actId="20577"/>
+          <ac:chgData name="Bo Tang" userId="332dbdf67b1791cd" providerId="LiveId" clId="{3BE4D848-BA37-48A2-9EC5-54C607BA4780}" dt="2024-03-15T21:09:19.362" v="61"/>
           <ac:spMkLst>
             <pc:docMk/>
             <pc:sldMk cId="705045716" sldId="256"/>
@@ -952,7 +952,7 @@
           </ac:spMkLst>
         </pc:spChg>
         <pc:spChg chg="mod">
-          <ac:chgData name="Bo Tang" userId="332dbdf67b1791cd" providerId="LiveId" clId="{3BE4D848-BA37-48A2-9EC5-54C607BA4780}" dt="2024-03-15T03:19:33.715" v="38" actId="20577"/>
+          <ac:chgData name="Bo Tang" userId="332dbdf67b1791cd" providerId="LiveId" clId="{3BE4D848-BA37-48A2-9EC5-54C607BA4780}" dt="2024-03-15T21:09:19.362" v="61"/>
           <ac:spMkLst>
             <pc:docMk/>
             <pc:sldMk cId="705045716" sldId="256"/>
@@ -960,7 +960,7 @@
           </ac:spMkLst>
         </pc:spChg>
         <pc:spChg chg="mod">
-          <ac:chgData name="Bo Tang" userId="332dbdf67b1791cd" providerId="LiveId" clId="{3BE4D848-BA37-48A2-9EC5-54C607BA4780}" dt="2024-03-15T03:19:33.715" v="38" actId="20577"/>
+          <ac:chgData name="Bo Tang" userId="332dbdf67b1791cd" providerId="LiveId" clId="{3BE4D848-BA37-48A2-9EC5-54C607BA4780}" dt="2024-03-15T21:09:19.362" v="61"/>
           <ac:spMkLst>
             <pc:docMk/>
             <pc:sldMk cId="705045716" sldId="256"/>
@@ -968,7 +968,7 @@
           </ac:spMkLst>
         </pc:spChg>
         <pc:spChg chg="mod">
-          <ac:chgData name="Bo Tang" userId="332dbdf67b1791cd" providerId="LiveId" clId="{3BE4D848-BA37-48A2-9EC5-54C607BA4780}" dt="2024-03-15T03:19:33.715" v="38" actId="20577"/>
+          <ac:chgData name="Bo Tang" userId="332dbdf67b1791cd" providerId="LiveId" clId="{3BE4D848-BA37-48A2-9EC5-54C607BA4780}" dt="2024-03-15T21:09:19.362" v="61"/>
           <ac:spMkLst>
             <pc:docMk/>
             <pc:sldMk cId="705045716" sldId="256"/>
@@ -976,7 +976,7 @@
           </ac:spMkLst>
         </pc:spChg>
         <pc:spChg chg="mod">
-          <ac:chgData name="Bo Tang" userId="332dbdf67b1791cd" providerId="LiveId" clId="{3BE4D848-BA37-48A2-9EC5-54C607BA4780}" dt="2024-03-15T03:19:33.715" v="38" actId="20577"/>
+          <ac:chgData name="Bo Tang" userId="332dbdf67b1791cd" providerId="LiveId" clId="{3BE4D848-BA37-48A2-9EC5-54C607BA4780}" dt="2024-03-15T21:09:19.362" v="61"/>
           <ac:spMkLst>
             <pc:docMk/>
             <pc:sldMk cId="705045716" sldId="256"/>
@@ -984,7 +984,7 @@
           </ac:spMkLst>
         </pc:spChg>
         <pc:spChg chg="mod">
-          <ac:chgData name="Bo Tang" userId="332dbdf67b1791cd" providerId="LiveId" clId="{3BE4D848-BA37-48A2-9EC5-54C607BA4780}" dt="2024-03-15T03:19:33.715" v="38" actId="20577"/>
+          <ac:chgData name="Bo Tang" userId="332dbdf67b1791cd" providerId="LiveId" clId="{3BE4D848-BA37-48A2-9EC5-54C607BA4780}" dt="2024-03-15T21:09:19.362" v="61"/>
           <ac:spMkLst>
             <pc:docMk/>
             <pc:sldMk cId="705045716" sldId="256"/>
@@ -992,7 +992,7 @@
           </ac:spMkLst>
         </pc:spChg>
         <pc:spChg chg="mod">
-          <ac:chgData name="Bo Tang" userId="332dbdf67b1791cd" providerId="LiveId" clId="{3BE4D848-BA37-48A2-9EC5-54C607BA4780}" dt="2024-03-15T03:19:33.715" v="38" actId="20577"/>
+          <ac:chgData name="Bo Tang" userId="332dbdf67b1791cd" providerId="LiveId" clId="{3BE4D848-BA37-48A2-9EC5-54C607BA4780}" dt="2024-03-15T21:09:19.362" v="61"/>
           <ac:spMkLst>
             <pc:docMk/>
             <pc:sldMk cId="705045716" sldId="256"/>
@@ -1000,7 +1000,7 @@
           </ac:spMkLst>
         </pc:spChg>
         <pc:spChg chg="mod">
-          <ac:chgData name="Bo Tang" userId="332dbdf67b1791cd" providerId="LiveId" clId="{3BE4D848-BA37-48A2-9EC5-54C607BA4780}" dt="2024-03-15T03:19:33.715" v="38" actId="20577"/>
+          <ac:chgData name="Bo Tang" userId="332dbdf67b1791cd" providerId="LiveId" clId="{3BE4D848-BA37-48A2-9EC5-54C607BA4780}" dt="2024-03-15T21:09:19.362" v="61"/>
           <ac:spMkLst>
             <pc:docMk/>
             <pc:sldMk cId="705045716" sldId="256"/>
@@ -1008,7 +1008,7 @@
           </ac:spMkLst>
         </pc:spChg>
         <pc:spChg chg="mod">
-          <ac:chgData name="Bo Tang" userId="332dbdf67b1791cd" providerId="LiveId" clId="{3BE4D848-BA37-48A2-9EC5-54C607BA4780}" dt="2024-03-15T03:19:33.715" v="38" actId="20577"/>
+          <ac:chgData name="Bo Tang" userId="332dbdf67b1791cd" providerId="LiveId" clId="{3BE4D848-BA37-48A2-9EC5-54C607BA4780}" dt="2024-03-15T21:09:19.362" v="61"/>
           <ac:spMkLst>
             <pc:docMk/>
             <pc:sldMk cId="705045716" sldId="256"/>
@@ -1016,7 +1016,7 @@
           </ac:spMkLst>
         </pc:spChg>
         <pc:spChg chg="mod">
-          <ac:chgData name="Bo Tang" userId="332dbdf67b1791cd" providerId="LiveId" clId="{3BE4D848-BA37-48A2-9EC5-54C607BA4780}" dt="2024-03-15T03:19:33.715" v="38" actId="20577"/>
+          <ac:chgData name="Bo Tang" userId="332dbdf67b1791cd" providerId="LiveId" clId="{3BE4D848-BA37-48A2-9EC5-54C607BA4780}" dt="2024-03-15T21:09:19.362" v="61"/>
           <ac:spMkLst>
             <pc:docMk/>
             <pc:sldMk cId="705045716" sldId="256"/>
@@ -1024,7 +1024,7 @@
           </ac:spMkLst>
         </pc:spChg>
         <pc:spChg chg="mod">
-          <ac:chgData name="Bo Tang" userId="332dbdf67b1791cd" providerId="LiveId" clId="{3BE4D848-BA37-48A2-9EC5-54C607BA4780}" dt="2024-03-15T03:19:33.715" v="38" actId="20577"/>
+          <ac:chgData name="Bo Tang" userId="332dbdf67b1791cd" providerId="LiveId" clId="{3BE4D848-BA37-48A2-9EC5-54C607BA4780}" dt="2024-03-15T21:09:19.362" v="61"/>
           <ac:spMkLst>
             <pc:docMk/>
             <pc:sldMk cId="705045716" sldId="256"/>
@@ -1032,7 +1032,7 @@
           </ac:spMkLst>
         </pc:spChg>
         <pc:spChg chg="mod">
-          <ac:chgData name="Bo Tang" userId="332dbdf67b1791cd" providerId="LiveId" clId="{3BE4D848-BA37-48A2-9EC5-54C607BA4780}" dt="2024-03-15T03:19:33.715" v="38" actId="20577"/>
+          <ac:chgData name="Bo Tang" userId="332dbdf67b1791cd" providerId="LiveId" clId="{3BE4D848-BA37-48A2-9EC5-54C607BA4780}" dt="2024-03-15T21:09:19.362" v="61"/>
           <ac:spMkLst>
             <pc:docMk/>
             <pc:sldMk cId="705045716" sldId="256"/>
@@ -1040,7 +1040,7 @@
           </ac:spMkLst>
         </pc:spChg>
         <pc:spChg chg="mod">
-          <ac:chgData name="Bo Tang" userId="332dbdf67b1791cd" providerId="LiveId" clId="{3BE4D848-BA37-48A2-9EC5-54C607BA4780}" dt="2024-03-15T03:19:33.715" v="38" actId="20577"/>
+          <ac:chgData name="Bo Tang" userId="332dbdf67b1791cd" providerId="LiveId" clId="{3BE4D848-BA37-48A2-9EC5-54C607BA4780}" dt="2024-03-15T21:09:19.362" v="61"/>
           <ac:spMkLst>
             <pc:docMk/>
             <pc:sldMk cId="705045716" sldId="256"/>
@@ -1048,7 +1048,7 @@
           </ac:spMkLst>
         </pc:spChg>
         <pc:spChg chg="mod">
-          <ac:chgData name="Bo Tang" userId="332dbdf67b1791cd" providerId="LiveId" clId="{3BE4D848-BA37-48A2-9EC5-54C607BA4780}" dt="2024-03-15T03:19:33.715" v="38" actId="20577"/>
+          <ac:chgData name="Bo Tang" userId="332dbdf67b1791cd" providerId="LiveId" clId="{3BE4D848-BA37-48A2-9EC5-54C607BA4780}" dt="2024-03-15T21:09:19.362" v="61"/>
           <ac:spMkLst>
             <pc:docMk/>
             <pc:sldMk cId="705045716" sldId="256"/>
@@ -1056,7 +1056,7 @@
           </ac:spMkLst>
         </pc:spChg>
         <pc:spChg chg="mod">
-          <ac:chgData name="Bo Tang" userId="332dbdf67b1791cd" providerId="LiveId" clId="{3BE4D848-BA37-48A2-9EC5-54C607BA4780}" dt="2024-03-15T03:19:33.715" v="38" actId="20577"/>
+          <ac:chgData name="Bo Tang" userId="332dbdf67b1791cd" providerId="LiveId" clId="{3BE4D848-BA37-48A2-9EC5-54C607BA4780}" dt="2024-03-15T21:09:19.362" v="61"/>
           <ac:spMkLst>
             <pc:docMk/>
             <pc:sldMk cId="705045716" sldId="256"/>
@@ -1064,7 +1064,7 @@
           </ac:spMkLst>
         </pc:spChg>
         <pc:spChg chg="mod">
-          <ac:chgData name="Bo Tang" userId="332dbdf67b1791cd" providerId="LiveId" clId="{3BE4D848-BA37-48A2-9EC5-54C607BA4780}" dt="2024-03-15T03:19:33.715" v="38" actId="20577"/>
+          <ac:chgData name="Bo Tang" userId="332dbdf67b1791cd" providerId="LiveId" clId="{3BE4D848-BA37-48A2-9EC5-54C607BA4780}" dt="2024-03-15T21:09:19.362" v="61"/>
           <ac:spMkLst>
             <pc:docMk/>
             <pc:sldMk cId="705045716" sldId="256"/>
@@ -1072,7 +1072,7 @@
           </ac:spMkLst>
         </pc:spChg>
         <pc:spChg chg="mod">
-          <ac:chgData name="Bo Tang" userId="332dbdf67b1791cd" providerId="LiveId" clId="{3BE4D848-BA37-48A2-9EC5-54C607BA4780}" dt="2024-03-15T03:19:33.715" v="38" actId="20577"/>
+          <ac:chgData name="Bo Tang" userId="332dbdf67b1791cd" providerId="LiveId" clId="{3BE4D848-BA37-48A2-9EC5-54C607BA4780}" dt="2024-03-15T21:09:19.362" v="61"/>
           <ac:spMkLst>
             <pc:docMk/>
             <pc:sldMk cId="705045716" sldId="256"/>
@@ -1080,7 +1080,7 @@
           </ac:spMkLst>
         </pc:spChg>
         <pc:spChg chg="mod">
-          <ac:chgData name="Bo Tang" userId="332dbdf67b1791cd" providerId="LiveId" clId="{3BE4D848-BA37-48A2-9EC5-54C607BA4780}" dt="2024-03-15T03:19:33.715" v="38" actId="20577"/>
+          <ac:chgData name="Bo Tang" userId="332dbdf67b1791cd" providerId="LiveId" clId="{3BE4D848-BA37-48A2-9EC5-54C607BA4780}" dt="2024-03-15T21:09:19.362" v="61"/>
           <ac:spMkLst>
             <pc:docMk/>
             <pc:sldMk cId="705045716" sldId="256"/>
@@ -1088,7 +1088,7 @@
           </ac:spMkLst>
         </pc:spChg>
         <pc:spChg chg="mod">
-          <ac:chgData name="Bo Tang" userId="332dbdf67b1791cd" providerId="LiveId" clId="{3BE4D848-BA37-48A2-9EC5-54C607BA4780}" dt="2024-03-15T03:19:33.715" v="38" actId="20577"/>
+          <ac:chgData name="Bo Tang" userId="332dbdf67b1791cd" providerId="LiveId" clId="{3BE4D848-BA37-48A2-9EC5-54C607BA4780}" dt="2024-03-15T21:09:19.362" v="61"/>
           <ac:spMkLst>
             <pc:docMk/>
             <pc:sldMk cId="705045716" sldId="256"/>
@@ -1096,7 +1096,7 @@
           </ac:spMkLst>
         </pc:spChg>
         <pc:spChg chg="mod">
-          <ac:chgData name="Bo Tang" userId="332dbdf67b1791cd" providerId="LiveId" clId="{3BE4D848-BA37-48A2-9EC5-54C607BA4780}" dt="2024-03-15T03:19:33.715" v="38" actId="20577"/>
+          <ac:chgData name="Bo Tang" userId="332dbdf67b1791cd" providerId="LiveId" clId="{3BE4D848-BA37-48A2-9EC5-54C607BA4780}" dt="2024-03-15T21:09:19.362" v="61"/>
           <ac:spMkLst>
             <pc:docMk/>
             <pc:sldMk cId="705045716" sldId="256"/>
@@ -1104,7 +1104,7 @@
           </ac:spMkLst>
         </pc:spChg>
         <pc:spChg chg="mod">
-          <ac:chgData name="Bo Tang" userId="332dbdf67b1791cd" providerId="LiveId" clId="{3BE4D848-BA37-48A2-9EC5-54C607BA4780}" dt="2024-03-15T03:19:33.715" v="38" actId="20577"/>
+          <ac:chgData name="Bo Tang" userId="332dbdf67b1791cd" providerId="LiveId" clId="{3BE4D848-BA37-48A2-9EC5-54C607BA4780}" dt="2024-03-15T21:09:19.362" v="61"/>
           <ac:spMkLst>
             <pc:docMk/>
             <pc:sldMk cId="705045716" sldId="256"/>
@@ -1112,7 +1112,7 @@
           </ac:spMkLst>
         </pc:spChg>
         <pc:spChg chg="mod">
-          <ac:chgData name="Bo Tang" userId="332dbdf67b1791cd" providerId="LiveId" clId="{3BE4D848-BA37-48A2-9EC5-54C607BA4780}" dt="2024-03-15T03:19:33.715" v="38" actId="20577"/>
+          <ac:chgData name="Bo Tang" userId="332dbdf67b1791cd" providerId="LiveId" clId="{3BE4D848-BA37-48A2-9EC5-54C607BA4780}" dt="2024-03-15T21:09:19.362" v="61"/>
           <ac:spMkLst>
             <pc:docMk/>
             <pc:sldMk cId="705045716" sldId="256"/>
@@ -1120,7 +1120,7 @@
           </ac:spMkLst>
         </pc:spChg>
         <pc:spChg chg="mod">
-          <ac:chgData name="Bo Tang" userId="332dbdf67b1791cd" providerId="LiveId" clId="{3BE4D848-BA37-48A2-9EC5-54C607BA4780}" dt="2024-03-15T03:19:33.715" v="38" actId="20577"/>
+          <ac:chgData name="Bo Tang" userId="332dbdf67b1791cd" providerId="LiveId" clId="{3BE4D848-BA37-48A2-9EC5-54C607BA4780}" dt="2024-03-15T21:09:19.362" v="61"/>
           <ac:spMkLst>
             <pc:docMk/>
             <pc:sldMk cId="705045716" sldId="256"/>
@@ -1128,7 +1128,7 @@
           </ac:spMkLst>
         </pc:spChg>
         <pc:spChg chg="mod">
-          <ac:chgData name="Bo Tang" userId="332dbdf67b1791cd" providerId="LiveId" clId="{3BE4D848-BA37-48A2-9EC5-54C607BA4780}" dt="2024-03-15T03:19:33.715" v="38" actId="20577"/>
+          <ac:chgData name="Bo Tang" userId="332dbdf67b1791cd" providerId="LiveId" clId="{3BE4D848-BA37-48A2-9EC5-54C607BA4780}" dt="2024-03-15T21:09:19.362" v="61"/>
           <ac:spMkLst>
             <pc:docMk/>
             <pc:sldMk cId="705045716" sldId="256"/>
@@ -1136,7 +1136,7 @@
           </ac:spMkLst>
         </pc:spChg>
         <pc:spChg chg="mod">
-          <ac:chgData name="Bo Tang" userId="332dbdf67b1791cd" providerId="LiveId" clId="{3BE4D848-BA37-48A2-9EC5-54C607BA4780}" dt="2024-03-15T03:19:33.715" v="38" actId="20577"/>
+          <ac:chgData name="Bo Tang" userId="332dbdf67b1791cd" providerId="LiveId" clId="{3BE4D848-BA37-48A2-9EC5-54C607BA4780}" dt="2024-03-15T21:09:19.362" v="61"/>
           <ac:spMkLst>
             <pc:docMk/>
             <pc:sldMk cId="705045716" sldId="256"/>
@@ -1144,7 +1144,7 @@
           </ac:spMkLst>
         </pc:spChg>
         <pc:spChg chg="mod">
-          <ac:chgData name="Bo Tang" userId="332dbdf67b1791cd" providerId="LiveId" clId="{3BE4D848-BA37-48A2-9EC5-54C607BA4780}" dt="2024-03-15T03:19:33.715" v="38" actId="20577"/>
+          <ac:chgData name="Bo Tang" userId="332dbdf67b1791cd" providerId="LiveId" clId="{3BE4D848-BA37-48A2-9EC5-54C607BA4780}" dt="2024-03-15T21:09:19.362" v="61"/>
           <ac:spMkLst>
             <pc:docMk/>
             <pc:sldMk cId="705045716" sldId="256"/>
@@ -1152,7 +1152,7 @@
           </ac:spMkLst>
         </pc:spChg>
         <pc:spChg chg="mod">
-          <ac:chgData name="Bo Tang" userId="332dbdf67b1791cd" providerId="LiveId" clId="{3BE4D848-BA37-48A2-9EC5-54C607BA4780}" dt="2024-03-15T03:19:33.715" v="38" actId="20577"/>
+          <ac:chgData name="Bo Tang" userId="332dbdf67b1791cd" providerId="LiveId" clId="{3BE4D848-BA37-48A2-9EC5-54C607BA4780}" dt="2024-03-15T21:09:19.362" v="61"/>
           <ac:spMkLst>
             <pc:docMk/>
             <pc:sldMk cId="705045716" sldId="256"/>
@@ -1160,7 +1160,7 @@
           </ac:spMkLst>
         </pc:spChg>
         <pc:spChg chg="mod">
-          <ac:chgData name="Bo Tang" userId="332dbdf67b1791cd" providerId="LiveId" clId="{3BE4D848-BA37-48A2-9EC5-54C607BA4780}" dt="2024-03-15T03:19:33.715" v="38" actId="20577"/>
+          <ac:chgData name="Bo Tang" userId="332dbdf67b1791cd" providerId="LiveId" clId="{3BE4D848-BA37-48A2-9EC5-54C607BA4780}" dt="2024-03-15T21:09:19.362" v="61"/>
           <ac:spMkLst>
             <pc:docMk/>
             <pc:sldMk cId="705045716" sldId="256"/>
@@ -1168,7 +1168,7 @@
           </ac:spMkLst>
         </pc:spChg>
         <pc:grpChg chg="mod">
-          <ac:chgData name="Bo Tang" userId="332dbdf67b1791cd" providerId="LiveId" clId="{3BE4D848-BA37-48A2-9EC5-54C607BA4780}" dt="2024-03-15T03:19:33.715" v="38" actId="20577"/>
+          <ac:chgData name="Bo Tang" userId="332dbdf67b1791cd" providerId="LiveId" clId="{3BE4D848-BA37-48A2-9EC5-54C607BA4780}" dt="2024-03-15T21:09:19.362" v="61"/>
           <ac:grpSpMkLst>
             <pc:docMk/>
             <pc:sldMk cId="705045716" sldId="256"/>
@@ -1176,7 +1176,7 @@
           </ac:grpSpMkLst>
         </pc:grpChg>
         <pc:grpChg chg="mod">
-          <ac:chgData name="Bo Tang" userId="332dbdf67b1791cd" providerId="LiveId" clId="{3BE4D848-BA37-48A2-9EC5-54C607BA4780}" dt="2024-03-15T03:19:33.715" v="38" actId="20577"/>
+          <ac:chgData name="Bo Tang" userId="332dbdf67b1791cd" providerId="LiveId" clId="{3BE4D848-BA37-48A2-9EC5-54C607BA4780}" dt="2024-03-15T21:09:19.362" v="61"/>
           <ac:grpSpMkLst>
             <pc:docMk/>
             <pc:sldMk cId="705045716" sldId="256"/>
@@ -1184,7 +1184,7 @@
           </ac:grpSpMkLst>
         </pc:grpChg>
         <pc:grpChg chg="mod">
-          <ac:chgData name="Bo Tang" userId="332dbdf67b1791cd" providerId="LiveId" clId="{3BE4D848-BA37-48A2-9EC5-54C607BA4780}" dt="2024-03-15T03:19:33.715" v="38" actId="20577"/>
+          <ac:chgData name="Bo Tang" userId="332dbdf67b1791cd" providerId="LiveId" clId="{3BE4D848-BA37-48A2-9EC5-54C607BA4780}" dt="2024-03-15T21:09:19.362" v="61"/>
           <ac:grpSpMkLst>
             <pc:docMk/>
             <pc:sldMk cId="705045716" sldId="256"/>
@@ -1192,7 +1192,7 @@
           </ac:grpSpMkLst>
         </pc:grpChg>
         <pc:grpChg chg="mod">
-          <ac:chgData name="Bo Tang" userId="332dbdf67b1791cd" providerId="LiveId" clId="{3BE4D848-BA37-48A2-9EC5-54C607BA4780}" dt="2024-03-15T03:19:33.715" v="38" actId="20577"/>
+          <ac:chgData name="Bo Tang" userId="332dbdf67b1791cd" providerId="LiveId" clId="{3BE4D848-BA37-48A2-9EC5-54C607BA4780}" dt="2024-03-15T21:09:19.362" v="61"/>
           <ac:grpSpMkLst>
             <pc:docMk/>
             <pc:sldMk cId="705045716" sldId="256"/>
@@ -1200,7 +1200,7 @@
           </ac:grpSpMkLst>
         </pc:grpChg>
         <pc:grpChg chg="mod">
-          <ac:chgData name="Bo Tang" userId="332dbdf67b1791cd" providerId="LiveId" clId="{3BE4D848-BA37-48A2-9EC5-54C607BA4780}" dt="2024-03-15T03:19:33.715" v="38" actId="20577"/>
+          <ac:chgData name="Bo Tang" userId="332dbdf67b1791cd" providerId="LiveId" clId="{3BE4D848-BA37-48A2-9EC5-54C607BA4780}" dt="2024-03-15T21:09:19.362" v="61"/>
           <ac:grpSpMkLst>
             <pc:docMk/>
             <pc:sldMk cId="705045716" sldId="256"/>
@@ -1208,7 +1208,7 @@
           </ac:grpSpMkLst>
         </pc:grpChg>
         <pc:grpChg chg="mod">
-          <ac:chgData name="Bo Tang" userId="332dbdf67b1791cd" providerId="LiveId" clId="{3BE4D848-BA37-48A2-9EC5-54C607BA4780}" dt="2024-03-15T03:19:33.715" v="38" actId="20577"/>
+          <ac:chgData name="Bo Tang" userId="332dbdf67b1791cd" providerId="LiveId" clId="{3BE4D848-BA37-48A2-9EC5-54C607BA4780}" dt="2024-03-15T21:09:19.362" v="61"/>
           <ac:grpSpMkLst>
             <pc:docMk/>
             <pc:sldMk cId="705045716" sldId="256"/>
@@ -1216,7 +1216,7 @@
           </ac:grpSpMkLst>
         </pc:grpChg>
         <pc:grpChg chg="mod">
-          <ac:chgData name="Bo Tang" userId="332dbdf67b1791cd" providerId="LiveId" clId="{3BE4D848-BA37-48A2-9EC5-54C607BA4780}" dt="2024-03-15T03:19:33.715" v="38" actId="20577"/>
+          <ac:chgData name="Bo Tang" userId="332dbdf67b1791cd" providerId="LiveId" clId="{3BE4D848-BA37-48A2-9EC5-54C607BA4780}" dt="2024-03-15T21:09:19.362" v="61"/>
           <ac:grpSpMkLst>
             <pc:docMk/>
             <pc:sldMk cId="705045716" sldId="256"/>
@@ -1224,7 +1224,7 @@
           </ac:grpSpMkLst>
         </pc:grpChg>
         <pc:grpChg chg="mod">
-          <ac:chgData name="Bo Tang" userId="332dbdf67b1791cd" providerId="LiveId" clId="{3BE4D848-BA37-48A2-9EC5-54C607BA4780}" dt="2024-03-15T03:19:33.715" v="38" actId="20577"/>
+          <ac:chgData name="Bo Tang" userId="332dbdf67b1791cd" providerId="LiveId" clId="{3BE4D848-BA37-48A2-9EC5-54C607BA4780}" dt="2024-03-15T21:09:19.362" v="61"/>
           <ac:grpSpMkLst>
             <pc:docMk/>
             <pc:sldMk cId="705045716" sldId="256"/>
@@ -1232,7 +1232,7 @@
           </ac:grpSpMkLst>
         </pc:grpChg>
         <pc:grpChg chg="mod">
-          <ac:chgData name="Bo Tang" userId="332dbdf67b1791cd" providerId="LiveId" clId="{3BE4D848-BA37-48A2-9EC5-54C607BA4780}" dt="2024-03-15T03:19:33.715" v="38" actId="20577"/>
+          <ac:chgData name="Bo Tang" userId="332dbdf67b1791cd" providerId="LiveId" clId="{3BE4D848-BA37-48A2-9EC5-54C607BA4780}" dt="2024-03-15T21:09:19.362" v="61"/>
           <ac:grpSpMkLst>
             <pc:docMk/>
             <pc:sldMk cId="705045716" sldId="256"/>
@@ -1240,7 +1240,7 @@
           </ac:grpSpMkLst>
         </pc:grpChg>
         <pc:grpChg chg="mod">
-          <ac:chgData name="Bo Tang" userId="332dbdf67b1791cd" providerId="LiveId" clId="{3BE4D848-BA37-48A2-9EC5-54C607BA4780}" dt="2024-03-15T03:19:33.715" v="38" actId="20577"/>
+          <ac:chgData name="Bo Tang" userId="332dbdf67b1791cd" providerId="LiveId" clId="{3BE4D848-BA37-48A2-9EC5-54C607BA4780}" dt="2024-03-15T21:09:19.362" v="61"/>
           <ac:grpSpMkLst>
             <pc:docMk/>
             <pc:sldMk cId="705045716" sldId="256"/>
@@ -1248,7 +1248,7 @@
           </ac:grpSpMkLst>
         </pc:grpChg>
         <pc:grpChg chg="mod">
-          <ac:chgData name="Bo Tang" userId="332dbdf67b1791cd" providerId="LiveId" clId="{3BE4D848-BA37-48A2-9EC5-54C607BA4780}" dt="2024-03-15T03:19:33.715" v="38" actId="20577"/>
+          <ac:chgData name="Bo Tang" userId="332dbdf67b1791cd" providerId="LiveId" clId="{3BE4D848-BA37-48A2-9EC5-54C607BA4780}" dt="2024-03-15T21:09:19.362" v="61"/>
           <ac:grpSpMkLst>
             <pc:docMk/>
             <pc:sldMk cId="705045716" sldId="256"/>
@@ -1256,7 +1256,7 @@
           </ac:grpSpMkLst>
         </pc:grpChg>
         <pc:grpChg chg="mod">
-          <ac:chgData name="Bo Tang" userId="332dbdf67b1791cd" providerId="LiveId" clId="{3BE4D848-BA37-48A2-9EC5-54C607BA4780}" dt="2024-03-15T03:19:33.715" v="38" actId="20577"/>
+          <ac:chgData name="Bo Tang" userId="332dbdf67b1791cd" providerId="LiveId" clId="{3BE4D848-BA37-48A2-9EC5-54C607BA4780}" dt="2024-03-15T21:09:19.362" v="61"/>
           <ac:grpSpMkLst>
             <pc:docMk/>
             <pc:sldMk cId="705045716" sldId="256"/>
@@ -1264,7 +1264,7 @@
           </ac:grpSpMkLst>
         </pc:grpChg>
         <pc:grpChg chg="mod">
-          <ac:chgData name="Bo Tang" userId="332dbdf67b1791cd" providerId="LiveId" clId="{3BE4D848-BA37-48A2-9EC5-54C607BA4780}" dt="2024-03-15T03:19:33.715" v="38" actId="20577"/>
+          <ac:chgData name="Bo Tang" userId="332dbdf67b1791cd" providerId="LiveId" clId="{3BE4D848-BA37-48A2-9EC5-54C607BA4780}" dt="2024-03-15T21:09:19.362" v="61"/>
           <ac:grpSpMkLst>
             <pc:docMk/>
             <pc:sldMk cId="705045716" sldId="256"/>
@@ -1272,7 +1272,7 @@
           </ac:grpSpMkLst>
         </pc:grpChg>
         <pc:grpChg chg="mod">
-          <ac:chgData name="Bo Tang" userId="332dbdf67b1791cd" providerId="LiveId" clId="{3BE4D848-BA37-48A2-9EC5-54C607BA4780}" dt="2024-03-15T03:19:33.715" v="38" actId="20577"/>
+          <ac:chgData name="Bo Tang" userId="332dbdf67b1791cd" providerId="LiveId" clId="{3BE4D848-BA37-48A2-9EC5-54C607BA4780}" dt="2024-03-15T21:09:19.362" v="61"/>
           <ac:grpSpMkLst>
             <pc:docMk/>
             <pc:sldMk cId="705045716" sldId="256"/>
@@ -1280,7 +1280,7 @@
           </ac:grpSpMkLst>
         </pc:grpChg>
         <pc:grpChg chg="mod">
-          <ac:chgData name="Bo Tang" userId="332dbdf67b1791cd" providerId="LiveId" clId="{3BE4D848-BA37-48A2-9EC5-54C607BA4780}" dt="2024-03-15T03:19:33.715" v="38" actId="20577"/>
+          <ac:chgData name="Bo Tang" userId="332dbdf67b1791cd" providerId="LiveId" clId="{3BE4D848-BA37-48A2-9EC5-54C607BA4780}" dt="2024-03-15T21:09:19.362" v="61"/>
           <ac:grpSpMkLst>
             <pc:docMk/>
             <pc:sldMk cId="705045716" sldId="256"/>
@@ -1288,7 +1288,7 @@
           </ac:grpSpMkLst>
         </pc:grpChg>
         <pc:cxnChg chg="mod">
-          <ac:chgData name="Bo Tang" userId="332dbdf67b1791cd" providerId="LiveId" clId="{3BE4D848-BA37-48A2-9EC5-54C607BA4780}" dt="2024-03-15T03:19:33.715" v="38" actId="20577"/>
+          <ac:chgData name="Bo Tang" userId="332dbdf67b1791cd" providerId="LiveId" clId="{3BE4D848-BA37-48A2-9EC5-54C607BA4780}" dt="2024-03-15T21:09:19.362" v="61"/>
           <ac:cxnSpMkLst>
             <pc:docMk/>
             <pc:sldMk cId="705045716" sldId="256"/>
@@ -1296,7 +1296,7 @@
           </ac:cxnSpMkLst>
         </pc:cxnChg>
         <pc:cxnChg chg="mod">
-          <ac:chgData name="Bo Tang" userId="332dbdf67b1791cd" providerId="LiveId" clId="{3BE4D848-BA37-48A2-9EC5-54C607BA4780}" dt="2024-03-15T03:19:33.715" v="38" actId="20577"/>
+          <ac:chgData name="Bo Tang" userId="332dbdf67b1791cd" providerId="LiveId" clId="{3BE4D848-BA37-48A2-9EC5-54C607BA4780}" dt="2024-03-15T21:09:19.362" v="61"/>
           <ac:cxnSpMkLst>
             <pc:docMk/>
             <pc:sldMk cId="705045716" sldId="256"/>
@@ -1304,7 +1304,7 @@
           </ac:cxnSpMkLst>
         </pc:cxnChg>
         <pc:cxnChg chg="mod">
-          <ac:chgData name="Bo Tang" userId="332dbdf67b1791cd" providerId="LiveId" clId="{3BE4D848-BA37-48A2-9EC5-54C607BA4780}" dt="2024-03-15T03:19:33.715" v="38" actId="20577"/>
+          <ac:chgData name="Bo Tang" userId="332dbdf67b1791cd" providerId="LiveId" clId="{3BE4D848-BA37-48A2-9EC5-54C607BA4780}" dt="2024-03-15T21:09:19.362" v="61"/>
           <ac:cxnSpMkLst>
             <pc:docMk/>
             <pc:sldMk cId="705045716" sldId="256"/>
@@ -1312,7 +1312,7 @@
           </ac:cxnSpMkLst>
         </pc:cxnChg>
         <pc:cxnChg chg="mod">
-          <ac:chgData name="Bo Tang" userId="332dbdf67b1791cd" providerId="LiveId" clId="{3BE4D848-BA37-48A2-9EC5-54C607BA4780}" dt="2024-03-15T03:19:33.715" v="38" actId="20577"/>
+          <ac:chgData name="Bo Tang" userId="332dbdf67b1791cd" providerId="LiveId" clId="{3BE4D848-BA37-48A2-9EC5-54C607BA4780}" dt="2024-03-15T21:09:19.362" v="61"/>
           <ac:cxnSpMkLst>
             <pc:docMk/>
             <pc:sldMk cId="705045716" sldId="256"/>
@@ -1320,7 +1320,7 @@
           </ac:cxnSpMkLst>
         </pc:cxnChg>
         <pc:cxnChg chg="mod">
-          <ac:chgData name="Bo Tang" userId="332dbdf67b1791cd" providerId="LiveId" clId="{3BE4D848-BA37-48A2-9EC5-54C607BA4780}" dt="2024-03-15T03:19:33.715" v="38" actId="20577"/>
+          <ac:chgData name="Bo Tang" userId="332dbdf67b1791cd" providerId="LiveId" clId="{3BE4D848-BA37-48A2-9EC5-54C607BA4780}" dt="2024-03-15T21:09:19.362" v="61"/>
           <ac:cxnSpMkLst>
             <pc:docMk/>
             <pc:sldMk cId="705045716" sldId="256"/>
@@ -1328,7 +1328,7 @@
           </ac:cxnSpMkLst>
         </pc:cxnChg>
         <pc:cxnChg chg="mod">
-          <ac:chgData name="Bo Tang" userId="332dbdf67b1791cd" providerId="LiveId" clId="{3BE4D848-BA37-48A2-9EC5-54C607BA4780}" dt="2024-03-15T03:19:33.715" v="38" actId="20577"/>
+          <ac:chgData name="Bo Tang" userId="332dbdf67b1791cd" providerId="LiveId" clId="{3BE4D848-BA37-48A2-9EC5-54C607BA4780}" dt="2024-03-15T21:09:19.362" v="61"/>
           <ac:cxnSpMkLst>
             <pc:docMk/>
             <pc:sldMk cId="705045716" sldId="256"/>
@@ -1336,7 +1336,7 @@
           </ac:cxnSpMkLst>
         </pc:cxnChg>
         <pc:cxnChg chg="mod">
-          <ac:chgData name="Bo Tang" userId="332dbdf67b1791cd" providerId="LiveId" clId="{3BE4D848-BA37-48A2-9EC5-54C607BA4780}" dt="2024-03-15T03:19:33.715" v="38" actId="20577"/>
+          <ac:chgData name="Bo Tang" userId="332dbdf67b1791cd" providerId="LiveId" clId="{3BE4D848-BA37-48A2-9EC5-54C607BA4780}" dt="2024-03-15T21:09:19.362" v="61"/>
           <ac:cxnSpMkLst>
             <pc:docMk/>
             <pc:sldMk cId="705045716" sldId="256"/>
@@ -1344,7 +1344,7 @@
           </ac:cxnSpMkLst>
         </pc:cxnChg>
         <pc:cxnChg chg="mod">
-          <ac:chgData name="Bo Tang" userId="332dbdf67b1791cd" providerId="LiveId" clId="{3BE4D848-BA37-48A2-9EC5-54C607BA4780}" dt="2024-03-15T03:19:33.715" v="38" actId="20577"/>
+          <ac:chgData name="Bo Tang" userId="332dbdf67b1791cd" providerId="LiveId" clId="{3BE4D848-BA37-48A2-9EC5-54C607BA4780}" dt="2024-03-15T21:09:19.362" v="61"/>
           <ac:cxnSpMkLst>
             <pc:docMk/>
             <pc:sldMk cId="705045716" sldId="256"/>
@@ -1352,7 +1352,7 @@
           </ac:cxnSpMkLst>
         </pc:cxnChg>
         <pc:cxnChg chg="mod">
-          <ac:chgData name="Bo Tang" userId="332dbdf67b1791cd" providerId="LiveId" clId="{3BE4D848-BA37-48A2-9EC5-54C607BA4780}" dt="2024-03-15T03:19:33.715" v="38" actId="20577"/>
+          <ac:chgData name="Bo Tang" userId="332dbdf67b1791cd" providerId="LiveId" clId="{3BE4D848-BA37-48A2-9EC5-54C607BA4780}" dt="2024-03-15T21:09:19.362" v="61"/>
           <ac:cxnSpMkLst>
             <pc:docMk/>
             <pc:sldMk cId="705045716" sldId="256"/>
@@ -1360,7 +1360,7 @@
           </ac:cxnSpMkLst>
         </pc:cxnChg>
         <pc:cxnChg chg="mod">
-          <ac:chgData name="Bo Tang" userId="332dbdf67b1791cd" providerId="LiveId" clId="{3BE4D848-BA37-48A2-9EC5-54C607BA4780}" dt="2024-03-15T03:19:33.715" v="38" actId="20577"/>
+          <ac:chgData name="Bo Tang" userId="332dbdf67b1791cd" providerId="LiveId" clId="{3BE4D848-BA37-48A2-9EC5-54C607BA4780}" dt="2024-03-15T21:09:19.362" v="61"/>
           <ac:cxnSpMkLst>
             <pc:docMk/>
             <pc:sldMk cId="705045716" sldId="256"/>
@@ -1368,7 +1368,7 @@
           </ac:cxnSpMkLst>
         </pc:cxnChg>
         <pc:cxnChg chg="mod">
-          <ac:chgData name="Bo Tang" userId="332dbdf67b1791cd" providerId="LiveId" clId="{3BE4D848-BA37-48A2-9EC5-54C607BA4780}" dt="2024-03-15T03:19:33.715" v="38" actId="20577"/>
+          <ac:chgData name="Bo Tang" userId="332dbdf67b1791cd" providerId="LiveId" clId="{3BE4D848-BA37-48A2-9EC5-54C607BA4780}" dt="2024-03-15T21:09:19.362" v="61"/>
           <ac:cxnSpMkLst>
             <pc:docMk/>
             <pc:sldMk cId="705045716" sldId="256"/>
@@ -1376,7 +1376,7 @@
           </ac:cxnSpMkLst>
         </pc:cxnChg>
         <pc:cxnChg chg="mod">
-          <ac:chgData name="Bo Tang" userId="332dbdf67b1791cd" providerId="LiveId" clId="{3BE4D848-BA37-48A2-9EC5-54C607BA4780}" dt="2024-03-15T03:19:33.715" v="38" actId="20577"/>
+          <ac:chgData name="Bo Tang" userId="332dbdf67b1791cd" providerId="LiveId" clId="{3BE4D848-BA37-48A2-9EC5-54C607BA4780}" dt="2024-03-15T21:09:19.362" v="61"/>
           <ac:cxnSpMkLst>
             <pc:docMk/>
             <pc:sldMk cId="705045716" sldId="256"/>
@@ -1384,7 +1384,7 @@
           </ac:cxnSpMkLst>
         </pc:cxnChg>
         <pc:cxnChg chg="mod">
-          <ac:chgData name="Bo Tang" userId="332dbdf67b1791cd" providerId="LiveId" clId="{3BE4D848-BA37-48A2-9EC5-54C607BA4780}" dt="2024-03-15T03:19:33.715" v="38" actId="20577"/>
+          <ac:chgData name="Bo Tang" userId="332dbdf67b1791cd" providerId="LiveId" clId="{3BE4D848-BA37-48A2-9EC5-54C607BA4780}" dt="2024-03-15T21:09:19.362" v="61"/>
           <ac:cxnSpMkLst>
             <pc:docMk/>
             <pc:sldMk cId="705045716" sldId="256"/>
@@ -1392,7 +1392,7 @@
           </ac:cxnSpMkLst>
         </pc:cxnChg>
         <pc:cxnChg chg="mod">
-          <ac:chgData name="Bo Tang" userId="332dbdf67b1791cd" providerId="LiveId" clId="{3BE4D848-BA37-48A2-9EC5-54C607BA4780}" dt="2024-03-15T03:19:33.715" v="38" actId="20577"/>
+          <ac:chgData name="Bo Tang" userId="332dbdf67b1791cd" providerId="LiveId" clId="{3BE4D848-BA37-48A2-9EC5-54C607BA4780}" dt="2024-03-15T21:09:19.362" v="61"/>
           <ac:cxnSpMkLst>
             <pc:docMk/>
             <pc:sldMk cId="705045716" sldId="256"/>
@@ -1400,7 +1400,7 @@
           </ac:cxnSpMkLst>
         </pc:cxnChg>
         <pc:cxnChg chg="mod">
-          <ac:chgData name="Bo Tang" userId="332dbdf67b1791cd" providerId="LiveId" clId="{3BE4D848-BA37-48A2-9EC5-54C607BA4780}" dt="2024-03-15T03:19:33.715" v="38" actId="20577"/>
+          <ac:chgData name="Bo Tang" userId="332dbdf67b1791cd" providerId="LiveId" clId="{3BE4D848-BA37-48A2-9EC5-54C607BA4780}" dt="2024-03-15T21:09:19.362" v="61"/>
           <ac:cxnSpMkLst>
             <pc:docMk/>
             <pc:sldMk cId="705045716" sldId="256"/>
@@ -1408,7 +1408,7 @@
           </ac:cxnSpMkLst>
         </pc:cxnChg>
         <pc:cxnChg chg="mod">
-          <ac:chgData name="Bo Tang" userId="332dbdf67b1791cd" providerId="LiveId" clId="{3BE4D848-BA37-48A2-9EC5-54C607BA4780}" dt="2024-03-15T03:19:33.715" v="38" actId="20577"/>
+          <ac:chgData name="Bo Tang" userId="332dbdf67b1791cd" providerId="LiveId" clId="{3BE4D848-BA37-48A2-9EC5-54C607BA4780}" dt="2024-03-15T21:09:19.362" v="61"/>
           <ac:cxnSpMkLst>
             <pc:docMk/>
             <pc:sldMk cId="705045716" sldId="256"/>
@@ -1416,7 +1416,7 @@
           </ac:cxnSpMkLst>
         </pc:cxnChg>
         <pc:cxnChg chg="mod">
-          <ac:chgData name="Bo Tang" userId="332dbdf67b1791cd" providerId="LiveId" clId="{3BE4D848-BA37-48A2-9EC5-54C607BA4780}" dt="2024-03-15T03:19:33.715" v="38" actId="20577"/>
+          <ac:chgData name="Bo Tang" userId="332dbdf67b1791cd" providerId="LiveId" clId="{3BE4D848-BA37-48A2-9EC5-54C607BA4780}" dt="2024-03-15T21:09:19.362" v="61"/>
           <ac:cxnSpMkLst>
             <pc:docMk/>
             <pc:sldMk cId="705045716" sldId="256"/>
@@ -1424,7 +1424,7 @@
           </ac:cxnSpMkLst>
         </pc:cxnChg>
         <pc:cxnChg chg="mod">
-          <ac:chgData name="Bo Tang" userId="332dbdf67b1791cd" providerId="LiveId" clId="{3BE4D848-BA37-48A2-9EC5-54C607BA4780}" dt="2024-03-15T03:19:33.715" v="38" actId="20577"/>
+          <ac:chgData name="Bo Tang" userId="332dbdf67b1791cd" providerId="LiveId" clId="{3BE4D848-BA37-48A2-9EC5-54C607BA4780}" dt="2024-03-15T21:09:19.362" v="61"/>
           <ac:cxnSpMkLst>
             <pc:docMk/>
             <pc:sldMk cId="705045716" sldId="256"/>
@@ -1432,7 +1432,7 @@
           </ac:cxnSpMkLst>
         </pc:cxnChg>
         <pc:cxnChg chg="mod">
-          <ac:chgData name="Bo Tang" userId="332dbdf67b1791cd" providerId="LiveId" clId="{3BE4D848-BA37-48A2-9EC5-54C607BA4780}" dt="2024-03-15T03:19:33.715" v="38" actId="20577"/>
+          <ac:chgData name="Bo Tang" userId="332dbdf67b1791cd" providerId="LiveId" clId="{3BE4D848-BA37-48A2-9EC5-54C607BA4780}" dt="2024-03-15T21:09:19.362" v="61"/>
           <ac:cxnSpMkLst>
             <pc:docMk/>
             <pc:sldMk cId="705045716" sldId="256"/>
@@ -1440,7 +1440,7 @@
           </ac:cxnSpMkLst>
         </pc:cxnChg>
         <pc:cxnChg chg="mod">
-          <ac:chgData name="Bo Tang" userId="332dbdf67b1791cd" providerId="LiveId" clId="{3BE4D848-BA37-48A2-9EC5-54C607BA4780}" dt="2024-03-15T03:19:33.715" v="38" actId="20577"/>
+          <ac:chgData name="Bo Tang" userId="332dbdf67b1791cd" providerId="LiveId" clId="{3BE4D848-BA37-48A2-9EC5-54C607BA4780}" dt="2024-03-15T21:09:19.362" v="61"/>
           <ac:cxnSpMkLst>
             <pc:docMk/>
             <pc:sldMk cId="705045716" sldId="256"/>
@@ -1448,7 +1448,7 @@
           </ac:cxnSpMkLst>
         </pc:cxnChg>
         <pc:cxnChg chg="mod">
-          <ac:chgData name="Bo Tang" userId="332dbdf67b1791cd" providerId="LiveId" clId="{3BE4D848-BA37-48A2-9EC5-54C607BA4780}" dt="2024-03-15T03:19:33.715" v="38" actId="20577"/>
+          <ac:chgData name="Bo Tang" userId="332dbdf67b1791cd" providerId="LiveId" clId="{3BE4D848-BA37-48A2-9EC5-54C607BA4780}" dt="2024-03-15T21:09:19.362" v="61"/>
           <ac:cxnSpMkLst>
             <pc:docMk/>
             <pc:sldMk cId="705045716" sldId="256"/>
@@ -1456,7 +1456,7 @@
           </ac:cxnSpMkLst>
         </pc:cxnChg>
         <pc:cxnChg chg="mod">
-          <ac:chgData name="Bo Tang" userId="332dbdf67b1791cd" providerId="LiveId" clId="{3BE4D848-BA37-48A2-9EC5-54C607BA4780}" dt="2024-03-15T03:19:33.715" v="38" actId="20577"/>
+          <ac:chgData name="Bo Tang" userId="332dbdf67b1791cd" providerId="LiveId" clId="{3BE4D848-BA37-48A2-9EC5-54C607BA4780}" dt="2024-03-15T21:09:19.362" v="61"/>
           <ac:cxnSpMkLst>
             <pc:docMk/>
             <pc:sldMk cId="705045716" sldId="256"/>
@@ -1600,7 +1600,7 @@
           <a:p>
             <a:fld id="{0B04F3FB-EDA5-4822-9BA5-D8877646BC90}" type="datetimeFigureOut">
               <a:rPr lang="en-US" smtClean="0"/>
-              <a:t>2024-03-14</a:t>
+              <a:t>2024-03-15</a:t>
             </a:fld>
             <a:endParaRPr lang="en-US"/>
           </a:p>
@@ -1770,7 +1770,7 @@
           <a:p>
             <a:fld id="{0B04F3FB-EDA5-4822-9BA5-D8877646BC90}" type="datetimeFigureOut">
               <a:rPr lang="en-US" smtClean="0"/>
-              <a:t>2024-03-14</a:t>
+              <a:t>2024-03-15</a:t>
             </a:fld>
             <a:endParaRPr lang="en-US"/>
           </a:p>
@@ -1950,7 +1950,7 @@
           <a:p>
             <a:fld id="{0B04F3FB-EDA5-4822-9BA5-D8877646BC90}" type="datetimeFigureOut">
               <a:rPr lang="en-US" smtClean="0"/>
-              <a:t>2024-03-14</a:t>
+              <a:t>2024-03-15</a:t>
             </a:fld>
             <a:endParaRPr lang="en-US"/>
           </a:p>
@@ -2120,7 +2120,7 @@
           <a:p>
             <a:fld id="{0B04F3FB-EDA5-4822-9BA5-D8877646BC90}" type="datetimeFigureOut">
               <a:rPr lang="en-US" smtClean="0"/>
-              <a:t>2024-03-14</a:t>
+              <a:t>2024-03-15</a:t>
             </a:fld>
             <a:endParaRPr lang="en-US"/>
           </a:p>
@@ -2366,7 +2366,7 @@
           <a:p>
             <a:fld id="{0B04F3FB-EDA5-4822-9BA5-D8877646BC90}" type="datetimeFigureOut">
               <a:rPr lang="en-US" smtClean="0"/>
-              <a:t>2024-03-14</a:t>
+              <a:t>2024-03-15</a:t>
             </a:fld>
             <a:endParaRPr lang="en-US"/>
           </a:p>
@@ -2598,7 +2598,7 @@
           <a:p>
             <a:fld id="{0B04F3FB-EDA5-4822-9BA5-D8877646BC90}" type="datetimeFigureOut">
               <a:rPr lang="en-US" smtClean="0"/>
-              <a:t>2024-03-14</a:t>
+              <a:t>2024-03-15</a:t>
             </a:fld>
             <a:endParaRPr lang="en-US"/>
           </a:p>
@@ -2965,7 +2965,7 @@
           <a:p>
             <a:fld id="{0B04F3FB-EDA5-4822-9BA5-D8877646BC90}" type="datetimeFigureOut">
               <a:rPr lang="en-US" smtClean="0"/>
-              <a:t>2024-03-14</a:t>
+              <a:t>2024-03-15</a:t>
             </a:fld>
             <a:endParaRPr lang="en-US"/>
           </a:p>
@@ -3083,7 +3083,7 @@
           <a:p>
             <a:fld id="{0B04F3FB-EDA5-4822-9BA5-D8877646BC90}" type="datetimeFigureOut">
               <a:rPr lang="en-US" smtClean="0"/>
-              <a:t>2024-03-14</a:t>
+              <a:t>2024-03-15</a:t>
             </a:fld>
             <a:endParaRPr lang="en-US"/>
           </a:p>
@@ -3178,7 +3178,7 @@
           <a:p>
             <a:fld id="{0B04F3FB-EDA5-4822-9BA5-D8877646BC90}" type="datetimeFigureOut">
               <a:rPr lang="en-US" smtClean="0"/>
-              <a:t>2024-03-14</a:t>
+              <a:t>2024-03-15</a:t>
             </a:fld>
             <a:endParaRPr lang="en-US"/>
           </a:p>
@@ -3455,7 +3455,7 @@
           <a:p>
             <a:fld id="{0B04F3FB-EDA5-4822-9BA5-D8877646BC90}" type="datetimeFigureOut">
               <a:rPr lang="en-US" smtClean="0"/>
-              <a:t>2024-03-14</a:t>
+              <a:t>2024-03-15</a:t>
             </a:fld>
             <a:endParaRPr lang="en-US"/>
           </a:p>
@@ -3712,7 +3712,7 @@
           <a:p>
             <a:fld id="{0B04F3FB-EDA5-4822-9BA5-D8877646BC90}" type="datetimeFigureOut">
               <a:rPr lang="en-US" smtClean="0"/>
-              <a:t>2024-03-14</a:t>
+              <a:t>2024-03-15</a:t>
             </a:fld>
             <a:endParaRPr lang="en-US"/>
           </a:p>
@@ -3925,7 +3925,7 @@
           <a:p>
             <a:fld id="{0B04F3FB-EDA5-4822-9BA5-D8877646BC90}" type="datetimeFigureOut">
               <a:rPr lang="en-US" smtClean="0"/>
-              <a:t>2024-03-14</a:t>
+              <a:t>2024-03-15</a:t>
             </a:fld>
             <a:endParaRPr lang="en-US"/>
           </a:p>
@@ -4345,9 +4345,9 @@
         <p:grpSpPr>
           <a:xfrm>
             <a:off x="97290" y="0"/>
-            <a:ext cx="7669893" cy="2373937"/>
+            <a:ext cx="7695238" cy="2373937"/>
             <a:chOff x="369760" y="190376"/>
-            <a:chExt cx="7669893" cy="2373937"/>
+            <a:chExt cx="7695238" cy="2373937"/>
           </a:xfrm>
         </p:grpSpPr>
         <p:grpSp>
@@ -8093,9 +8093,9 @@
           <p:grpSpPr>
             <a:xfrm>
               <a:off x="5948397" y="193368"/>
-              <a:ext cx="2091256" cy="2370945"/>
+              <a:ext cx="2116601" cy="2370945"/>
               <a:chOff x="8201667" y="3097160"/>
-              <a:chExt cx="2091256" cy="2370945"/>
+              <a:chExt cx="2116601" cy="2370945"/>
             </a:xfrm>
           </p:grpSpPr>
           <p:grpSp>
@@ -8605,10 +8605,10 @@
             </p:nvGrpSpPr>
             <p:grpSpPr>
               <a:xfrm>
-                <a:off x="8253874" y="3097160"/>
-                <a:ext cx="1984445" cy="1308780"/>
-                <a:chOff x="8253874" y="3097160"/>
-                <a:chExt cx="1984445" cy="1308780"/>
+                <a:off x="8233543" y="3097160"/>
+                <a:ext cx="2084725" cy="1308780"/>
+                <a:chOff x="8233543" y="3097160"/>
+                <a:chExt cx="2084725" cy="1308780"/>
               </a:xfrm>
             </p:grpSpPr>
             <p:grpSp>
@@ -9400,8 +9400,8 @@
                   </p:nvSpPr>
                   <p:spPr>
                     <a:xfrm>
-                      <a:off x="8253874" y="3097160"/>
-                      <a:ext cx="1984445" cy="720454"/>
+                      <a:off x="8233543" y="3097160"/>
+                      <a:ext cx="2084725" cy="747512"/>
                     </a:xfrm>
                     <a:prstGeom prst="rect">
                       <a:avLst/>
@@ -9798,6 +9798,7 @@
                               <m:naryPr>
                                 <m:chr m:val="∑"/>
                                 <m:limLoc m:val="subSup"/>
+                                <m:supHide m:val="on"/>
                                 <m:ctrlPr>
                                   <a:rPr lang="en-US" altLang="zh-CN" sz="1500" i="1">
                                     <a:solidFill>
@@ -9810,61 +9811,10 @@
                                 </m:ctrlPr>
                               </m:naryPr>
                               <m:sub>
-                                <m:r>
-                                  <m:rPr>
-                                    <m:brk m:alnAt="25"/>
-                                  </m:rPr>
-                                  <a:rPr lang="en-US" sz="1500" i="1">
-                                    <a:solidFill>
-                                      <a:schemeClr val="tx2">
-                                        <a:lumMod val="50000"/>
-                                      </a:schemeClr>
-                                    </a:solidFill>
-                                    <a:latin typeface="Cambria Math" panose="02040503050406030204" pitchFamily="18" charset="0"/>
-                                  </a:rPr>
-                                  <m:t>𝑗</m:t>
-                                </m:r>
-                                <m:r>
-                                  <a:rPr lang="en-US" sz="1500" i="1">
-                                    <a:solidFill>
-                                      <a:schemeClr val="tx2">
-                                        <a:lumMod val="50000"/>
-                                      </a:schemeClr>
-                                    </a:solidFill>
-                                    <a:latin typeface="Cambria Math" panose="02040503050406030204" pitchFamily="18" charset="0"/>
-                                  </a:rPr>
-                                  <m:t>=</m:t>
-                                </m:r>
-                                <m:r>
-                                  <a:rPr lang="en-US" sz="1500" i="1" smtClean="0">
-                                    <a:solidFill>
-                                      <a:schemeClr val="tx2">
-                                        <a:lumMod val="50000"/>
-                                      </a:schemeClr>
-                                    </a:solidFill>
-                                    <a:latin typeface="Cambria Math" panose="02040503050406030204" pitchFamily="18" charset="0"/>
-                                  </a:rPr>
-                                  <m:t>1</m:t>
-                                </m:r>
-                              </m:sub>
-                              <m:sup>
-                                <m:r>
-                                  <a:rPr lang="en-US" sz="1500" b="0" i="1" smtClean="0">
-                                    <a:solidFill>
-                                      <a:schemeClr val="tx2">
-                                        <a:lumMod val="50000"/>
-                                      </a:schemeClr>
-                                    </a:solidFill>
-                                    <a:latin typeface="Cambria Math" panose="02040503050406030204" pitchFamily="18" charset="0"/>
-                                  </a:rPr>
-                                  <m:t>𝑚</m:t>
-                                </m:r>
-                              </m:sup>
-                              <m:e>
                                 <m:sSub>
                                   <m:sSubPr>
                                     <m:ctrlPr>
-                                      <a:rPr lang="en-US" sz="1500" b="1" i="1" smtClean="0">
+                                      <a:rPr lang="en-US" sz="1500" b="1" i="1">
                                         <a:solidFill>
                                           <a:schemeClr val="tx2">
                                             <a:lumMod val="50000"/>
@@ -9876,36 +9826,18 @@
                                     </m:ctrlPr>
                                   </m:sSubPr>
                                   <m:e>
-                                    <m:acc>
-                                      <m:accPr>
-                                        <m:chr m:val="̃"/>
-                                        <m:ctrlPr>
-                                          <a:rPr lang="en-US" sz="1500" b="1" i="1">
-                                            <a:solidFill>
-                                              <a:schemeClr val="tx2">
-                                                <a:lumMod val="50000"/>
-                                              </a:schemeClr>
-                                            </a:solidFill>
-                                            <a:latin typeface="Cambria Math" panose="02040503050406030204" pitchFamily="18" charset="0"/>
-                                            <a:ea typeface="Cambria Math" panose="02040503050406030204" pitchFamily="18" charset="0"/>
-                                          </a:rPr>
-                                        </m:ctrlPr>
-                                      </m:accPr>
-                                      <m:e>
-                                        <m:r>
-                                          <a:rPr lang="en-US" sz="1500" b="1" i="1">
-                                            <a:solidFill>
-                                              <a:schemeClr val="tx2">
-                                                <a:lumMod val="50000"/>
-                                              </a:schemeClr>
-                                            </a:solidFill>
-                                            <a:latin typeface="Cambria Math" panose="02040503050406030204" pitchFamily="18" charset="0"/>
-                                            <a:ea typeface="Cambria Math" panose="02040503050406030204" pitchFamily="18" charset="0"/>
-                                          </a:rPr>
-                                          <m:t>𝑨</m:t>
-                                        </m:r>
-                                      </m:e>
-                                    </m:acc>
+                                    <m:r>
+                                      <a:rPr lang="en-US" sz="1500" b="1" i="1">
+                                        <a:solidFill>
+                                          <a:schemeClr val="tx2">
+                                            <a:lumMod val="50000"/>
+                                          </a:schemeClr>
+                                        </a:solidFill>
+                                        <a:latin typeface="Cambria Math" panose="02040503050406030204" pitchFamily="18" charset="0"/>
+                                        <a:ea typeface="Cambria Math" panose="02040503050406030204" pitchFamily="18" charset="0"/>
+                                      </a:rPr>
+                                      <m:t>𝒂</m:t>
+                                    </m:r>
                                   </m:e>
                                   <m:sub>
                                     <m:r>
@@ -9921,6 +9853,48 @@
                                     </m:r>
                                   </m:sub>
                                 </m:sSub>
+                                <m:r>
+                                  <a:rPr lang="en-US" sz="1500" b="1" i="1" smtClean="0">
+                                    <a:solidFill>
+                                      <a:schemeClr val="tx2">
+                                        <a:lumMod val="50000"/>
+                                      </a:schemeClr>
+                                    </a:solidFill>
+                                    <a:latin typeface="Cambria Math" panose="02040503050406030204" pitchFamily="18" charset="0"/>
+                                    <a:ea typeface="Cambria Math" panose="02040503050406030204" pitchFamily="18" charset="0"/>
+                                  </a:rPr>
+                                  <m:t>∈</m:t>
+                                </m:r>
+                                <m:acc>
+                                  <m:accPr>
+                                    <m:chr m:val="̃"/>
+                                    <m:ctrlPr>
+                                      <a:rPr lang="en-US" sz="1500" b="1" i="1">
+                                        <a:solidFill>
+                                          <a:schemeClr val="tx2">
+                                            <a:lumMod val="50000"/>
+                                          </a:schemeClr>
+                                        </a:solidFill>
+                                        <a:latin typeface="Cambria Math" panose="02040503050406030204" pitchFamily="18" charset="0"/>
+                                        <a:ea typeface="Cambria Math" panose="02040503050406030204" pitchFamily="18" charset="0"/>
+                                      </a:rPr>
+                                    </m:ctrlPr>
+                                  </m:accPr>
+                                  <m:e>
+                                    <m:r>
+                                      <a:rPr lang="en-US" sz="1500" b="1" i="1">
+                                        <a:solidFill>
+                                          <a:schemeClr val="tx2">
+                                            <a:lumMod val="50000"/>
+                                          </a:schemeClr>
+                                        </a:solidFill>
+                                        <a:latin typeface="Cambria Math" panose="02040503050406030204" pitchFamily="18" charset="0"/>
+                                        <a:ea typeface="Cambria Math" panose="02040503050406030204" pitchFamily="18" charset="0"/>
+                                      </a:rPr>
+                                      <m:t>𝑨</m:t>
+                                    </m:r>
+                                  </m:e>
+                                </m:acc>
                                 <m:d>
                                   <m:dPr>
                                     <m:ctrlPr>
@@ -9950,6 +9924,51 @@
                                     </m:r>
                                   </m:e>
                                 </m:d>
+                              </m:sub>
+                              <m:sup/>
+                              <m:e>
+                                <m:sSub>
+                                  <m:sSubPr>
+                                    <m:ctrlPr>
+                                      <a:rPr lang="en-US" sz="1500" b="1" i="1" smtClean="0">
+                                        <a:solidFill>
+                                          <a:schemeClr val="tx2">
+                                            <a:lumMod val="50000"/>
+                                          </a:schemeClr>
+                                        </a:solidFill>
+                                        <a:latin typeface="Cambria Math" panose="02040503050406030204" pitchFamily="18" charset="0"/>
+                                        <a:ea typeface="Cambria Math" panose="02040503050406030204" pitchFamily="18" charset="0"/>
+                                      </a:rPr>
+                                    </m:ctrlPr>
+                                  </m:sSubPr>
+                                  <m:e>
+                                    <m:r>
+                                      <a:rPr lang="en-US" sz="1500" b="1" i="1" smtClean="0">
+                                        <a:solidFill>
+                                          <a:schemeClr val="tx2">
+                                            <a:lumMod val="50000"/>
+                                          </a:schemeClr>
+                                        </a:solidFill>
+                                        <a:latin typeface="Cambria Math" panose="02040503050406030204" pitchFamily="18" charset="0"/>
+                                        <a:ea typeface="Cambria Math" panose="02040503050406030204" pitchFamily="18" charset="0"/>
+                                      </a:rPr>
+                                      <m:t>𝒂</m:t>
+                                    </m:r>
+                                  </m:e>
+                                  <m:sub>
+                                    <m:r>
+                                      <a:rPr lang="en-US" sz="1500" i="1">
+                                        <a:solidFill>
+                                          <a:schemeClr val="tx2">
+                                            <a:lumMod val="50000"/>
+                                          </a:schemeClr>
+                                        </a:solidFill>
+                                        <a:latin typeface="Cambria Math" panose="02040503050406030204" pitchFamily="18" charset="0"/>
+                                      </a:rPr>
+                                      <m:t>𝑗</m:t>
+                                    </m:r>
+                                  </m:sub>
+                                </m:sSub>
                               </m:e>
                             </m:nary>
                           </m:oMath>
@@ -9983,8 +10002,8 @@
                   </p:nvSpPr>
                   <p:spPr>
                     <a:xfrm>
-                      <a:off x="8253874" y="3097160"/>
-                      <a:ext cx="1984445" cy="720454"/>
+                      <a:off x="8233543" y="3097160"/>
+                      <a:ext cx="2084725" cy="747512"/>
                     </a:xfrm>
                     <a:prstGeom prst="rect">
                       <a:avLst/>
@@ -9992,7 +10011,7 @@
                     <a:blipFill>
                       <a:blip r:embed="rId12"/>
                       <a:stretch>
-                        <a:fillRect l="-1846" t="-82353" r="-30462" b="-165546"/>
+                        <a:fillRect t="-79675" r="-26901" b="-156911"/>
                       </a:stretch>
                     </a:blipFill>
                   </p:spPr>
